--- a/AtliQ Mart Festive Promotions Analysis.pptx
+++ b/AtliQ Mart Festive Promotions Analysis.pptx
@@ -8,29 +8,31 @@
     <p:sldId id="256" r:id="rId2"/>
     <p:sldId id="257" r:id="rId3"/>
     <p:sldId id="258" r:id="rId4"/>
-    <p:sldId id="259" r:id="rId5"/>
-    <p:sldId id="260" r:id="rId6"/>
-    <p:sldId id="264" r:id="rId7"/>
-    <p:sldId id="265" r:id="rId8"/>
-    <p:sldId id="266" r:id="rId9"/>
-    <p:sldId id="267" r:id="rId10"/>
-    <p:sldId id="262" r:id="rId11"/>
-    <p:sldId id="268" r:id="rId12"/>
-    <p:sldId id="263" r:id="rId13"/>
-    <p:sldId id="269" r:id="rId14"/>
-    <p:sldId id="272" r:id="rId15"/>
-    <p:sldId id="273" r:id="rId16"/>
-    <p:sldId id="274" r:id="rId17"/>
-    <p:sldId id="275" r:id="rId18"/>
-    <p:sldId id="276" r:id="rId19"/>
-    <p:sldId id="277" r:id="rId20"/>
-    <p:sldId id="278" r:id="rId21"/>
-    <p:sldId id="279" r:id="rId22"/>
-    <p:sldId id="280" r:id="rId23"/>
-    <p:sldId id="281" r:id="rId24"/>
-    <p:sldId id="282" r:id="rId25"/>
-    <p:sldId id="283" r:id="rId26"/>
-    <p:sldId id="284" r:id="rId27"/>
+    <p:sldId id="287" r:id="rId5"/>
+    <p:sldId id="285" r:id="rId6"/>
+    <p:sldId id="259" r:id="rId7"/>
+    <p:sldId id="260" r:id="rId8"/>
+    <p:sldId id="264" r:id="rId9"/>
+    <p:sldId id="265" r:id="rId10"/>
+    <p:sldId id="266" r:id="rId11"/>
+    <p:sldId id="267" r:id="rId12"/>
+    <p:sldId id="262" r:id="rId13"/>
+    <p:sldId id="268" r:id="rId14"/>
+    <p:sldId id="263" r:id="rId15"/>
+    <p:sldId id="269" r:id="rId16"/>
+    <p:sldId id="272" r:id="rId17"/>
+    <p:sldId id="273" r:id="rId18"/>
+    <p:sldId id="274" r:id="rId19"/>
+    <p:sldId id="275" r:id="rId20"/>
+    <p:sldId id="276" r:id="rId21"/>
+    <p:sldId id="277" r:id="rId22"/>
+    <p:sldId id="278" r:id="rId23"/>
+    <p:sldId id="279" r:id="rId24"/>
+    <p:sldId id="280" r:id="rId25"/>
+    <p:sldId id="281" r:id="rId26"/>
+    <p:sldId id="282" r:id="rId27"/>
+    <p:sldId id="283" r:id="rId28"/>
+    <p:sldId id="284" r:id="rId29"/>
   </p:sldIdLst>
   <p:sldSz cx="12192000" cy="6858000"/>
   <p:notesSz cx="6858000" cy="9144000"/>
@@ -140,7 +142,7 @@
 <file path=ppt/revisionInfo.xml><?xml version="1.0" encoding="utf-8"?>
 <p1510:revInfo xmlns:a="http://schemas.openxmlformats.org/drawingml/2006/main" xmlns:r="http://schemas.openxmlformats.org/officeDocument/2006/relationships" xmlns:p1510="http://schemas.microsoft.com/office/powerpoint/2015/10/main">
   <p1510:revLst>
-    <p1510:client id="{7CA76BE9-0E21-4F85-9A62-05CA8ABFA93F}" v="151" dt="2024-03-05T17:40:42.140"/>
+    <p1510:client id="{7CA76BE9-0E21-4F85-9A62-05CA8ABFA93F}" v="156" dt="2024-03-05T18:00:28.674"/>
   </p1510:revLst>
 </p1510:revInfo>
 </file>
@@ -150,7 +152,7 @@
   <pc:docChgLst>
     <pc:chgData name="Sougat Dey" userId="6fe7dab3-ba33-4b13-9059-5d152beceab6" providerId="ADAL" clId="{7CA76BE9-0E21-4F85-9A62-05CA8ABFA93F}"/>
     <pc:docChg chg="undo redo custSel addSld delSld modSld addMainMaster delMainMaster modMainMaster">
-      <pc:chgData name="Sougat Dey" userId="6fe7dab3-ba33-4b13-9059-5d152beceab6" providerId="ADAL" clId="{7CA76BE9-0E21-4F85-9A62-05CA8ABFA93F}" dt="2024-03-05T17:44:38.305" v="5092" actId="14100"/>
+      <pc:chgData name="Sougat Dey" userId="6fe7dab3-ba33-4b13-9059-5d152beceab6" providerId="ADAL" clId="{7CA76BE9-0E21-4F85-9A62-05CA8ABFA93F}" dt="2024-03-05T18:00:07.152" v="5150" actId="14100"/>
       <pc:docMkLst>
         <pc:docMk/>
       </pc:docMkLst>
@@ -298,7 +300,7 @@
         </pc:picChg>
       </pc:sldChg>
       <pc:sldChg chg="modSp new mod setBg">
-        <pc:chgData name="Sougat Dey" userId="6fe7dab3-ba33-4b13-9059-5d152beceab6" providerId="ADAL" clId="{7CA76BE9-0E21-4F85-9A62-05CA8ABFA93F}" dt="2024-03-05T17:09:32.127" v="4434" actId="1076"/>
+        <pc:chgData name="Sougat Dey" userId="6fe7dab3-ba33-4b13-9059-5d152beceab6" providerId="ADAL" clId="{7CA76BE9-0E21-4F85-9A62-05CA8ABFA93F}" dt="2024-03-05T18:00:07.152" v="5150" actId="14100"/>
         <pc:sldMkLst>
           <pc:docMk/>
           <pc:sldMk cId="179648996" sldId="257"/>
@@ -312,7 +314,7 @@
           </ac:spMkLst>
         </pc:spChg>
         <pc:spChg chg="mod">
-          <ac:chgData name="Sougat Dey" userId="6fe7dab3-ba33-4b13-9059-5d152beceab6" providerId="ADAL" clId="{7CA76BE9-0E21-4F85-9A62-05CA8ABFA93F}" dt="2024-03-05T17:09:32.127" v="4434" actId="1076"/>
+          <ac:chgData name="Sougat Dey" userId="6fe7dab3-ba33-4b13-9059-5d152beceab6" providerId="ADAL" clId="{7CA76BE9-0E21-4F85-9A62-05CA8ABFA93F}" dt="2024-03-05T18:00:07.152" v="5150" actId="14100"/>
           <ac:spMkLst>
             <pc:docMk/>
             <pc:sldMk cId="179648996" sldId="257"/>
@@ -1881,6 +1883,59 @@
             <ac:picMk id="6" creationId="{6E495AB7-C573-87FE-8EA4-9B71E8B141A7}"/>
           </ac:picMkLst>
         </pc:picChg>
+      </pc:sldChg>
+      <pc:sldChg chg="addSp delSp modSp new mod">
+        <pc:chgData name="Sougat Dey" userId="6fe7dab3-ba33-4b13-9059-5d152beceab6" providerId="ADAL" clId="{7CA76BE9-0E21-4F85-9A62-05CA8ABFA93F}" dt="2024-03-05T17:59:09.132" v="5099" actId="1076"/>
+        <pc:sldMkLst>
+          <pc:docMk/>
+          <pc:sldMk cId="3072143078" sldId="285"/>
+        </pc:sldMkLst>
+        <pc:spChg chg="del">
+          <ac:chgData name="Sougat Dey" userId="6fe7dab3-ba33-4b13-9059-5d152beceab6" providerId="ADAL" clId="{7CA76BE9-0E21-4F85-9A62-05CA8ABFA93F}" dt="2024-03-05T17:58:39.027" v="5094" actId="478"/>
+          <ac:spMkLst>
+            <pc:docMk/>
+            <pc:sldMk cId="3072143078" sldId="285"/>
+            <ac:spMk id="2" creationId="{80F88112-EA6E-FE5E-14D2-1C848695796A}"/>
+          </ac:spMkLst>
+        </pc:spChg>
+        <pc:spChg chg="del">
+          <ac:chgData name="Sougat Dey" userId="6fe7dab3-ba33-4b13-9059-5d152beceab6" providerId="ADAL" clId="{7CA76BE9-0E21-4F85-9A62-05CA8ABFA93F}" dt="2024-03-05T17:58:39.027" v="5094" actId="478"/>
+          <ac:spMkLst>
+            <pc:docMk/>
+            <pc:sldMk cId="3072143078" sldId="285"/>
+            <ac:spMk id="3" creationId="{4C890E11-40D9-986C-7593-312B26E73B7D}"/>
+          </ac:spMkLst>
+        </pc:spChg>
+        <pc:graphicFrameChg chg="add mod">
+          <ac:chgData name="Sougat Dey" userId="6fe7dab3-ba33-4b13-9059-5d152beceab6" providerId="ADAL" clId="{7CA76BE9-0E21-4F85-9A62-05CA8ABFA93F}" dt="2024-03-05T17:59:09.132" v="5099" actId="1076"/>
+          <ac:graphicFrameMkLst>
+            <pc:docMk/>
+            <pc:sldMk cId="3072143078" sldId="285"/>
+            <ac:graphicFrameMk id="4" creationId="{EAF17A07-DD97-D57E-6ECB-394C909584DD}"/>
+          </ac:graphicFrameMkLst>
+        </pc:graphicFrameChg>
+      </pc:sldChg>
+      <pc:sldChg chg="new del">
+        <pc:chgData name="Sougat Dey" userId="6fe7dab3-ba33-4b13-9059-5d152beceab6" providerId="ADAL" clId="{7CA76BE9-0E21-4F85-9A62-05CA8ABFA93F}" dt="2024-03-05T17:59:24.221" v="5102" actId="47"/>
+        <pc:sldMkLst>
+          <pc:docMk/>
+          <pc:sldMk cId="3207142760" sldId="286"/>
+        </pc:sldMkLst>
+      </pc:sldChg>
+      <pc:sldChg chg="modSp add mod">
+        <pc:chgData name="Sougat Dey" userId="6fe7dab3-ba33-4b13-9059-5d152beceab6" providerId="ADAL" clId="{7CA76BE9-0E21-4F85-9A62-05CA8ABFA93F}" dt="2024-03-05T17:59:37.473" v="5130" actId="20577"/>
+        <pc:sldMkLst>
+          <pc:docMk/>
+          <pc:sldMk cId="3892989365" sldId="287"/>
+        </pc:sldMkLst>
+        <pc:spChg chg="mod">
+          <ac:chgData name="Sougat Dey" userId="6fe7dab3-ba33-4b13-9059-5d152beceab6" providerId="ADAL" clId="{7CA76BE9-0E21-4F85-9A62-05CA8ABFA93F}" dt="2024-03-05T17:59:37.473" v="5130" actId="20577"/>
+          <ac:spMkLst>
+            <pc:docMk/>
+            <pc:sldMk cId="3892989365" sldId="287"/>
+            <ac:spMk id="2" creationId="{545BB8C9-D759-FE04-1312-89662EC13FB0}"/>
+          </ac:spMkLst>
+        </pc:spChg>
       </pc:sldChg>
       <pc:sldMasterChg chg="add del addSldLayout delSldLayout">
         <pc:chgData name="Sougat Dey" userId="6fe7dab3-ba33-4b13-9059-5d152beceab6" providerId="ADAL" clId="{7CA76BE9-0E21-4F85-9A62-05CA8ABFA93F}" dt="2024-03-05T07:55:35.660" v="15" actId="26606"/>
@@ -12612,6 +12667,508 @@
       </p:grpSpPr>
       <p:sp>
         <p:nvSpPr>
+          <p:cNvPr id="4" name="Title 1">
+            <a:extLst>
+              <a:ext uri="{FF2B5EF4-FFF2-40B4-BE49-F238E27FC236}">
+                <a16:creationId xmlns:a16="http://schemas.microsoft.com/office/drawing/2014/main" id="{98E0D946-B0E6-B304-A4C8-8D6343840F42}"/>
+              </a:ext>
+            </a:extLst>
+          </p:cNvPr>
+          <p:cNvSpPr>
+            <a:spLocks noGrp="1"/>
+          </p:cNvSpPr>
+          <p:nvPr>
+            <p:ph type="title"/>
+          </p:nvPr>
+        </p:nvSpPr>
+        <p:spPr>
+          <a:xfrm>
+            <a:off x="829323" y="560435"/>
+            <a:ext cx="9903781" cy="1286122"/>
+          </a:xfrm>
+        </p:spPr>
+        <p:txBody>
+          <a:bodyPr>
+            <a:noAutofit/>
+          </a:bodyPr>
+          <a:lstStyle/>
+          <a:p>
+            <a:r>
+              <a:rPr lang="en-IN" sz="2400" dirty="0">
+                <a:latin typeface="Arial" panose="020B0604020202020204" pitchFamily="34" charset="0"/>
+                <a:cs typeface="Arial" panose="020B0604020202020204" pitchFamily="34" charset="0"/>
+              </a:rPr>
+              <a:t>Q4. </a:t>
+            </a:r>
+            <a:r>
+              <a:rPr lang="en-US" sz="2400" dirty="0">
+                <a:latin typeface="Arial" panose="020B0604020202020204" pitchFamily="34" charset="0"/>
+                <a:cs typeface="Arial" panose="020B0604020202020204" pitchFamily="34" charset="0"/>
+              </a:rPr>
+              <a:t>Is there a significant difference in the performance of discount-based promotions versus BOGOF or cashback promotions?</a:t>
+            </a:r>
+            <a:endParaRPr lang="en-IN" sz="2400" dirty="0">
+              <a:latin typeface="Arial" panose="020B0604020202020204" pitchFamily="34" charset="0"/>
+              <a:cs typeface="Arial" panose="020B0604020202020204" pitchFamily="34" charset="0"/>
+            </a:endParaRPr>
+          </a:p>
+        </p:txBody>
+      </p:sp>
+      <mc:AlternateContent xmlns:mc="http://schemas.openxmlformats.org/markup-compatibility/2006" xmlns:we="http://schemas.microsoft.com/office/webextensions/webextension/2010/11" xmlns:pca="http://schemas.microsoft.com/office/powerpoint/2013/contentapp">
+        <mc:Choice Requires="we pca">
+          <p:graphicFrame>
+            <p:nvGraphicFramePr>
+              <p:cNvPr id="11" name="Add-in 10">
+                <a:extLst>
+                  <a:ext uri="{FF2B5EF4-FFF2-40B4-BE49-F238E27FC236}">
+                    <a16:creationId xmlns:a16="http://schemas.microsoft.com/office/drawing/2014/main" id="{BC6B4174-2433-A8D8-1CB8-AEA4ABD7D04B}"/>
+                  </a:ext>
+                </a:extLst>
+              </p:cNvPr>
+              <p:cNvGraphicFramePr>
+                <a:graphicFrameLocks noGrp="1"/>
+              </p:cNvGraphicFramePr>
+              <p:nvPr>
+                <p:extLst>
+                  <p:ext uri="{D42A27DB-BD31-4B8C-83A1-F6EECF244321}">
+                    <p14:modId xmlns:p14="http://schemas.microsoft.com/office/powerpoint/2010/main" val="2101091262"/>
+                  </p:ext>
+                </p:extLst>
+              </p:nvPr>
+            </p:nvGraphicFramePr>
+            <p:xfrm>
+              <a:off x="829323" y="3781887"/>
+              <a:ext cx="4728097" cy="2504612"/>
+            </p:xfrm>
+            <a:graphic>
+              <a:graphicData uri="http://schemas.microsoft.com/office/webextensions/webextension/2010/11">
+                <we:webextensionref xmlns:we="http://schemas.microsoft.com/office/webextensions/webextension/2010/11" xmlns:r="http://schemas.openxmlformats.org/officeDocument/2006/relationships" r:id="rId2"/>
+              </a:graphicData>
+            </a:graphic>
+          </p:graphicFrame>
+        </mc:Choice>
+        <mc:Fallback xmlns="">
+          <p:pic>
+            <p:nvPicPr>
+              <p:cNvPr id="11" name="Add-in 10">
+                <a:extLst>
+                  <a:ext uri="{FF2B5EF4-FFF2-40B4-BE49-F238E27FC236}">
+                    <a16:creationId xmlns:a16="http://schemas.microsoft.com/office/drawing/2014/main" id="{BC6B4174-2433-A8D8-1CB8-AEA4ABD7D04B}"/>
+                  </a:ext>
+                </a:extLst>
+              </p:cNvPr>
+              <p:cNvPicPr>
+                <a:picLocks noGrp="1" noRot="1" noChangeAspect="1" noMove="1" noResize="1" noEditPoints="1" noAdjustHandles="1" noChangeArrowheads="1" noChangeShapeType="1"/>
+              </p:cNvPicPr>
+              <p:nvPr/>
+            </p:nvPicPr>
+            <p:blipFill>
+              <a:blip r:embed="rId3"/>
+              <a:stretch>
+                <a:fillRect/>
+              </a:stretch>
+            </p:blipFill>
+            <p:spPr>
+              <a:xfrm>
+                <a:off x="829323" y="3781887"/>
+                <a:ext cx="4728097" cy="2504612"/>
+              </a:xfrm>
+              <a:prstGeom prst="rect">
+                <a:avLst/>
+              </a:prstGeom>
+            </p:spPr>
+          </p:pic>
+        </mc:Fallback>
+      </mc:AlternateContent>
+      <mc:AlternateContent xmlns:mc="http://schemas.openxmlformats.org/markup-compatibility/2006" xmlns:we="http://schemas.microsoft.com/office/webextensions/webextension/2010/11" xmlns:pca="http://schemas.microsoft.com/office/powerpoint/2013/contentapp">
+        <mc:Choice Requires="we pca">
+          <p:graphicFrame>
+            <p:nvGraphicFramePr>
+              <p:cNvPr id="12" name="Add-in 11">
+                <a:extLst>
+                  <a:ext uri="{FF2B5EF4-FFF2-40B4-BE49-F238E27FC236}">
+                    <a16:creationId xmlns:a16="http://schemas.microsoft.com/office/drawing/2014/main" id="{D1DA53C9-2F26-2E26-C58F-DE4B8A6D725C}"/>
+                  </a:ext>
+                </a:extLst>
+              </p:cNvPr>
+              <p:cNvGraphicFramePr>
+                <a:graphicFrameLocks noGrp="1"/>
+              </p:cNvGraphicFramePr>
+              <p:nvPr>
+                <p:extLst>
+                  <p:ext uri="{D42A27DB-BD31-4B8C-83A1-F6EECF244321}">
+                    <p14:modId xmlns:p14="http://schemas.microsoft.com/office/powerpoint/2010/main" val="1308544850"/>
+                  </p:ext>
+                </p:extLst>
+              </p:nvPr>
+            </p:nvGraphicFramePr>
+            <p:xfrm>
+              <a:off x="5734975" y="3781887"/>
+              <a:ext cx="5123525" cy="2504612"/>
+            </p:xfrm>
+            <a:graphic>
+              <a:graphicData uri="http://schemas.microsoft.com/office/webextensions/webextension/2010/11">
+                <we:webextensionref xmlns:we="http://schemas.microsoft.com/office/webextensions/webextension/2010/11" xmlns:r="http://schemas.openxmlformats.org/officeDocument/2006/relationships" r:id="rId4"/>
+              </a:graphicData>
+            </a:graphic>
+          </p:graphicFrame>
+        </mc:Choice>
+        <mc:Fallback xmlns="">
+          <p:pic>
+            <p:nvPicPr>
+              <p:cNvPr id="12" name="Add-in 11">
+                <a:extLst>
+                  <a:ext uri="{FF2B5EF4-FFF2-40B4-BE49-F238E27FC236}">
+                    <a16:creationId xmlns:a16="http://schemas.microsoft.com/office/drawing/2014/main" id="{D1DA53C9-2F26-2E26-C58F-DE4B8A6D725C}"/>
+                  </a:ext>
+                </a:extLst>
+              </p:cNvPr>
+              <p:cNvPicPr>
+                <a:picLocks noGrp="1" noRot="1" noChangeAspect="1" noMove="1" noResize="1" noEditPoints="1" noAdjustHandles="1" noChangeArrowheads="1" noChangeShapeType="1"/>
+              </p:cNvPicPr>
+              <p:nvPr/>
+            </p:nvPicPr>
+            <p:blipFill>
+              <a:blip r:embed="rId5"/>
+              <a:stretch>
+                <a:fillRect/>
+              </a:stretch>
+            </p:blipFill>
+            <p:spPr>
+              <a:xfrm>
+                <a:off x="5734975" y="3781887"/>
+                <a:ext cx="5123525" cy="2504612"/>
+              </a:xfrm>
+              <a:prstGeom prst="rect">
+                <a:avLst/>
+              </a:prstGeom>
+            </p:spPr>
+          </p:pic>
+        </mc:Fallback>
+      </mc:AlternateContent>
+      <p:sp>
+        <p:nvSpPr>
+          <p:cNvPr id="13" name="TextBox 12">
+            <a:extLst>
+              <a:ext uri="{FF2B5EF4-FFF2-40B4-BE49-F238E27FC236}">
+                <a16:creationId xmlns:a16="http://schemas.microsoft.com/office/drawing/2014/main" id="{0A602C45-7946-2B89-159E-DC04E6756C6C}"/>
+              </a:ext>
+            </a:extLst>
+          </p:cNvPr>
+          <p:cNvSpPr txBox="1"/>
+          <p:nvPr/>
+        </p:nvSpPr>
+        <p:spPr>
+          <a:xfrm>
+            <a:off x="829322" y="2006353"/>
+            <a:ext cx="10029177" cy="1477328"/>
+          </a:xfrm>
+          <a:prstGeom prst="rect">
+            <a:avLst/>
+          </a:prstGeom>
+          <a:noFill/>
+        </p:spPr>
+        <p:txBody>
+          <a:bodyPr wrap="square" rtlCol="0">
+            <a:spAutoFit/>
+          </a:bodyPr>
+          <a:lstStyle/>
+          <a:p>
+            <a:pPr algn="just"/>
+            <a:r>
+              <a:rPr lang="en-US" dirty="0">
+                <a:latin typeface="Arial" panose="020B0604020202020204" pitchFamily="34" charset="0"/>
+                <a:cs typeface="Arial" panose="020B0604020202020204" pitchFamily="34" charset="0"/>
+              </a:rPr>
+              <a:t>Despite being the third highest in terms of volume among the five promotion types, the product featured in the '</a:t>
+            </a:r>
+            <a:r>
+              <a:rPr lang="en-US" b="1" i="1" dirty="0">
+                <a:latin typeface="Arial" panose="020B0604020202020204" pitchFamily="34" charset="0"/>
+                <a:cs typeface="Arial" panose="020B0604020202020204" pitchFamily="34" charset="0"/>
+              </a:rPr>
+              <a:t>500 Cashback</a:t>
+            </a:r>
+            <a:r>
+              <a:rPr lang="en-US" dirty="0">
+                <a:latin typeface="Arial" panose="020B0604020202020204" pitchFamily="34" charset="0"/>
+                <a:cs typeface="Arial" panose="020B0604020202020204" pitchFamily="34" charset="0"/>
+              </a:rPr>
+              <a:t>' promotion garnered the highest revenue. This can be attributed to its significantly higher price compared to other products (being the costliest). Consequently, a substantial revenue gap exists between the </a:t>
+            </a:r>
+            <a:r>
+              <a:rPr lang="en-US" b="1" i="1" dirty="0">
+                <a:latin typeface="Arial" panose="020B0604020202020204" pitchFamily="34" charset="0"/>
+                <a:cs typeface="Arial" panose="020B0604020202020204" pitchFamily="34" charset="0"/>
+              </a:rPr>
+              <a:t>'500 Cashback</a:t>
+            </a:r>
+            <a:r>
+              <a:rPr lang="en-US" dirty="0">
+                <a:latin typeface="Arial" panose="020B0604020202020204" pitchFamily="34" charset="0"/>
+                <a:cs typeface="Arial" panose="020B0604020202020204" pitchFamily="34" charset="0"/>
+              </a:rPr>
+              <a:t>' promotion and other promotion types.</a:t>
+            </a:r>
+            <a:endParaRPr lang="en-IN" dirty="0">
+              <a:latin typeface="Arial" panose="020B0604020202020204" pitchFamily="34" charset="0"/>
+              <a:cs typeface="Arial" panose="020B0604020202020204" pitchFamily="34" charset="0"/>
+            </a:endParaRPr>
+          </a:p>
+        </p:txBody>
+      </p:sp>
+    </p:spTree>
+    <p:extLst>
+      <p:ext uri="{BB962C8B-B14F-4D97-AF65-F5344CB8AC3E}">
+        <p14:creationId xmlns:p14="http://schemas.microsoft.com/office/powerpoint/2010/main" val="3675334422"/>
+      </p:ext>
+    </p:extLst>
+  </p:cSld>
+  <p:clrMapOvr>
+    <a:masterClrMapping/>
+  </p:clrMapOvr>
+</p:sld>
+</file>
+
+<file path=ppt/slides/slide11.xml><?xml version="1.0" encoding="utf-8"?>
+<p:sld xmlns:a="http://schemas.openxmlformats.org/drawingml/2006/main" xmlns:r="http://schemas.openxmlformats.org/officeDocument/2006/relationships" xmlns:p="http://schemas.openxmlformats.org/presentationml/2006/main">
+  <p:cSld>
+    <p:spTree>
+      <p:nvGrpSpPr>
+        <p:cNvPr id="1" name=""/>
+        <p:cNvGrpSpPr/>
+        <p:nvPr/>
+      </p:nvGrpSpPr>
+      <p:grpSpPr>
+        <a:xfrm>
+          <a:off x="0" y="0"/>
+          <a:ext cx="0" cy="0"/>
+          <a:chOff x="0" y="0"/>
+          <a:chExt cx="0" cy="0"/>
+        </a:xfrm>
+      </p:grpSpPr>
+      <p:sp>
+        <p:nvSpPr>
+          <p:cNvPr id="4" name="Title 1">
+            <a:extLst>
+              <a:ext uri="{FF2B5EF4-FFF2-40B4-BE49-F238E27FC236}">
+                <a16:creationId xmlns:a16="http://schemas.microsoft.com/office/drawing/2014/main" id="{B8378606-573F-93A8-5EA0-5BC78B8E92A8}"/>
+              </a:ext>
+            </a:extLst>
+          </p:cNvPr>
+          <p:cNvSpPr>
+            <a:spLocks noGrp="1"/>
+          </p:cNvSpPr>
+          <p:nvPr>
+            <p:ph type="title"/>
+          </p:nvPr>
+        </p:nvSpPr>
+        <p:spPr>
+          <a:xfrm>
+            <a:off x="838200" y="471658"/>
+            <a:ext cx="9726227" cy="1055302"/>
+          </a:xfrm>
+        </p:spPr>
+        <p:txBody>
+          <a:bodyPr>
+            <a:normAutofit/>
+          </a:bodyPr>
+          <a:lstStyle/>
+          <a:p>
+            <a:pPr algn="just"/>
+            <a:r>
+              <a:rPr lang="en-IN" sz="2400" dirty="0">
+                <a:latin typeface="Arial" panose="020B0604020202020204" pitchFamily="34" charset="0"/>
+                <a:cs typeface="Arial" panose="020B0604020202020204" pitchFamily="34" charset="0"/>
+              </a:rPr>
+              <a:t>Q5. </a:t>
+            </a:r>
+            <a:r>
+              <a:rPr lang="en-US" sz="2400" dirty="0">
+                <a:latin typeface="Arial" panose="020B0604020202020204" pitchFamily="34" charset="0"/>
+                <a:cs typeface="Arial" panose="020B0604020202020204" pitchFamily="34" charset="0"/>
+              </a:rPr>
+              <a:t>Which promotions strike the best balance between Incremental Sold Units and maintaining healthy margins?</a:t>
+            </a:r>
+            <a:endParaRPr lang="en-IN" sz="2400" dirty="0">
+              <a:latin typeface="Arial" panose="020B0604020202020204" pitchFamily="34" charset="0"/>
+              <a:cs typeface="Arial" panose="020B0604020202020204" pitchFamily="34" charset="0"/>
+            </a:endParaRPr>
+          </a:p>
+        </p:txBody>
+      </p:sp>
+      <mc:AlternateContent xmlns:mc="http://schemas.openxmlformats.org/markup-compatibility/2006" xmlns:we="http://schemas.microsoft.com/office/webextensions/webextension/2010/11" xmlns:pca="http://schemas.microsoft.com/office/powerpoint/2013/contentapp">
+        <mc:Choice Requires="we pca">
+          <p:graphicFrame>
+            <p:nvGraphicFramePr>
+              <p:cNvPr id="5" name="Add-in 4">
+                <a:extLst>
+                  <a:ext uri="{FF2B5EF4-FFF2-40B4-BE49-F238E27FC236}">
+                    <a16:creationId xmlns:a16="http://schemas.microsoft.com/office/drawing/2014/main" id="{F1B67113-8410-3D48-4CD6-F8685C56DD84}"/>
+                  </a:ext>
+                </a:extLst>
+              </p:cNvPr>
+              <p:cNvGraphicFramePr>
+                <a:graphicFrameLocks noGrp="1"/>
+              </p:cNvGraphicFramePr>
+              <p:nvPr>
+                <p:extLst>
+                  <p:ext uri="{D42A27DB-BD31-4B8C-83A1-F6EECF244321}">
+                    <p14:modId xmlns:p14="http://schemas.microsoft.com/office/powerpoint/2010/main" val="568102792"/>
+                  </p:ext>
+                </p:extLst>
+              </p:nvPr>
+            </p:nvGraphicFramePr>
+            <p:xfrm>
+              <a:off x="6096000" y="1793289"/>
+              <a:ext cx="4762500" cy="4306779"/>
+            </p:xfrm>
+            <a:graphic>
+              <a:graphicData uri="http://schemas.microsoft.com/office/webextensions/webextension/2010/11">
+                <we:webextensionref xmlns:we="http://schemas.microsoft.com/office/webextensions/webextension/2010/11" xmlns:r="http://schemas.openxmlformats.org/officeDocument/2006/relationships" r:id="rId2"/>
+              </a:graphicData>
+            </a:graphic>
+          </p:graphicFrame>
+        </mc:Choice>
+        <mc:Fallback xmlns="">
+          <p:pic>
+            <p:nvPicPr>
+              <p:cNvPr id="5" name="Add-in 4">
+                <a:extLst>
+                  <a:ext uri="{FF2B5EF4-FFF2-40B4-BE49-F238E27FC236}">
+                    <a16:creationId xmlns:a16="http://schemas.microsoft.com/office/drawing/2014/main" id="{F1B67113-8410-3D48-4CD6-F8685C56DD84}"/>
+                  </a:ext>
+                </a:extLst>
+              </p:cNvPr>
+              <p:cNvPicPr>
+                <a:picLocks noGrp="1" noRot="1" noChangeAspect="1" noMove="1" noResize="1" noEditPoints="1" noAdjustHandles="1" noChangeArrowheads="1" noChangeShapeType="1"/>
+              </p:cNvPicPr>
+              <p:nvPr/>
+            </p:nvPicPr>
+            <p:blipFill>
+              <a:blip r:embed="rId3"/>
+              <a:stretch>
+                <a:fillRect/>
+              </a:stretch>
+            </p:blipFill>
+            <p:spPr>
+              <a:xfrm>
+                <a:off x="6096000" y="1793289"/>
+                <a:ext cx="4762500" cy="4306779"/>
+              </a:xfrm>
+              <a:prstGeom prst="rect">
+                <a:avLst/>
+              </a:prstGeom>
+            </p:spPr>
+          </p:pic>
+        </mc:Fallback>
+      </mc:AlternateContent>
+      <p:sp>
+        <p:nvSpPr>
+          <p:cNvPr id="6" name="TextBox 5">
+            <a:extLst>
+              <a:ext uri="{FF2B5EF4-FFF2-40B4-BE49-F238E27FC236}">
+                <a16:creationId xmlns:a16="http://schemas.microsoft.com/office/drawing/2014/main" id="{7B6CF571-373F-8796-EE68-8D6452F57668}"/>
+              </a:ext>
+            </a:extLst>
+          </p:cNvPr>
+          <p:cNvSpPr txBox="1"/>
+          <p:nvPr/>
+        </p:nvSpPr>
+        <p:spPr>
+          <a:xfrm>
+            <a:off x="838199" y="1793289"/>
+            <a:ext cx="4479526" cy="3416320"/>
+          </a:xfrm>
+          <a:prstGeom prst="rect">
+            <a:avLst/>
+          </a:prstGeom>
+          <a:noFill/>
+        </p:spPr>
+        <p:txBody>
+          <a:bodyPr wrap="square" rtlCol="0">
+            <a:spAutoFit/>
+          </a:bodyPr>
+          <a:lstStyle/>
+          <a:p>
+            <a:pPr algn="just"/>
+            <a:r>
+              <a:rPr lang="en-US" dirty="0">
+                <a:latin typeface="Arial" panose="020B0604020202020204" pitchFamily="34" charset="0"/>
+                <a:cs typeface="Arial" panose="020B0604020202020204" pitchFamily="34" charset="0"/>
+              </a:rPr>
+              <a:t>As the objective of promotions is to enhance sales for the business, if the Incremental Sold Units (ISU) undergoes a significant increase without a proportional rise in Incremental Revenue (IR), it adversely affects the overall revenue.</a:t>
+            </a:r>
+          </a:p>
+          <a:p>
+            <a:pPr algn="just"/>
+            <a:endParaRPr lang="en-US" dirty="0">
+              <a:latin typeface="Arial" panose="020B0604020202020204" pitchFamily="34" charset="0"/>
+              <a:cs typeface="Arial" panose="020B0604020202020204" pitchFamily="34" charset="0"/>
+            </a:endParaRPr>
+          </a:p>
+          <a:p>
+            <a:pPr algn="just"/>
+            <a:r>
+              <a:rPr lang="en-US" dirty="0">
+                <a:latin typeface="Arial" panose="020B0604020202020204" pitchFamily="34" charset="0"/>
+                <a:cs typeface="Arial" panose="020B0604020202020204" pitchFamily="34" charset="0"/>
+              </a:rPr>
+              <a:t>Among the promotions assessed, </a:t>
+            </a:r>
+            <a:r>
+              <a:rPr lang="en-US" b="1" i="1" dirty="0">
+                <a:latin typeface="Arial" panose="020B0604020202020204" pitchFamily="34" charset="0"/>
+                <a:cs typeface="Arial" panose="020B0604020202020204" pitchFamily="34" charset="0"/>
+              </a:rPr>
+              <a:t>'500 Cashback</a:t>
+            </a:r>
+            <a:r>
+              <a:rPr lang="en-US" dirty="0">
+                <a:latin typeface="Arial" panose="020B0604020202020204" pitchFamily="34" charset="0"/>
+                <a:cs typeface="Arial" panose="020B0604020202020204" pitchFamily="34" charset="0"/>
+              </a:rPr>
+              <a:t>' stands out as the only one achieving a delicate equilibrium between increasing ISU while simultaneously maintaining healthy margins.</a:t>
+            </a:r>
+            <a:endParaRPr lang="en-IN" dirty="0">
+              <a:latin typeface="Arial" panose="020B0604020202020204" pitchFamily="34" charset="0"/>
+              <a:cs typeface="Arial" panose="020B0604020202020204" pitchFamily="34" charset="0"/>
+            </a:endParaRPr>
+          </a:p>
+        </p:txBody>
+      </p:sp>
+    </p:spTree>
+    <p:extLst>
+      <p:ext uri="{BB962C8B-B14F-4D97-AF65-F5344CB8AC3E}">
+        <p14:creationId xmlns:p14="http://schemas.microsoft.com/office/powerpoint/2010/main" val="2453374638"/>
+      </p:ext>
+    </p:extLst>
+  </p:cSld>
+  <p:clrMapOvr>
+    <a:masterClrMapping/>
+  </p:clrMapOvr>
+</p:sld>
+</file>
+
+<file path=ppt/slides/slide12.xml><?xml version="1.0" encoding="utf-8"?>
+<p:sld xmlns:a="http://schemas.openxmlformats.org/drawingml/2006/main" xmlns:r="http://schemas.openxmlformats.org/officeDocument/2006/relationships" xmlns:p="http://schemas.openxmlformats.org/presentationml/2006/main">
+  <p:cSld>
+    <p:spTree>
+      <p:nvGrpSpPr>
+        <p:cNvPr id="1" name=""/>
+        <p:cNvGrpSpPr/>
+        <p:nvPr/>
+      </p:nvGrpSpPr>
+      <p:grpSpPr>
+        <a:xfrm>
+          <a:off x="0" y="0"/>
+          <a:ext cx="0" cy="0"/>
+          <a:chOff x="0" y="0"/>
+          <a:chExt cx="0" cy="0"/>
+        </a:xfrm>
+      </p:grpSpPr>
+      <p:sp>
+        <p:nvSpPr>
           <p:cNvPr id="7" name="Title 1">
             <a:extLst>
               <a:ext uri="{FF2B5EF4-FFF2-40B4-BE49-F238E27FC236}">
@@ -12660,7 +13217,7 @@
 </p:sld>
 </file>
 
-<file path=ppt/slides/slide11.xml><?xml version="1.0" encoding="utf-8"?>
+<file path=ppt/slides/slide13.xml><?xml version="1.0" encoding="utf-8"?>
 <p:sld xmlns:a="http://schemas.openxmlformats.org/drawingml/2006/main" xmlns:r="http://schemas.openxmlformats.org/officeDocument/2006/relationships" xmlns:p="http://schemas.openxmlformats.org/presentationml/2006/main">
   <p:cSld>
     <p:spTree>
@@ -12812,8 +13369,8 @@
           </a:p>
         </p:txBody>
       </p:sp>
-      <mc:AlternateContent xmlns:mc="http://schemas.openxmlformats.org/markup-compatibility/2006">
-        <mc:Choice xmlns:we="http://schemas.microsoft.com/office/webextensions/webextension/2010/11" xmlns:pca="http://schemas.microsoft.com/office/powerpoint/2013/contentapp" Requires="we pca">
+      <mc:AlternateContent xmlns:mc="http://schemas.openxmlformats.org/markup-compatibility/2006" xmlns:we="http://schemas.microsoft.com/office/webextensions/webextension/2010/11" xmlns:pca="http://schemas.microsoft.com/office/powerpoint/2013/contentapp">
+        <mc:Choice Requires="we pca">
           <p:graphicFrame>
             <p:nvGraphicFramePr>
               <p:cNvPr id="9" name="Add-in 8">
@@ -12845,7 +13402,7 @@
             </a:graphic>
           </p:graphicFrame>
         </mc:Choice>
-        <mc:Fallback>
+        <mc:Fallback xmlns="">
           <p:pic>
             <p:nvPicPr>
               <p:cNvPr id="9" name="Add-in 8">
@@ -12878,8 +13435,8 @@
           </p:pic>
         </mc:Fallback>
       </mc:AlternateContent>
-      <mc:AlternateContent xmlns:mc="http://schemas.openxmlformats.org/markup-compatibility/2006">
-        <mc:Choice xmlns:we="http://schemas.microsoft.com/office/webextensions/webextension/2010/11" xmlns:pca="http://schemas.microsoft.com/office/powerpoint/2013/contentapp" Requires="we pca">
+      <mc:AlternateContent xmlns:mc="http://schemas.openxmlformats.org/markup-compatibility/2006" xmlns:we="http://schemas.microsoft.com/office/webextensions/webextension/2010/11" xmlns:pca="http://schemas.microsoft.com/office/powerpoint/2013/contentapp">
+        <mc:Choice Requires="we pca">
           <p:graphicFrame>
             <p:nvGraphicFramePr>
               <p:cNvPr id="10" name="Add-in 9">
@@ -12911,7 +13468,7 @@
             </a:graphic>
           </p:graphicFrame>
         </mc:Choice>
-        <mc:Fallback>
+        <mc:Fallback xmlns="">
           <p:pic>
             <p:nvPicPr>
               <p:cNvPr id="10" name="Add-in 9">
@@ -12957,7 +13514,7 @@
 </p:sld>
 </file>
 
-<file path=ppt/slides/slide12.xml><?xml version="1.0" encoding="utf-8"?>
+<file path=ppt/slides/slide14.xml><?xml version="1.0" encoding="utf-8"?>
 <p:sld xmlns:a="http://schemas.openxmlformats.org/drawingml/2006/main" xmlns:r="http://schemas.openxmlformats.org/officeDocument/2006/relationships" xmlns:p="http://schemas.openxmlformats.org/presentationml/2006/main">
   <p:cSld>
     <p:spTree>
@@ -13024,8 +13581,8 @@
           </a:p>
         </p:txBody>
       </p:sp>
-      <mc:AlternateContent xmlns:mc="http://schemas.openxmlformats.org/markup-compatibility/2006">
-        <mc:Choice xmlns:we="http://schemas.microsoft.com/office/webextensions/webextension/2010/11" xmlns:pca="http://schemas.microsoft.com/office/powerpoint/2013/contentapp" Requires="we pca">
+      <mc:AlternateContent xmlns:mc="http://schemas.openxmlformats.org/markup-compatibility/2006" xmlns:we="http://schemas.microsoft.com/office/webextensions/webextension/2010/11" xmlns:pca="http://schemas.microsoft.com/office/powerpoint/2013/contentapp">
+        <mc:Choice Requires="we pca">
           <p:graphicFrame>
             <p:nvGraphicFramePr>
               <p:cNvPr id="7" name="Add-in 6">
@@ -13057,7 +13614,7 @@
             </a:graphic>
           </p:graphicFrame>
         </mc:Choice>
-        <mc:Fallback>
+        <mc:Fallback xmlns="">
           <p:pic>
             <p:nvPicPr>
               <p:cNvPr id="7" name="Add-in 6">
@@ -13090,8 +13647,8 @@
           </p:pic>
         </mc:Fallback>
       </mc:AlternateContent>
-      <mc:AlternateContent xmlns:mc="http://schemas.openxmlformats.org/markup-compatibility/2006">
-        <mc:Choice xmlns:we="http://schemas.microsoft.com/office/webextensions/webextension/2010/11" xmlns:pca="http://schemas.microsoft.com/office/powerpoint/2013/contentapp" Requires="we pca">
+      <mc:AlternateContent xmlns:mc="http://schemas.openxmlformats.org/markup-compatibility/2006" xmlns:we="http://schemas.microsoft.com/office/webextensions/webextension/2010/11" xmlns:pca="http://schemas.microsoft.com/office/powerpoint/2013/contentapp">
+        <mc:Choice Requires="we pca">
           <p:graphicFrame>
             <p:nvGraphicFramePr>
               <p:cNvPr id="10" name="Add-in 9">
@@ -13123,7 +13680,7 @@
             </a:graphic>
           </p:graphicFrame>
         </mc:Choice>
-        <mc:Fallback>
+        <mc:Fallback xmlns="">
           <p:pic>
             <p:nvPicPr>
               <p:cNvPr id="10" name="Add-in 9">
@@ -13338,7 +13895,7 @@
 </p:sld>
 </file>
 
-<file path=ppt/slides/slide13.xml><?xml version="1.0" encoding="utf-8"?>
+<file path=ppt/slides/slide15.xml><?xml version="1.0" encoding="utf-8"?>
 <p:sld xmlns:a="http://schemas.openxmlformats.org/drawingml/2006/main" xmlns:r="http://schemas.openxmlformats.org/officeDocument/2006/relationships" xmlns:p="http://schemas.openxmlformats.org/presentationml/2006/main">
   <p:cSld>
     <p:spTree>
@@ -13405,8 +13962,8 @@
           </a:p>
         </p:txBody>
       </p:sp>
-      <mc:AlternateContent xmlns:mc="http://schemas.openxmlformats.org/markup-compatibility/2006">
-        <mc:Choice xmlns:we="http://schemas.microsoft.com/office/webextensions/webextension/2010/11" xmlns:pca="http://schemas.microsoft.com/office/powerpoint/2013/contentapp" Requires="we pca">
+      <mc:AlternateContent xmlns:mc="http://schemas.openxmlformats.org/markup-compatibility/2006" xmlns:we="http://schemas.microsoft.com/office/webextensions/webextension/2010/11" xmlns:pca="http://schemas.microsoft.com/office/powerpoint/2013/contentapp">
+        <mc:Choice Requires="we pca">
           <p:graphicFrame>
             <p:nvGraphicFramePr>
               <p:cNvPr id="5" name="Add-in 4">
@@ -13438,7 +13995,7 @@
             </a:graphic>
           </p:graphicFrame>
         </mc:Choice>
-        <mc:Fallback>
+        <mc:Fallback xmlns="">
           <p:pic>
             <p:nvPicPr>
               <p:cNvPr id="5" name="Add-in 4">
@@ -13586,7 +14143,7 @@
 </p:sld>
 </file>
 
-<file path=ppt/slides/slide14.xml><?xml version="1.0" encoding="utf-8"?>
+<file path=ppt/slides/slide16.xml><?xml version="1.0" encoding="utf-8"?>
 <p:sld xmlns:a="http://schemas.openxmlformats.org/drawingml/2006/main" xmlns:r="http://schemas.openxmlformats.org/officeDocument/2006/relationships" xmlns:p="http://schemas.openxmlformats.org/presentationml/2006/main">
   <p:cSld>
     <p:spTree>
@@ -13659,7 +14216,7 @@
 </p:sld>
 </file>
 
-<file path=ppt/slides/slide15.xml><?xml version="1.0" encoding="utf-8"?>
+<file path=ppt/slides/slide17.xml><?xml version="1.0" encoding="utf-8"?>
 <p:sld xmlns:a="http://schemas.openxmlformats.org/drawingml/2006/main" xmlns:r="http://schemas.openxmlformats.org/officeDocument/2006/relationships" xmlns:p="http://schemas.openxmlformats.org/presentationml/2006/main">
   <p:cSld>
     <p:spTree>
@@ -13726,8 +14283,8 @@
           </a:p>
         </p:txBody>
       </p:sp>
-      <mc:AlternateContent xmlns:mc="http://schemas.openxmlformats.org/markup-compatibility/2006">
-        <mc:Choice xmlns:we="http://schemas.microsoft.com/office/webextensions/webextension/2010/11" xmlns:pca="http://schemas.microsoft.com/office/powerpoint/2013/contentapp" Requires="we pca">
+      <mc:AlternateContent xmlns:mc="http://schemas.openxmlformats.org/markup-compatibility/2006" xmlns:we="http://schemas.microsoft.com/office/webextensions/webextension/2010/11" xmlns:pca="http://schemas.microsoft.com/office/powerpoint/2013/contentapp">
+        <mc:Choice Requires="we pca">
           <p:graphicFrame>
             <p:nvGraphicFramePr>
               <p:cNvPr id="5" name="Add-in 4">
@@ -13759,7 +14316,7 @@
             </a:graphic>
           </p:graphicFrame>
         </mc:Choice>
-        <mc:Fallback>
+        <mc:Fallback xmlns="">
           <p:pic>
             <p:nvPicPr>
               <p:cNvPr id="5" name="Add-in 4">
@@ -13805,7 +14362,7 @@
 </p:sld>
 </file>
 
-<file path=ppt/slides/slide16.xml><?xml version="1.0" encoding="utf-8"?>
+<file path=ppt/slides/slide18.xml><?xml version="1.0" encoding="utf-8"?>
 <p:sld xmlns:a="http://schemas.openxmlformats.org/drawingml/2006/main" xmlns:r="http://schemas.openxmlformats.org/officeDocument/2006/relationships" xmlns:p="http://schemas.openxmlformats.org/presentationml/2006/main">
   <p:cSld>
     <p:spTree>
@@ -13872,8 +14429,8 @@
           </a:p>
         </p:txBody>
       </p:sp>
-      <mc:AlternateContent xmlns:mc="http://schemas.openxmlformats.org/markup-compatibility/2006">
-        <mc:Choice xmlns:we="http://schemas.microsoft.com/office/webextensions/webextension/2010/11" xmlns:pca="http://schemas.microsoft.com/office/powerpoint/2013/contentapp" Requires="we pca">
+      <mc:AlternateContent xmlns:mc="http://schemas.openxmlformats.org/markup-compatibility/2006" xmlns:we="http://schemas.microsoft.com/office/webextensions/webextension/2010/11" xmlns:pca="http://schemas.microsoft.com/office/powerpoint/2013/contentapp">
+        <mc:Choice Requires="we pca">
           <p:graphicFrame>
             <p:nvGraphicFramePr>
               <p:cNvPr id="5" name="Add-in 4">
@@ -13905,7 +14462,7 @@
             </a:graphic>
           </p:graphicFrame>
         </mc:Choice>
-        <mc:Fallback>
+        <mc:Fallback xmlns="">
           <p:pic>
             <p:nvPicPr>
               <p:cNvPr id="5" name="Add-in 4">
@@ -13951,7 +14508,7 @@
 </p:sld>
 </file>
 
-<file path=ppt/slides/slide17.xml><?xml version="1.0" encoding="utf-8"?>
+<file path=ppt/slides/slide19.xml><?xml version="1.0" encoding="utf-8"?>
 <p:sld xmlns:a="http://schemas.openxmlformats.org/drawingml/2006/main" xmlns:r="http://schemas.openxmlformats.org/officeDocument/2006/relationships" xmlns:p="http://schemas.openxmlformats.org/presentationml/2006/main">
   <p:cSld>
     <p:spTree>
@@ -14018,8 +14575,8 @@
           </a:p>
         </p:txBody>
       </p:sp>
-      <mc:AlternateContent xmlns:mc="http://schemas.openxmlformats.org/markup-compatibility/2006">
-        <mc:Choice xmlns:we="http://schemas.microsoft.com/office/webextensions/webextension/2010/11" xmlns:pca="http://schemas.microsoft.com/office/powerpoint/2013/contentapp" Requires="we pca">
+      <mc:AlternateContent xmlns:mc="http://schemas.openxmlformats.org/markup-compatibility/2006" xmlns:we="http://schemas.microsoft.com/office/webextensions/webextension/2010/11" xmlns:pca="http://schemas.microsoft.com/office/powerpoint/2013/contentapp">
+        <mc:Choice Requires="we pca">
           <p:graphicFrame>
             <p:nvGraphicFramePr>
               <p:cNvPr id="5" name="Add-in 4">
@@ -14051,7 +14608,7 @@
             </a:graphic>
           </p:graphicFrame>
         </mc:Choice>
-        <mc:Fallback>
+        <mc:Fallback xmlns="">
           <p:pic>
             <p:nvPicPr>
               <p:cNvPr id="5" name="Add-in 4">
@@ -14196,7 +14753,212 @@
 </p:sld>
 </file>
 
-<file path=ppt/slides/slide18.xml><?xml version="1.0" encoding="utf-8"?>
+<file path=ppt/slides/slide2.xml><?xml version="1.0" encoding="utf-8"?>
+<p:sld xmlns:a="http://schemas.openxmlformats.org/drawingml/2006/main" xmlns:r="http://schemas.openxmlformats.org/officeDocument/2006/relationships" xmlns:p="http://schemas.openxmlformats.org/presentationml/2006/main">
+  <p:cSld>
+    <p:spTree>
+      <p:nvGrpSpPr>
+        <p:cNvPr id="1" name=""/>
+        <p:cNvGrpSpPr/>
+        <p:nvPr/>
+      </p:nvGrpSpPr>
+      <p:grpSpPr>
+        <a:xfrm>
+          <a:off x="0" y="0"/>
+          <a:ext cx="0" cy="0"/>
+          <a:chOff x="0" y="0"/>
+          <a:chExt cx="0" cy="0"/>
+        </a:xfrm>
+      </p:grpSpPr>
+      <p:sp>
+        <p:nvSpPr>
+          <p:cNvPr id="2" name="Title 1">
+            <a:extLst>
+              <a:ext uri="{FF2B5EF4-FFF2-40B4-BE49-F238E27FC236}">
+                <a16:creationId xmlns:a16="http://schemas.microsoft.com/office/drawing/2014/main" id="{36B4F519-D66D-5906-216B-FE67E1C50EED}"/>
+              </a:ext>
+            </a:extLst>
+          </p:cNvPr>
+          <p:cNvSpPr>
+            <a:spLocks noGrp="1"/>
+          </p:cNvSpPr>
+          <p:nvPr>
+            <p:ph type="title"/>
+          </p:nvPr>
+        </p:nvSpPr>
+        <p:spPr>
+          <a:xfrm>
+            <a:off x="838200" y="365126"/>
+            <a:ext cx="9735105" cy="904382"/>
+          </a:xfrm>
+        </p:spPr>
+        <p:txBody>
+          <a:bodyPr/>
+          <a:lstStyle/>
+          <a:p>
+            <a:r>
+              <a:rPr lang="en-IN" dirty="0">
+                <a:latin typeface="Arial" panose="020B0604020202020204" pitchFamily="34" charset="0"/>
+                <a:cs typeface="Arial" panose="020B0604020202020204" pitchFamily="34" charset="0"/>
+              </a:rPr>
+              <a:t>Table of Contents</a:t>
+            </a:r>
+          </a:p>
+        </p:txBody>
+      </p:sp>
+      <p:sp>
+        <p:nvSpPr>
+          <p:cNvPr id="3" name="Content Placeholder 2">
+            <a:extLst>
+              <a:ext uri="{FF2B5EF4-FFF2-40B4-BE49-F238E27FC236}">
+                <a16:creationId xmlns:a16="http://schemas.microsoft.com/office/drawing/2014/main" id="{86A648DD-D049-DDF2-BD2F-B155EEB77F83}"/>
+              </a:ext>
+            </a:extLst>
+          </p:cNvPr>
+          <p:cNvSpPr>
+            <a:spLocks noGrp="1"/>
+          </p:cNvSpPr>
+          <p:nvPr>
+            <p:ph idx="1"/>
+          </p:nvPr>
+        </p:nvSpPr>
+        <p:spPr>
+          <a:xfrm>
+            <a:off x="838200" y="1332513"/>
+            <a:ext cx="7200900" cy="3168466"/>
+          </a:xfrm>
+        </p:spPr>
+        <p:txBody>
+          <a:bodyPr/>
+          <a:lstStyle/>
+          <a:p>
+            <a:pPr>
+              <a:lnSpc>
+                <a:spcPct val="100000"/>
+              </a:lnSpc>
+              <a:buFont typeface="Wingdings" panose="05000000000000000000" pitchFamily="2" charset="2"/>
+              <a:buChar char="§"/>
+            </a:pPr>
+            <a:r>
+              <a:rPr lang="en-IN" sz="2000" dirty="0">
+                <a:latin typeface="Arial" panose="020B0604020202020204" pitchFamily="34" charset="0"/>
+                <a:cs typeface="Arial" panose="020B0604020202020204" pitchFamily="34" charset="0"/>
+              </a:rPr>
+              <a:t>Introduction of AtliQ Mart &amp; Problem Statement</a:t>
+            </a:r>
+          </a:p>
+          <a:p>
+            <a:pPr>
+              <a:lnSpc>
+                <a:spcPct val="100000"/>
+              </a:lnSpc>
+              <a:buFont typeface="Wingdings" panose="05000000000000000000" pitchFamily="2" charset="2"/>
+              <a:buChar char="§"/>
+            </a:pPr>
+            <a:r>
+              <a:rPr lang="en-IN" sz="2000" dirty="0">
+                <a:latin typeface="Arial" panose="020B0604020202020204" pitchFamily="34" charset="0"/>
+                <a:cs typeface="Arial" panose="020B0604020202020204" pitchFamily="34" charset="0"/>
+              </a:rPr>
+              <a:t>Power BI Dashboard</a:t>
+            </a:r>
+          </a:p>
+          <a:p>
+            <a:pPr>
+              <a:lnSpc>
+                <a:spcPct val="100000"/>
+              </a:lnSpc>
+              <a:buFont typeface="Wingdings" panose="05000000000000000000" pitchFamily="2" charset="2"/>
+              <a:buChar char="§"/>
+            </a:pPr>
+            <a:r>
+              <a:rPr lang="en-IN" sz="2000" dirty="0">
+                <a:latin typeface="Arial" panose="020B0604020202020204" pitchFamily="34" charset="0"/>
+                <a:cs typeface="Arial" panose="020B0604020202020204" pitchFamily="34" charset="0"/>
+              </a:rPr>
+              <a:t>Promotion-level Analysis</a:t>
+            </a:r>
+          </a:p>
+          <a:p>
+            <a:pPr>
+              <a:lnSpc>
+                <a:spcPct val="100000"/>
+              </a:lnSpc>
+              <a:buFont typeface="Wingdings" panose="05000000000000000000" pitchFamily="2" charset="2"/>
+              <a:buChar char="§"/>
+            </a:pPr>
+            <a:r>
+              <a:rPr lang="en-IN" sz="2000" dirty="0">
+                <a:latin typeface="Arial" panose="020B0604020202020204" pitchFamily="34" charset="0"/>
+                <a:cs typeface="Arial" panose="020B0604020202020204" pitchFamily="34" charset="0"/>
+              </a:rPr>
+              <a:t>Product-level Analysis</a:t>
+            </a:r>
+          </a:p>
+          <a:p>
+            <a:pPr>
+              <a:lnSpc>
+                <a:spcPct val="100000"/>
+              </a:lnSpc>
+              <a:buFont typeface="Wingdings" panose="05000000000000000000" pitchFamily="2" charset="2"/>
+              <a:buChar char="§"/>
+            </a:pPr>
+            <a:r>
+              <a:rPr lang="en-IN" sz="2000" dirty="0">
+                <a:latin typeface="Arial" panose="020B0604020202020204" pitchFamily="34" charset="0"/>
+                <a:cs typeface="Arial" panose="020B0604020202020204" pitchFamily="34" charset="0"/>
+              </a:rPr>
+              <a:t>Store Level Analysis</a:t>
+            </a:r>
+          </a:p>
+          <a:p>
+            <a:pPr>
+              <a:lnSpc>
+                <a:spcPct val="100000"/>
+              </a:lnSpc>
+              <a:buFont typeface="Wingdings" panose="05000000000000000000" pitchFamily="2" charset="2"/>
+              <a:buChar char="§"/>
+            </a:pPr>
+            <a:r>
+              <a:rPr lang="en-IN" sz="2000" dirty="0">
+                <a:latin typeface="Arial" panose="020B0604020202020204" pitchFamily="34" charset="0"/>
+                <a:cs typeface="Arial" panose="020B0604020202020204" pitchFamily="34" charset="0"/>
+              </a:rPr>
+              <a:t>Ad-hoc Request</a:t>
+            </a:r>
+          </a:p>
+          <a:p>
+            <a:pPr>
+              <a:lnSpc>
+                <a:spcPct val="100000"/>
+              </a:lnSpc>
+              <a:buFont typeface="Wingdings" panose="05000000000000000000" pitchFamily="2" charset="2"/>
+              <a:buChar char="§"/>
+            </a:pPr>
+            <a:r>
+              <a:rPr lang="en-IN" sz="2000" dirty="0">
+                <a:latin typeface="Arial" panose="020B0604020202020204" pitchFamily="34" charset="0"/>
+                <a:cs typeface="Arial" panose="020B0604020202020204" pitchFamily="34" charset="0"/>
+              </a:rPr>
+              <a:t>Summary &amp; Recommendations</a:t>
+            </a:r>
+          </a:p>
+        </p:txBody>
+      </p:sp>
+    </p:spTree>
+    <p:extLst>
+      <p:ext uri="{BB962C8B-B14F-4D97-AF65-F5344CB8AC3E}">
+        <p14:creationId xmlns:p14="http://schemas.microsoft.com/office/powerpoint/2010/main" val="179648996"/>
+      </p:ext>
+    </p:extLst>
+  </p:cSld>
+  <p:clrMapOvr>
+    <a:masterClrMapping/>
+  </p:clrMapOvr>
+</p:sld>
+</file>
+
+<file path=ppt/slides/slide20.xml><?xml version="1.0" encoding="utf-8"?>
 <p:sld xmlns:a="http://schemas.openxmlformats.org/drawingml/2006/main" xmlns:r="http://schemas.openxmlformats.org/officeDocument/2006/relationships" xmlns:p="http://schemas.openxmlformats.org/presentationml/2006/main">
   <p:cSld>
     <p:spTree>
@@ -14269,7 +15031,7 @@
 </p:sld>
 </file>
 
-<file path=ppt/slides/slide19.xml><?xml version="1.0" encoding="utf-8"?>
+<file path=ppt/slides/slide21.xml><?xml version="1.0" encoding="utf-8"?>
 <p:sld xmlns:a="http://schemas.openxmlformats.org/drawingml/2006/main" xmlns:r="http://schemas.openxmlformats.org/officeDocument/2006/relationships" xmlns:p="http://schemas.openxmlformats.org/presentationml/2006/main">
   <p:cSld>
     <p:spTree>
@@ -14379,196 +15141,7 @@
 </p:sld>
 </file>
 
-<file path=ppt/slides/slide2.xml><?xml version="1.0" encoding="utf-8"?>
-<p:sld xmlns:a="http://schemas.openxmlformats.org/drawingml/2006/main" xmlns:r="http://schemas.openxmlformats.org/officeDocument/2006/relationships" xmlns:p="http://schemas.openxmlformats.org/presentationml/2006/main">
-  <p:cSld>
-    <p:spTree>
-      <p:nvGrpSpPr>
-        <p:cNvPr id="1" name=""/>
-        <p:cNvGrpSpPr/>
-        <p:nvPr/>
-      </p:nvGrpSpPr>
-      <p:grpSpPr>
-        <a:xfrm>
-          <a:off x="0" y="0"/>
-          <a:ext cx="0" cy="0"/>
-          <a:chOff x="0" y="0"/>
-          <a:chExt cx="0" cy="0"/>
-        </a:xfrm>
-      </p:grpSpPr>
-      <p:sp>
-        <p:nvSpPr>
-          <p:cNvPr id="2" name="Title 1">
-            <a:extLst>
-              <a:ext uri="{FF2B5EF4-FFF2-40B4-BE49-F238E27FC236}">
-                <a16:creationId xmlns:a16="http://schemas.microsoft.com/office/drawing/2014/main" id="{36B4F519-D66D-5906-216B-FE67E1C50EED}"/>
-              </a:ext>
-            </a:extLst>
-          </p:cNvPr>
-          <p:cNvSpPr>
-            <a:spLocks noGrp="1"/>
-          </p:cNvSpPr>
-          <p:nvPr>
-            <p:ph type="title"/>
-          </p:nvPr>
-        </p:nvSpPr>
-        <p:spPr>
-          <a:xfrm>
-            <a:off x="838200" y="365126"/>
-            <a:ext cx="9735105" cy="904382"/>
-          </a:xfrm>
-        </p:spPr>
-        <p:txBody>
-          <a:bodyPr/>
-          <a:lstStyle/>
-          <a:p>
-            <a:r>
-              <a:rPr lang="en-IN" dirty="0">
-                <a:latin typeface="Arial" panose="020B0604020202020204" pitchFamily="34" charset="0"/>
-                <a:cs typeface="Arial" panose="020B0604020202020204" pitchFamily="34" charset="0"/>
-              </a:rPr>
-              <a:t>Table of Contents</a:t>
-            </a:r>
-          </a:p>
-        </p:txBody>
-      </p:sp>
-      <p:sp>
-        <p:nvSpPr>
-          <p:cNvPr id="3" name="Content Placeholder 2">
-            <a:extLst>
-              <a:ext uri="{FF2B5EF4-FFF2-40B4-BE49-F238E27FC236}">
-                <a16:creationId xmlns:a16="http://schemas.microsoft.com/office/drawing/2014/main" id="{86A648DD-D049-DDF2-BD2F-B155EEB77F83}"/>
-              </a:ext>
-            </a:extLst>
-          </p:cNvPr>
-          <p:cNvSpPr>
-            <a:spLocks noGrp="1"/>
-          </p:cNvSpPr>
-          <p:nvPr>
-            <p:ph idx="1"/>
-          </p:nvPr>
-        </p:nvSpPr>
-        <p:spPr>
-          <a:xfrm>
-            <a:off x="838200" y="1332513"/>
-            <a:ext cx="7200900" cy="2813358"/>
-          </a:xfrm>
-        </p:spPr>
-        <p:txBody>
-          <a:bodyPr/>
-          <a:lstStyle/>
-          <a:p>
-            <a:pPr>
-              <a:lnSpc>
-                <a:spcPct val="100000"/>
-              </a:lnSpc>
-              <a:buFont typeface="Wingdings" panose="05000000000000000000" pitchFamily="2" charset="2"/>
-              <a:buChar char="§"/>
-            </a:pPr>
-            <a:r>
-              <a:rPr lang="en-IN" sz="2000" dirty="0">
-                <a:latin typeface="Arial" panose="020B0604020202020204" pitchFamily="34" charset="0"/>
-                <a:cs typeface="Arial" panose="020B0604020202020204" pitchFamily="34" charset="0"/>
-              </a:rPr>
-              <a:t>Introduction of AtliQ Mart &amp; Problem Statement</a:t>
-            </a:r>
-          </a:p>
-          <a:p>
-            <a:pPr>
-              <a:lnSpc>
-                <a:spcPct val="100000"/>
-              </a:lnSpc>
-              <a:buFont typeface="Wingdings" panose="05000000000000000000" pitchFamily="2" charset="2"/>
-              <a:buChar char="§"/>
-            </a:pPr>
-            <a:r>
-              <a:rPr lang="en-IN" sz="2000" dirty="0">
-                <a:latin typeface="Arial" panose="020B0604020202020204" pitchFamily="34" charset="0"/>
-                <a:cs typeface="Arial" panose="020B0604020202020204" pitchFamily="34" charset="0"/>
-              </a:rPr>
-              <a:t>Promotion-level Analysis</a:t>
-            </a:r>
-          </a:p>
-          <a:p>
-            <a:pPr>
-              <a:lnSpc>
-                <a:spcPct val="100000"/>
-              </a:lnSpc>
-              <a:buFont typeface="Wingdings" panose="05000000000000000000" pitchFamily="2" charset="2"/>
-              <a:buChar char="§"/>
-            </a:pPr>
-            <a:r>
-              <a:rPr lang="en-IN" sz="2000" dirty="0">
-                <a:latin typeface="Arial" panose="020B0604020202020204" pitchFamily="34" charset="0"/>
-                <a:cs typeface="Arial" panose="020B0604020202020204" pitchFamily="34" charset="0"/>
-              </a:rPr>
-              <a:t>Product-level Analysis</a:t>
-            </a:r>
-          </a:p>
-          <a:p>
-            <a:pPr>
-              <a:lnSpc>
-                <a:spcPct val="100000"/>
-              </a:lnSpc>
-              <a:buFont typeface="Wingdings" panose="05000000000000000000" pitchFamily="2" charset="2"/>
-              <a:buChar char="§"/>
-            </a:pPr>
-            <a:r>
-              <a:rPr lang="en-IN" sz="2000" dirty="0">
-                <a:latin typeface="Arial" panose="020B0604020202020204" pitchFamily="34" charset="0"/>
-                <a:cs typeface="Arial" panose="020B0604020202020204" pitchFamily="34" charset="0"/>
-              </a:rPr>
-              <a:t>Store Level Analysis</a:t>
-            </a:r>
-          </a:p>
-          <a:p>
-            <a:pPr>
-              <a:lnSpc>
-                <a:spcPct val="100000"/>
-              </a:lnSpc>
-              <a:buFont typeface="Wingdings" panose="05000000000000000000" pitchFamily="2" charset="2"/>
-              <a:buChar char="§"/>
-            </a:pPr>
-            <a:r>
-              <a:rPr lang="en-IN" sz="2000" dirty="0">
-                <a:latin typeface="Arial" panose="020B0604020202020204" pitchFamily="34" charset="0"/>
-                <a:cs typeface="Arial" panose="020B0604020202020204" pitchFamily="34" charset="0"/>
-              </a:rPr>
-              <a:t>Ad-hoc Request</a:t>
-            </a:r>
-          </a:p>
-          <a:p>
-            <a:pPr>
-              <a:lnSpc>
-                <a:spcPct val="100000"/>
-              </a:lnSpc>
-              <a:buFont typeface="Wingdings" panose="05000000000000000000" pitchFamily="2" charset="2"/>
-              <a:buChar char="§"/>
-            </a:pPr>
-            <a:r>
-              <a:rPr lang="en-IN" sz="2000" dirty="0">
-                <a:latin typeface="Arial" panose="020B0604020202020204" pitchFamily="34" charset="0"/>
-                <a:cs typeface="Arial" panose="020B0604020202020204" pitchFamily="34" charset="0"/>
-              </a:rPr>
-              <a:t>Summary &amp; Recommendations</a:t>
-            </a:r>
-          </a:p>
-        </p:txBody>
-      </p:sp>
-    </p:spTree>
-    <p:extLst>
-      <p:ext uri="{BB962C8B-B14F-4D97-AF65-F5344CB8AC3E}">
-        <p14:creationId xmlns:p14="http://schemas.microsoft.com/office/powerpoint/2010/main" val="179648996"/>
-      </p:ext>
-    </p:extLst>
-  </p:cSld>
-  <p:clrMapOvr>
-    <a:masterClrMapping/>
-  </p:clrMapOvr>
-</p:sld>
-</file>
-
-<file path=ppt/slides/slide20.xml><?xml version="1.0" encoding="utf-8"?>
+<file path=ppt/slides/slide22.xml><?xml version="1.0" encoding="utf-8"?>
 <p:sld xmlns:a="http://schemas.openxmlformats.org/drawingml/2006/main" xmlns:r="http://schemas.openxmlformats.org/officeDocument/2006/relationships" xmlns:p="http://schemas.openxmlformats.org/presentationml/2006/main">
   <p:cSld>
     <p:spTree>
@@ -14678,7 +15251,7 @@
 </p:sld>
 </file>
 
-<file path=ppt/slides/slide21.xml><?xml version="1.0" encoding="utf-8"?>
+<file path=ppt/slides/slide23.xml><?xml version="1.0" encoding="utf-8"?>
 <p:sld xmlns:a="http://schemas.openxmlformats.org/drawingml/2006/main" xmlns:r="http://schemas.openxmlformats.org/officeDocument/2006/relationships" xmlns:p="http://schemas.openxmlformats.org/presentationml/2006/main">
   <p:cSld>
     <p:spTree>
@@ -14858,7 +15431,7 @@
 </p:sld>
 </file>
 
-<file path=ppt/slides/slide22.xml><?xml version="1.0" encoding="utf-8"?>
+<file path=ppt/slides/slide24.xml><?xml version="1.0" encoding="utf-8"?>
 <p:sld xmlns:a="http://schemas.openxmlformats.org/drawingml/2006/main" xmlns:r="http://schemas.openxmlformats.org/officeDocument/2006/relationships" xmlns:p="http://schemas.openxmlformats.org/presentationml/2006/main">
   <p:cSld>
     <p:spTree>
@@ -14968,7 +15541,7 @@
 </p:sld>
 </file>
 
-<file path=ppt/slides/slide23.xml><?xml version="1.0" encoding="utf-8"?>
+<file path=ppt/slides/slide25.xml><?xml version="1.0" encoding="utf-8"?>
 <p:sld xmlns:a="http://schemas.openxmlformats.org/drawingml/2006/main" xmlns:r="http://schemas.openxmlformats.org/officeDocument/2006/relationships" xmlns:p="http://schemas.openxmlformats.org/presentationml/2006/main">
   <p:cSld>
     <p:spTree>
@@ -15071,7 +15644,7 @@
 </p:sld>
 </file>
 
-<file path=ppt/slides/slide24.xml><?xml version="1.0" encoding="utf-8"?>
+<file path=ppt/slides/slide26.xml><?xml version="1.0" encoding="utf-8"?>
 <p:sld xmlns:a="http://schemas.openxmlformats.org/drawingml/2006/main" xmlns:r="http://schemas.openxmlformats.org/officeDocument/2006/relationships" xmlns:p="http://schemas.openxmlformats.org/presentationml/2006/main">
   <p:cSld>
     <p:spTree>
@@ -15583,7 +16156,7 @@
 </p:sld>
 </file>
 
-<file path=ppt/slides/slide25.xml><?xml version="1.0" encoding="utf-8"?>
+<file path=ppt/slides/slide27.xml><?xml version="1.0" encoding="utf-8"?>
 <p:sld xmlns:a="http://schemas.openxmlformats.org/drawingml/2006/main" xmlns:r="http://schemas.openxmlformats.org/officeDocument/2006/relationships" xmlns:p="http://schemas.openxmlformats.org/presentationml/2006/main">
   <p:cSld>
     <p:spTree>
@@ -15860,7 +16433,7 @@
 </p:sld>
 </file>
 
-<file path=ppt/slides/slide26.xml><?xml version="1.0" encoding="utf-8"?>
+<file path=ppt/slides/slide28.xml><?xml version="1.0" encoding="utf-8"?>
 <p:sld xmlns:a="http://schemas.openxmlformats.org/drawingml/2006/main" xmlns:r="http://schemas.openxmlformats.org/officeDocument/2006/relationships" xmlns:p="http://schemas.openxmlformats.org/presentationml/2006/main">
   <p:cSld>
     <p:bg>
@@ -18526,6 +19099,175 @@
   <p:cSld>
     <p:spTree>
       <p:nvGrpSpPr>
+        <p:cNvPr id="1" name="">
+          <a:extLst>
+            <a:ext uri="{FF2B5EF4-FFF2-40B4-BE49-F238E27FC236}">
+              <a16:creationId xmlns:a16="http://schemas.microsoft.com/office/drawing/2014/main" id="{6805C1CA-EDF4-2ED8-F592-7B5A0133981E}"/>
+            </a:ext>
+          </a:extLst>
+        </p:cNvPr>
+        <p:cNvGrpSpPr/>
+        <p:nvPr/>
+      </p:nvGrpSpPr>
+      <p:grpSpPr>
+        <a:xfrm>
+          <a:off x="0" y="0"/>
+          <a:ext cx="0" cy="0"/>
+          <a:chOff x="0" y="0"/>
+          <a:chExt cx="0" cy="0"/>
+        </a:xfrm>
+      </p:grpSpPr>
+      <p:sp>
+        <p:nvSpPr>
+          <p:cNvPr id="2" name="Title 1">
+            <a:extLst>
+              <a:ext uri="{FF2B5EF4-FFF2-40B4-BE49-F238E27FC236}">
+                <a16:creationId xmlns:a16="http://schemas.microsoft.com/office/drawing/2014/main" id="{545BB8C9-D759-FE04-1312-89662EC13FB0}"/>
+              </a:ext>
+            </a:extLst>
+          </p:cNvPr>
+          <p:cNvSpPr>
+            <a:spLocks noGrp="1"/>
+          </p:cNvSpPr>
+          <p:nvPr>
+            <p:ph type="title"/>
+          </p:nvPr>
+        </p:nvSpPr>
+        <p:spPr>
+          <a:xfrm>
+            <a:off x="838200" y="2766218"/>
+            <a:ext cx="10515600" cy="1325563"/>
+          </a:xfrm>
+        </p:spPr>
+        <p:txBody>
+          <a:bodyPr/>
+          <a:lstStyle/>
+          <a:p>
+            <a:pPr algn="ctr"/>
+            <a:r>
+              <a:rPr lang="en-IN" sz="4800" dirty="0">
+                <a:latin typeface="Arial" panose="020B0604020202020204" pitchFamily="34" charset="0"/>
+                <a:cs typeface="Arial" panose="020B0604020202020204" pitchFamily="34" charset="0"/>
+              </a:rPr>
+              <a:t>Power BI Dashboard</a:t>
+            </a:r>
+          </a:p>
+        </p:txBody>
+      </p:sp>
+    </p:spTree>
+    <p:extLst>
+      <p:ext uri="{BB962C8B-B14F-4D97-AF65-F5344CB8AC3E}">
+        <p14:creationId xmlns:p14="http://schemas.microsoft.com/office/powerpoint/2010/main" val="3892989365"/>
+      </p:ext>
+    </p:extLst>
+  </p:cSld>
+  <p:clrMapOvr>
+    <a:masterClrMapping/>
+  </p:clrMapOvr>
+</p:sld>
+</file>
+
+<file path=ppt/slides/slide5.xml><?xml version="1.0" encoding="utf-8"?>
+<p:sld xmlns:a="http://schemas.openxmlformats.org/drawingml/2006/main" xmlns:r="http://schemas.openxmlformats.org/officeDocument/2006/relationships" xmlns:p="http://schemas.openxmlformats.org/presentationml/2006/main">
+  <p:cSld>
+    <p:spTree>
+      <p:nvGrpSpPr>
+        <p:cNvPr id="1" name=""/>
+        <p:cNvGrpSpPr/>
+        <p:nvPr/>
+      </p:nvGrpSpPr>
+      <p:grpSpPr>
+        <a:xfrm>
+          <a:off x="0" y="0"/>
+          <a:ext cx="0" cy="0"/>
+          <a:chOff x="0" y="0"/>
+          <a:chExt cx="0" cy="0"/>
+        </a:xfrm>
+      </p:grpSpPr>
+      <mc:AlternateContent xmlns:mc="http://schemas.openxmlformats.org/markup-compatibility/2006">
+        <mc:Choice xmlns:we="http://schemas.microsoft.com/office/webextensions/webextension/2010/11" xmlns:pca="http://schemas.microsoft.com/office/powerpoint/2013/contentapp" Requires="we pca">
+          <p:graphicFrame>
+            <p:nvGraphicFramePr>
+              <p:cNvPr id="4" name="Add-in 3">
+                <a:extLst>
+                  <a:ext uri="{FF2B5EF4-FFF2-40B4-BE49-F238E27FC236}">
+                    <a16:creationId xmlns:a16="http://schemas.microsoft.com/office/drawing/2014/main" id="{EAF17A07-DD97-D57E-6ECB-394C909584DD}"/>
+                  </a:ext>
+                </a:extLst>
+              </p:cNvPr>
+              <p:cNvGraphicFramePr>
+                <a:graphicFrameLocks noGrp="1"/>
+              </p:cNvGraphicFramePr>
+              <p:nvPr>
+                <p:extLst>
+                  <p:ext uri="{D42A27DB-BD31-4B8C-83A1-F6EECF244321}">
+                    <p14:modId xmlns:p14="http://schemas.microsoft.com/office/powerpoint/2010/main" val="413325948"/>
+                  </p:ext>
+                </p:extLst>
+              </p:nvPr>
+            </p:nvGraphicFramePr>
+            <p:xfrm>
+              <a:off x="1115627" y="477175"/>
+              <a:ext cx="9960746" cy="5903649"/>
+            </p:xfrm>
+            <a:graphic>
+              <a:graphicData uri="http://schemas.microsoft.com/office/webextensions/webextension/2010/11">
+                <we:webextensionref xmlns:we="http://schemas.microsoft.com/office/webextensions/webextension/2010/11" xmlns:r="http://schemas.openxmlformats.org/officeDocument/2006/relationships" r:id="rId2"/>
+              </a:graphicData>
+            </a:graphic>
+          </p:graphicFrame>
+        </mc:Choice>
+        <mc:Fallback>
+          <p:pic>
+            <p:nvPicPr>
+              <p:cNvPr id="4" name="Add-in 3">
+                <a:extLst>
+                  <a:ext uri="{FF2B5EF4-FFF2-40B4-BE49-F238E27FC236}">
+                    <a16:creationId xmlns:a16="http://schemas.microsoft.com/office/drawing/2014/main" id="{EAF17A07-DD97-D57E-6ECB-394C909584DD}"/>
+                  </a:ext>
+                </a:extLst>
+              </p:cNvPr>
+              <p:cNvPicPr>
+                <a:picLocks noGrp="1" noRot="1" noChangeAspect="1" noMove="1" noResize="1" noEditPoints="1" noAdjustHandles="1" noChangeArrowheads="1" noChangeShapeType="1"/>
+              </p:cNvPicPr>
+              <p:nvPr/>
+            </p:nvPicPr>
+            <p:blipFill>
+              <a:blip r:embed="rId3"/>
+              <a:stretch>
+                <a:fillRect/>
+              </a:stretch>
+            </p:blipFill>
+            <p:spPr>
+              <a:xfrm>
+                <a:off x="1115627" y="477175"/>
+                <a:ext cx="9960746" cy="5903649"/>
+              </a:xfrm>
+              <a:prstGeom prst="rect">
+                <a:avLst/>
+              </a:prstGeom>
+            </p:spPr>
+          </p:pic>
+        </mc:Fallback>
+      </mc:AlternateContent>
+    </p:spTree>
+    <p:extLst>
+      <p:ext uri="{BB962C8B-B14F-4D97-AF65-F5344CB8AC3E}">
+        <p14:creationId xmlns:p14="http://schemas.microsoft.com/office/powerpoint/2010/main" val="3072143078"/>
+      </p:ext>
+    </p:extLst>
+  </p:cSld>
+  <p:clrMapOvr>
+    <a:masterClrMapping/>
+  </p:clrMapOvr>
+</p:sld>
+</file>
+
+<file path=ppt/slides/slide6.xml><?xml version="1.0" encoding="utf-8"?>
+<p:sld xmlns:a="http://schemas.openxmlformats.org/drawingml/2006/main" xmlns:r="http://schemas.openxmlformats.org/officeDocument/2006/relationships" xmlns:p="http://schemas.openxmlformats.org/presentationml/2006/main">
+  <p:cSld>
+    <p:spTree>
+      <p:nvGrpSpPr>
         <p:cNvPr id="1" name=""/>
         <p:cNvGrpSpPr/>
         <p:nvPr/>
@@ -18588,7 +19330,7 @@
 </p:sld>
 </file>
 
-<file path=ppt/slides/slide5.xml><?xml version="1.0" encoding="utf-8"?>
+<file path=ppt/slides/slide7.xml><?xml version="1.0" encoding="utf-8"?>
 <p:sld xmlns:a="http://schemas.openxmlformats.org/drawingml/2006/main" xmlns:r="http://schemas.openxmlformats.org/officeDocument/2006/relationships" xmlns:p="http://schemas.openxmlformats.org/presentationml/2006/main">
   <p:cSld>
     <p:spTree>
@@ -18919,7 +19661,7 @@
 </p:sld>
 </file>
 
-<file path=ppt/slides/slide6.xml><?xml version="1.0" encoding="utf-8"?>
+<file path=ppt/slides/slide8.xml><?xml version="1.0" encoding="utf-8"?>
 <p:sld xmlns:a="http://schemas.openxmlformats.org/drawingml/2006/main" xmlns:r="http://schemas.openxmlformats.org/officeDocument/2006/relationships" xmlns:p="http://schemas.openxmlformats.org/presentationml/2006/main">
   <p:cSld>
     <p:spTree>
@@ -18936,8 +19678,8 @@
           <a:chExt cx="0" cy="0"/>
         </a:xfrm>
       </p:grpSpPr>
-      <mc:AlternateContent xmlns:mc="http://schemas.openxmlformats.org/markup-compatibility/2006">
-        <mc:Choice xmlns:we="http://schemas.microsoft.com/office/webextensions/webextension/2010/11" xmlns:pca="http://schemas.microsoft.com/office/powerpoint/2013/contentapp" Requires="we pca">
+      <mc:AlternateContent xmlns:mc="http://schemas.openxmlformats.org/markup-compatibility/2006" xmlns:we="http://schemas.microsoft.com/office/webextensions/webextension/2010/11" xmlns:pca="http://schemas.microsoft.com/office/powerpoint/2013/contentapp">
+        <mc:Choice Requires="we pca">
           <p:graphicFrame>
             <p:nvGraphicFramePr>
               <p:cNvPr id="5" name="Add-in 4">
@@ -18969,7 +19711,7 @@
             </a:graphic>
           </p:graphicFrame>
         </mc:Choice>
-        <mc:Fallback>
+        <mc:Fallback xmlns="">
           <p:pic>
             <p:nvPicPr>
               <p:cNvPr id="5" name="Add-in 4">
@@ -19171,7 +19913,7 @@
 </p:sld>
 </file>
 
-<file path=ppt/slides/slide7.xml><?xml version="1.0" encoding="utf-8"?>
+<file path=ppt/slides/slide9.xml><?xml version="1.0" encoding="utf-8"?>
 <p:sld xmlns:a="http://schemas.openxmlformats.org/drawingml/2006/main" xmlns:r="http://schemas.openxmlformats.org/officeDocument/2006/relationships" xmlns:p="http://schemas.openxmlformats.org/presentationml/2006/main">
   <p:cSld>
     <p:spTree>
@@ -19238,8 +19980,8 @@
           </a:p>
         </p:txBody>
       </p:sp>
-      <mc:AlternateContent xmlns:mc="http://schemas.openxmlformats.org/markup-compatibility/2006">
-        <mc:Choice xmlns:we="http://schemas.microsoft.com/office/webextensions/webextension/2010/11" xmlns:pca="http://schemas.microsoft.com/office/powerpoint/2013/contentapp" Requires="we pca">
+      <mc:AlternateContent xmlns:mc="http://schemas.openxmlformats.org/markup-compatibility/2006" xmlns:we="http://schemas.microsoft.com/office/webextensions/webextension/2010/11" xmlns:pca="http://schemas.microsoft.com/office/powerpoint/2013/contentapp">
+        <mc:Choice Requires="we pca">
           <p:graphicFrame>
             <p:nvGraphicFramePr>
               <p:cNvPr id="5" name="Add-in 4">
@@ -19271,7 +20013,7 @@
             </a:graphic>
           </p:graphicFrame>
         </mc:Choice>
-        <mc:Fallback>
+        <mc:Fallback xmlns="">
           <p:pic>
             <p:nvPicPr>
               <p:cNvPr id="5" name="Add-in 4">
@@ -19378,508 +20120,6 @@
     <p:extLst>
       <p:ext uri="{BB962C8B-B14F-4D97-AF65-F5344CB8AC3E}">
         <p14:creationId xmlns:p14="http://schemas.microsoft.com/office/powerpoint/2010/main" val="348163725"/>
-      </p:ext>
-    </p:extLst>
-  </p:cSld>
-  <p:clrMapOvr>
-    <a:masterClrMapping/>
-  </p:clrMapOvr>
-</p:sld>
-</file>
-
-<file path=ppt/slides/slide8.xml><?xml version="1.0" encoding="utf-8"?>
-<p:sld xmlns:a="http://schemas.openxmlformats.org/drawingml/2006/main" xmlns:r="http://schemas.openxmlformats.org/officeDocument/2006/relationships" xmlns:p="http://schemas.openxmlformats.org/presentationml/2006/main">
-  <p:cSld>
-    <p:spTree>
-      <p:nvGrpSpPr>
-        <p:cNvPr id="1" name=""/>
-        <p:cNvGrpSpPr/>
-        <p:nvPr/>
-      </p:nvGrpSpPr>
-      <p:grpSpPr>
-        <a:xfrm>
-          <a:off x="0" y="0"/>
-          <a:ext cx="0" cy="0"/>
-          <a:chOff x="0" y="0"/>
-          <a:chExt cx="0" cy="0"/>
-        </a:xfrm>
-      </p:grpSpPr>
-      <p:sp>
-        <p:nvSpPr>
-          <p:cNvPr id="4" name="Title 1">
-            <a:extLst>
-              <a:ext uri="{FF2B5EF4-FFF2-40B4-BE49-F238E27FC236}">
-                <a16:creationId xmlns:a16="http://schemas.microsoft.com/office/drawing/2014/main" id="{98E0D946-B0E6-B304-A4C8-8D6343840F42}"/>
-              </a:ext>
-            </a:extLst>
-          </p:cNvPr>
-          <p:cNvSpPr>
-            <a:spLocks noGrp="1"/>
-          </p:cNvSpPr>
-          <p:nvPr>
-            <p:ph type="title"/>
-          </p:nvPr>
-        </p:nvSpPr>
-        <p:spPr>
-          <a:xfrm>
-            <a:off x="829323" y="560435"/>
-            <a:ext cx="9903781" cy="1286122"/>
-          </a:xfrm>
-        </p:spPr>
-        <p:txBody>
-          <a:bodyPr>
-            <a:noAutofit/>
-          </a:bodyPr>
-          <a:lstStyle/>
-          <a:p>
-            <a:r>
-              <a:rPr lang="en-IN" sz="2400" dirty="0">
-                <a:latin typeface="Arial" panose="020B0604020202020204" pitchFamily="34" charset="0"/>
-                <a:cs typeface="Arial" panose="020B0604020202020204" pitchFamily="34" charset="0"/>
-              </a:rPr>
-              <a:t>Q4. </a:t>
-            </a:r>
-            <a:r>
-              <a:rPr lang="en-US" sz="2400" dirty="0">
-                <a:latin typeface="Arial" panose="020B0604020202020204" pitchFamily="34" charset="0"/>
-                <a:cs typeface="Arial" panose="020B0604020202020204" pitchFamily="34" charset="0"/>
-              </a:rPr>
-              <a:t>Is there a significant difference in the performance of discount-based promotions versus BOGOF or cashback promotions?</a:t>
-            </a:r>
-            <a:endParaRPr lang="en-IN" sz="2400" dirty="0">
-              <a:latin typeface="Arial" panose="020B0604020202020204" pitchFamily="34" charset="0"/>
-              <a:cs typeface="Arial" panose="020B0604020202020204" pitchFamily="34" charset="0"/>
-            </a:endParaRPr>
-          </a:p>
-        </p:txBody>
-      </p:sp>
-      <mc:AlternateContent xmlns:mc="http://schemas.openxmlformats.org/markup-compatibility/2006">
-        <mc:Choice xmlns:we="http://schemas.microsoft.com/office/webextensions/webextension/2010/11" xmlns:pca="http://schemas.microsoft.com/office/powerpoint/2013/contentapp" Requires="we pca">
-          <p:graphicFrame>
-            <p:nvGraphicFramePr>
-              <p:cNvPr id="11" name="Add-in 10">
-                <a:extLst>
-                  <a:ext uri="{FF2B5EF4-FFF2-40B4-BE49-F238E27FC236}">
-                    <a16:creationId xmlns:a16="http://schemas.microsoft.com/office/drawing/2014/main" id="{BC6B4174-2433-A8D8-1CB8-AEA4ABD7D04B}"/>
-                  </a:ext>
-                </a:extLst>
-              </p:cNvPr>
-              <p:cNvGraphicFramePr>
-                <a:graphicFrameLocks noGrp="1"/>
-              </p:cNvGraphicFramePr>
-              <p:nvPr>
-                <p:extLst>
-                  <p:ext uri="{D42A27DB-BD31-4B8C-83A1-F6EECF244321}">
-                    <p14:modId xmlns:p14="http://schemas.microsoft.com/office/powerpoint/2010/main" val="2101091262"/>
-                  </p:ext>
-                </p:extLst>
-              </p:nvPr>
-            </p:nvGraphicFramePr>
-            <p:xfrm>
-              <a:off x="829323" y="3781887"/>
-              <a:ext cx="4728097" cy="2504612"/>
-            </p:xfrm>
-            <a:graphic>
-              <a:graphicData uri="http://schemas.microsoft.com/office/webextensions/webextension/2010/11">
-                <we:webextensionref xmlns:we="http://schemas.microsoft.com/office/webextensions/webextension/2010/11" xmlns:r="http://schemas.openxmlformats.org/officeDocument/2006/relationships" r:id="rId2"/>
-              </a:graphicData>
-            </a:graphic>
-          </p:graphicFrame>
-        </mc:Choice>
-        <mc:Fallback>
-          <p:pic>
-            <p:nvPicPr>
-              <p:cNvPr id="11" name="Add-in 10">
-                <a:extLst>
-                  <a:ext uri="{FF2B5EF4-FFF2-40B4-BE49-F238E27FC236}">
-                    <a16:creationId xmlns:a16="http://schemas.microsoft.com/office/drawing/2014/main" id="{BC6B4174-2433-A8D8-1CB8-AEA4ABD7D04B}"/>
-                  </a:ext>
-                </a:extLst>
-              </p:cNvPr>
-              <p:cNvPicPr>
-                <a:picLocks noGrp="1" noRot="1" noChangeAspect="1" noMove="1" noResize="1" noEditPoints="1" noAdjustHandles="1" noChangeArrowheads="1" noChangeShapeType="1"/>
-              </p:cNvPicPr>
-              <p:nvPr/>
-            </p:nvPicPr>
-            <p:blipFill>
-              <a:blip r:embed="rId3"/>
-              <a:stretch>
-                <a:fillRect/>
-              </a:stretch>
-            </p:blipFill>
-            <p:spPr>
-              <a:xfrm>
-                <a:off x="829323" y="3781887"/>
-                <a:ext cx="4728097" cy="2504612"/>
-              </a:xfrm>
-              <a:prstGeom prst="rect">
-                <a:avLst/>
-              </a:prstGeom>
-            </p:spPr>
-          </p:pic>
-        </mc:Fallback>
-      </mc:AlternateContent>
-      <mc:AlternateContent xmlns:mc="http://schemas.openxmlformats.org/markup-compatibility/2006">
-        <mc:Choice xmlns:we="http://schemas.microsoft.com/office/webextensions/webextension/2010/11" xmlns:pca="http://schemas.microsoft.com/office/powerpoint/2013/contentapp" Requires="we pca">
-          <p:graphicFrame>
-            <p:nvGraphicFramePr>
-              <p:cNvPr id="12" name="Add-in 11">
-                <a:extLst>
-                  <a:ext uri="{FF2B5EF4-FFF2-40B4-BE49-F238E27FC236}">
-                    <a16:creationId xmlns:a16="http://schemas.microsoft.com/office/drawing/2014/main" id="{D1DA53C9-2F26-2E26-C58F-DE4B8A6D725C}"/>
-                  </a:ext>
-                </a:extLst>
-              </p:cNvPr>
-              <p:cNvGraphicFramePr>
-                <a:graphicFrameLocks noGrp="1"/>
-              </p:cNvGraphicFramePr>
-              <p:nvPr>
-                <p:extLst>
-                  <p:ext uri="{D42A27DB-BD31-4B8C-83A1-F6EECF244321}">
-                    <p14:modId xmlns:p14="http://schemas.microsoft.com/office/powerpoint/2010/main" val="1308544850"/>
-                  </p:ext>
-                </p:extLst>
-              </p:nvPr>
-            </p:nvGraphicFramePr>
-            <p:xfrm>
-              <a:off x="5734975" y="3781887"/>
-              <a:ext cx="5123525" cy="2504612"/>
-            </p:xfrm>
-            <a:graphic>
-              <a:graphicData uri="http://schemas.microsoft.com/office/webextensions/webextension/2010/11">
-                <we:webextensionref xmlns:we="http://schemas.microsoft.com/office/webextensions/webextension/2010/11" xmlns:r="http://schemas.openxmlformats.org/officeDocument/2006/relationships" r:id="rId4"/>
-              </a:graphicData>
-            </a:graphic>
-          </p:graphicFrame>
-        </mc:Choice>
-        <mc:Fallback>
-          <p:pic>
-            <p:nvPicPr>
-              <p:cNvPr id="12" name="Add-in 11">
-                <a:extLst>
-                  <a:ext uri="{FF2B5EF4-FFF2-40B4-BE49-F238E27FC236}">
-                    <a16:creationId xmlns:a16="http://schemas.microsoft.com/office/drawing/2014/main" id="{D1DA53C9-2F26-2E26-C58F-DE4B8A6D725C}"/>
-                  </a:ext>
-                </a:extLst>
-              </p:cNvPr>
-              <p:cNvPicPr>
-                <a:picLocks noGrp="1" noRot="1" noChangeAspect="1" noMove="1" noResize="1" noEditPoints="1" noAdjustHandles="1" noChangeArrowheads="1" noChangeShapeType="1"/>
-              </p:cNvPicPr>
-              <p:nvPr/>
-            </p:nvPicPr>
-            <p:blipFill>
-              <a:blip r:embed="rId5"/>
-              <a:stretch>
-                <a:fillRect/>
-              </a:stretch>
-            </p:blipFill>
-            <p:spPr>
-              <a:xfrm>
-                <a:off x="5734975" y="3781887"/>
-                <a:ext cx="5123525" cy="2504612"/>
-              </a:xfrm>
-              <a:prstGeom prst="rect">
-                <a:avLst/>
-              </a:prstGeom>
-            </p:spPr>
-          </p:pic>
-        </mc:Fallback>
-      </mc:AlternateContent>
-      <p:sp>
-        <p:nvSpPr>
-          <p:cNvPr id="13" name="TextBox 12">
-            <a:extLst>
-              <a:ext uri="{FF2B5EF4-FFF2-40B4-BE49-F238E27FC236}">
-                <a16:creationId xmlns:a16="http://schemas.microsoft.com/office/drawing/2014/main" id="{0A602C45-7946-2B89-159E-DC04E6756C6C}"/>
-              </a:ext>
-            </a:extLst>
-          </p:cNvPr>
-          <p:cNvSpPr txBox="1"/>
-          <p:nvPr/>
-        </p:nvSpPr>
-        <p:spPr>
-          <a:xfrm>
-            <a:off x="829322" y="2006353"/>
-            <a:ext cx="10029177" cy="1477328"/>
-          </a:xfrm>
-          <a:prstGeom prst="rect">
-            <a:avLst/>
-          </a:prstGeom>
-          <a:noFill/>
-        </p:spPr>
-        <p:txBody>
-          <a:bodyPr wrap="square" rtlCol="0">
-            <a:spAutoFit/>
-          </a:bodyPr>
-          <a:lstStyle/>
-          <a:p>
-            <a:pPr algn="just"/>
-            <a:r>
-              <a:rPr lang="en-US" dirty="0">
-                <a:latin typeface="Arial" panose="020B0604020202020204" pitchFamily="34" charset="0"/>
-                <a:cs typeface="Arial" panose="020B0604020202020204" pitchFamily="34" charset="0"/>
-              </a:rPr>
-              <a:t>Despite being the third highest in terms of volume among the five promotion types, the product featured in the '</a:t>
-            </a:r>
-            <a:r>
-              <a:rPr lang="en-US" b="1" i="1" dirty="0">
-                <a:latin typeface="Arial" panose="020B0604020202020204" pitchFamily="34" charset="0"/>
-                <a:cs typeface="Arial" panose="020B0604020202020204" pitchFamily="34" charset="0"/>
-              </a:rPr>
-              <a:t>500 Cashback</a:t>
-            </a:r>
-            <a:r>
-              <a:rPr lang="en-US" dirty="0">
-                <a:latin typeface="Arial" panose="020B0604020202020204" pitchFamily="34" charset="0"/>
-                <a:cs typeface="Arial" panose="020B0604020202020204" pitchFamily="34" charset="0"/>
-              </a:rPr>
-              <a:t>' promotion garnered the highest revenue. This can be attributed to its significantly higher price compared to other products (being the costliest). Consequently, a substantial revenue gap exists between the </a:t>
-            </a:r>
-            <a:r>
-              <a:rPr lang="en-US" b="1" i="1" dirty="0">
-                <a:latin typeface="Arial" panose="020B0604020202020204" pitchFamily="34" charset="0"/>
-                <a:cs typeface="Arial" panose="020B0604020202020204" pitchFamily="34" charset="0"/>
-              </a:rPr>
-              <a:t>'500 Cashback</a:t>
-            </a:r>
-            <a:r>
-              <a:rPr lang="en-US" dirty="0">
-                <a:latin typeface="Arial" panose="020B0604020202020204" pitchFamily="34" charset="0"/>
-                <a:cs typeface="Arial" panose="020B0604020202020204" pitchFamily="34" charset="0"/>
-              </a:rPr>
-              <a:t>' promotion and other promotion types.</a:t>
-            </a:r>
-            <a:endParaRPr lang="en-IN" dirty="0">
-              <a:latin typeface="Arial" panose="020B0604020202020204" pitchFamily="34" charset="0"/>
-              <a:cs typeface="Arial" panose="020B0604020202020204" pitchFamily="34" charset="0"/>
-            </a:endParaRPr>
-          </a:p>
-        </p:txBody>
-      </p:sp>
-    </p:spTree>
-    <p:extLst>
-      <p:ext uri="{BB962C8B-B14F-4D97-AF65-F5344CB8AC3E}">
-        <p14:creationId xmlns:p14="http://schemas.microsoft.com/office/powerpoint/2010/main" val="3675334422"/>
-      </p:ext>
-    </p:extLst>
-  </p:cSld>
-  <p:clrMapOvr>
-    <a:masterClrMapping/>
-  </p:clrMapOvr>
-</p:sld>
-</file>
-
-<file path=ppt/slides/slide9.xml><?xml version="1.0" encoding="utf-8"?>
-<p:sld xmlns:a="http://schemas.openxmlformats.org/drawingml/2006/main" xmlns:r="http://schemas.openxmlformats.org/officeDocument/2006/relationships" xmlns:p="http://schemas.openxmlformats.org/presentationml/2006/main">
-  <p:cSld>
-    <p:spTree>
-      <p:nvGrpSpPr>
-        <p:cNvPr id="1" name=""/>
-        <p:cNvGrpSpPr/>
-        <p:nvPr/>
-      </p:nvGrpSpPr>
-      <p:grpSpPr>
-        <a:xfrm>
-          <a:off x="0" y="0"/>
-          <a:ext cx="0" cy="0"/>
-          <a:chOff x="0" y="0"/>
-          <a:chExt cx="0" cy="0"/>
-        </a:xfrm>
-      </p:grpSpPr>
-      <p:sp>
-        <p:nvSpPr>
-          <p:cNvPr id="4" name="Title 1">
-            <a:extLst>
-              <a:ext uri="{FF2B5EF4-FFF2-40B4-BE49-F238E27FC236}">
-                <a16:creationId xmlns:a16="http://schemas.microsoft.com/office/drawing/2014/main" id="{B8378606-573F-93A8-5EA0-5BC78B8E92A8}"/>
-              </a:ext>
-            </a:extLst>
-          </p:cNvPr>
-          <p:cNvSpPr>
-            <a:spLocks noGrp="1"/>
-          </p:cNvSpPr>
-          <p:nvPr>
-            <p:ph type="title"/>
-          </p:nvPr>
-        </p:nvSpPr>
-        <p:spPr>
-          <a:xfrm>
-            <a:off x="838200" y="471658"/>
-            <a:ext cx="9726227" cy="1055302"/>
-          </a:xfrm>
-        </p:spPr>
-        <p:txBody>
-          <a:bodyPr>
-            <a:normAutofit/>
-          </a:bodyPr>
-          <a:lstStyle/>
-          <a:p>
-            <a:pPr algn="just"/>
-            <a:r>
-              <a:rPr lang="en-IN" sz="2400" dirty="0">
-                <a:latin typeface="Arial" panose="020B0604020202020204" pitchFamily="34" charset="0"/>
-                <a:cs typeface="Arial" panose="020B0604020202020204" pitchFamily="34" charset="0"/>
-              </a:rPr>
-              <a:t>Q5. </a:t>
-            </a:r>
-            <a:r>
-              <a:rPr lang="en-US" sz="2400" dirty="0">
-                <a:latin typeface="Arial" panose="020B0604020202020204" pitchFamily="34" charset="0"/>
-                <a:cs typeface="Arial" panose="020B0604020202020204" pitchFamily="34" charset="0"/>
-              </a:rPr>
-              <a:t>Which promotions strike the best balance between Incremental Sold Units and maintaining healthy margins?</a:t>
-            </a:r>
-            <a:endParaRPr lang="en-IN" sz="2400" dirty="0">
-              <a:latin typeface="Arial" panose="020B0604020202020204" pitchFamily="34" charset="0"/>
-              <a:cs typeface="Arial" panose="020B0604020202020204" pitchFamily="34" charset="0"/>
-            </a:endParaRPr>
-          </a:p>
-        </p:txBody>
-      </p:sp>
-      <mc:AlternateContent xmlns:mc="http://schemas.openxmlformats.org/markup-compatibility/2006">
-        <mc:Choice xmlns:we="http://schemas.microsoft.com/office/webextensions/webextension/2010/11" xmlns:pca="http://schemas.microsoft.com/office/powerpoint/2013/contentapp" Requires="we pca">
-          <p:graphicFrame>
-            <p:nvGraphicFramePr>
-              <p:cNvPr id="5" name="Add-in 4">
-                <a:extLst>
-                  <a:ext uri="{FF2B5EF4-FFF2-40B4-BE49-F238E27FC236}">
-                    <a16:creationId xmlns:a16="http://schemas.microsoft.com/office/drawing/2014/main" id="{F1B67113-8410-3D48-4CD6-F8685C56DD84}"/>
-                  </a:ext>
-                </a:extLst>
-              </p:cNvPr>
-              <p:cNvGraphicFramePr>
-                <a:graphicFrameLocks noGrp="1"/>
-              </p:cNvGraphicFramePr>
-              <p:nvPr>
-                <p:extLst>
-                  <p:ext uri="{D42A27DB-BD31-4B8C-83A1-F6EECF244321}">
-                    <p14:modId xmlns:p14="http://schemas.microsoft.com/office/powerpoint/2010/main" val="568102792"/>
-                  </p:ext>
-                </p:extLst>
-              </p:nvPr>
-            </p:nvGraphicFramePr>
-            <p:xfrm>
-              <a:off x="6096000" y="1793289"/>
-              <a:ext cx="4762500" cy="4306779"/>
-            </p:xfrm>
-            <a:graphic>
-              <a:graphicData uri="http://schemas.microsoft.com/office/webextensions/webextension/2010/11">
-                <we:webextensionref xmlns:we="http://schemas.microsoft.com/office/webextensions/webextension/2010/11" xmlns:r="http://schemas.openxmlformats.org/officeDocument/2006/relationships" r:id="rId2"/>
-              </a:graphicData>
-            </a:graphic>
-          </p:graphicFrame>
-        </mc:Choice>
-        <mc:Fallback>
-          <p:pic>
-            <p:nvPicPr>
-              <p:cNvPr id="5" name="Add-in 4">
-                <a:extLst>
-                  <a:ext uri="{FF2B5EF4-FFF2-40B4-BE49-F238E27FC236}">
-                    <a16:creationId xmlns:a16="http://schemas.microsoft.com/office/drawing/2014/main" id="{F1B67113-8410-3D48-4CD6-F8685C56DD84}"/>
-                  </a:ext>
-                </a:extLst>
-              </p:cNvPr>
-              <p:cNvPicPr>
-                <a:picLocks noGrp="1" noRot="1" noChangeAspect="1" noMove="1" noResize="1" noEditPoints="1" noAdjustHandles="1" noChangeArrowheads="1" noChangeShapeType="1"/>
-              </p:cNvPicPr>
-              <p:nvPr/>
-            </p:nvPicPr>
-            <p:blipFill>
-              <a:blip r:embed="rId3"/>
-              <a:stretch>
-                <a:fillRect/>
-              </a:stretch>
-            </p:blipFill>
-            <p:spPr>
-              <a:xfrm>
-                <a:off x="6096000" y="1793289"/>
-                <a:ext cx="4762500" cy="4306779"/>
-              </a:xfrm>
-              <a:prstGeom prst="rect">
-                <a:avLst/>
-              </a:prstGeom>
-            </p:spPr>
-          </p:pic>
-        </mc:Fallback>
-      </mc:AlternateContent>
-      <p:sp>
-        <p:nvSpPr>
-          <p:cNvPr id="6" name="TextBox 5">
-            <a:extLst>
-              <a:ext uri="{FF2B5EF4-FFF2-40B4-BE49-F238E27FC236}">
-                <a16:creationId xmlns:a16="http://schemas.microsoft.com/office/drawing/2014/main" id="{7B6CF571-373F-8796-EE68-8D6452F57668}"/>
-              </a:ext>
-            </a:extLst>
-          </p:cNvPr>
-          <p:cNvSpPr txBox="1"/>
-          <p:nvPr/>
-        </p:nvSpPr>
-        <p:spPr>
-          <a:xfrm>
-            <a:off x="838199" y="1793289"/>
-            <a:ext cx="4479526" cy="3416320"/>
-          </a:xfrm>
-          <a:prstGeom prst="rect">
-            <a:avLst/>
-          </a:prstGeom>
-          <a:noFill/>
-        </p:spPr>
-        <p:txBody>
-          <a:bodyPr wrap="square" rtlCol="0">
-            <a:spAutoFit/>
-          </a:bodyPr>
-          <a:lstStyle/>
-          <a:p>
-            <a:pPr algn="just"/>
-            <a:r>
-              <a:rPr lang="en-US" dirty="0">
-                <a:latin typeface="Arial" panose="020B0604020202020204" pitchFamily="34" charset="0"/>
-                <a:cs typeface="Arial" panose="020B0604020202020204" pitchFamily="34" charset="0"/>
-              </a:rPr>
-              <a:t>As the objective of promotions is to enhance sales for the business, if the Incremental Sold Units (ISU) undergoes a significant increase without a proportional rise in Incremental Revenue (IR), it adversely affects the overall revenue.</a:t>
-            </a:r>
-          </a:p>
-          <a:p>
-            <a:pPr algn="just"/>
-            <a:endParaRPr lang="en-US" dirty="0">
-              <a:latin typeface="Arial" panose="020B0604020202020204" pitchFamily="34" charset="0"/>
-              <a:cs typeface="Arial" panose="020B0604020202020204" pitchFamily="34" charset="0"/>
-            </a:endParaRPr>
-          </a:p>
-          <a:p>
-            <a:pPr algn="just"/>
-            <a:r>
-              <a:rPr lang="en-US" dirty="0">
-                <a:latin typeface="Arial" panose="020B0604020202020204" pitchFamily="34" charset="0"/>
-                <a:cs typeface="Arial" panose="020B0604020202020204" pitchFamily="34" charset="0"/>
-              </a:rPr>
-              <a:t>Among the promotions assessed, </a:t>
-            </a:r>
-            <a:r>
-              <a:rPr lang="en-US" b="1" i="1" dirty="0">
-                <a:latin typeface="Arial" panose="020B0604020202020204" pitchFamily="34" charset="0"/>
-                <a:cs typeface="Arial" panose="020B0604020202020204" pitchFamily="34" charset="0"/>
-              </a:rPr>
-              <a:t>'500 Cashback</a:t>
-            </a:r>
-            <a:r>
-              <a:rPr lang="en-US" dirty="0">
-                <a:latin typeface="Arial" panose="020B0604020202020204" pitchFamily="34" charset="0"/>
-                <a:cs typeface="Arial" panose="020B0604020202020204" pitchFamily="34" charset="0"/>
-              </a:rPr>
-              <a:t>' stands out as the only one achieving a delicate equilibrium between increasing ISU while simultaneously maintaining healthy margins.</a:t>
-            </a:r>
-            <a:endParaRPr lang="en-IN" dirty="0">
-              <a:latin typeface="Arial" panose="020B0604020202020204" pitchFamily="34" charset="0"/>
-              <a:cs typeface="Arial" panose="020B0604020202020204" pitchFamily="34" charset="0"/>
-            </a:endParaRPr>
-          </a:p>
-        </p:txBody>
-      </p:sp>
-    </p:spTree>
-    <p:extLst>
-      <p:ext uri="{BB962C8B-B14F-4D97-AF65-F5344CB8AC3E}">
-        <p14:creationId xmlns:p14="http://schemas.microsoft.com/office/powerpoint/2010/main" val="2453374638"/>
       </p:ext>
     </p:extLst>
   </p:cSld>
@@ -20091,6 +20331,260 @@
 </file>
 
 <file path=ppt/webextensions/webextension1.xml><?xml version="1.0" encoding="utf-8"?>
+<we:webextension xmlns:we="http://schemas.microsoft.com/office/webextensions/webextension/2010/11" id="{DD609E7F-9BF6-4636-B0E9-39B3EDA7E782}">
+  <we:reference id="wa200003233" version="2.0.0.3" store="en-US" storeType="OMEX"/>
+  <we:alternateReferences>
+    <we:reference id="WA200003233" version="2.0.0.3" store="WA200003233" storeType="OMEX"/>
+  </we:alternateReferences>
+  <we:properties>
+    <we:property name="pptInsertionSessionID" value="&quot;9158D563-F4E3-4F15-BD16-B212B287C722&quot;"/>
+    <we:property name="reportUrl" value="&quot;/groups/3a11be81-e317-4c86-b528-070631096d20/reports/1013838e-1c2e-4523-9e4c-9cafb2daca0f/ReportSection1fe55a5c906f4d119c91?bookmarkGuid=ae63ed3c-a3a3-4cf3-87ea-ba862fcb1244&amp;bookmarkUsage=1&amp;ctid=8e86cf5e-1252-41a5-a7b2-0fdbb91a3524&amp;fromEntryPoint=export&quot;"/>
+    <we:property name="reportName" value="&quot;_dashboard-C9 - FINAL - Dashboard Only&quot;"/>
+    <we:property name="reportState" value="&quot;CONNECTED&quot;"/>
+    <we:property name="embedUrl" value="&quot;/reportEmbed?reportId=1013838e-1c2e-4523-9e4c-9cafb2daca0f&amp;groupId=3a11be81-e317-4c86-b528-070631096d20&amp;w=2&amp;config=eyJjbHVzdGVyVXJsIjoiaHR0cHM6Ly9XQUJJLUlORElBLUNFTlRSQUwtQS1QUklNQVJZLXJlZGlyZWN0LmFuYWx5c2lzLndpbmRvd3MubmV0IiwiZW1iZWRGZWF0dXJlcyI6eyJ1c2FnZU1ldHJpY3NWTmV4dCI6dHJ1ZSwiZGlzYWJsZUFuZ3VsYXJKU0Jvb3RzdHJhcFJlcG9ydEVtYmVkIjp0cnVlfX0%3D&amp;disableSensitivityBanner=true&amp;lrtl=true&quot;"/>
+    <we:property name="pageName" value="&quot;ReportSection1fe55a5c906f4d119c91&quot;"/>
+    <we:property name="pageDisplayName" value="&quot;Dashboard&quot;"/>
+    <we:property name="datasetId" value="&quot;38bab94a-2294-4a9e-a662-7925ada2277e&quot;"/>
+    <we:property name="backgroundColor" value="&quot;#FFFFFF&quot;"/>
+    <we:property name="bookmark" value="&quot;H4sIAAAAAAAAA+1bS3PbOBL+Ky5d5uJKAcQ7t9jz2pqZLW88O5etlKsBNGTOUKSGpJx4U/7v2ySliR/SMFZsRfb6kHIIgI3u/voJUB8nMW/mBVz+E2Y4eT05qqo/ZlD/ceAmh5Py5hgYlkHiSmtuksdMRRZoVTVv86psJq8/Tlqop9j+ljcLKDqCNPifd4cTKIoTmHZPCYoGDydzrJuqhCL/Lw6LaaqtF3h1OMEP86KqoSN52kKLHdkLWk7PxAp/JWhHCG1+gacY2mH0Lc6rul0+84RKgQqO6SQj5y44Tu80w2zP5vj6btOeseOqbCEviYFuTAnBMGYhs5AZxawA3zOY8qJdLvGX332Y1yQ3aeNy3qnvTbyAMmCc9MLV2AyyfJz8gtAs6p7AdzcmTqtFHfAtpn6qbPP2kuiczYb1v4IvcHJFujqpK9JkP/mPMtQ4Q2K2OHiLF1guhiXn1fvjGkmPcfKaXb2jkSYvp8VS7Z/k/HXgNUDd8Vn530k5nTz0QlVHrI8ue5G+zeuV1rPDW1w/vjjEPy0TzkJQSobAgsgyG5II+wHCm0QMHNDArHoOIKwXZwAhGc+iVBxlEtprqSDw/QDhuumcVkU8+HeZkxafMA4bJRqgkCYJTFHbLjYbqTRPcj+guG5A/1rA8M4TBmKDPAMM3PMOCGsy7zBIC5K77WF4M53WOIV2+XiT9eOqWMzWjK8XKeazs6ataN1tefrRszz2498vypUOdwzRV5Z1CZ8NyNB7FWWGHnmEqPYGvnldxUVo7wi1HD8LVcTnBeJ2Ei8DIhMpZAiIIWUCuY4q7Q2U660zrCLjswHwPnIOsBkWeLI6Gha1YVJaVH1J8bcSN+dAf2+I3HszzwKq6KTWKKMxLvI4SiufUZNylxZ4xyUqRkEdmAhSRZ+2ppWSt5ZHHyi8UKgBk8aTxDHhP63qPNA+t63z4TwrDLusS9CH+9jLfEWmvrCsLBYNgY3xCOrjc6jbfShtNjVcq2ablv5+rYM+XhlLx+Oj2GCnxuXRRPf6rIv3ryfneYxYTnpfouY7cnAyOEVtOCO3FLBDX0qkmLNOU2uT1Kw663fcK7t9cabn5kyfa4TvhuyTWSc5JdksCh6ditbIbTOZYs4pw4y2AWwWkrYsbENrzMuNx+gC45pRS8VYJhLYFy9/rJOnXjd740ebDqC+ph+N2Su5gUpOZwBSSS6AZZw9hl9YGbQLUXsTnQ7CSSH99k3O7m3xcH/K2xe3+OJarZvzmdQxOrTgjHIsULMEW2cXk2VgROZ5jIraeR9T3HGfNNLAPodw39aIM5jftum1VvRDXS3mW5rQ36pyMB6urGQOdJKJ8xgo1Qe9Y8ADzOaQT8s1lj5MnPX3oc8F/FiVi/b/NKZ9NtTvltHIc+0MxSKtlXNd2TxeN7f4ofXVh7uxzXXXBJmLTIeobOAmiq3PpqwwXETJ0CnBBSrLhN2eM1DBRAXOG8l0zCzJbbanxqLkKSiGMgoHqrtbF6PUoMf4aNG2hOEdkiKozAdHjb5w2lDrL+Iuj8+2bQZGfbEp8oD1DXknM6ynvW9FaKGXZz5sl2PzqSb82AvU/f05JxUMtH+DYtGR/eZbeiNW78tvOl9aHrOu9af+jebRG1DFGCpNFhEkUs0KkcGuo/y90vozBu4z83KSWddhWBCB0nNMToRsx4g9RkX/tHH77JJchSyomHVFVXDSgwQ9fqm5J1XVV8PwCJo8PC6A96w/eNBGqBgi1wAKgkpq/ExhY172KYNgjGFKok2OA2XmL8zLWQBphQRPRiasc54hjpLccHXnWXd5Z2XGqHygf0JmYtRm96jwfjnfv8f5/o75OsJEGW/vzqZWHzVsGwnn+UXVDgI/vVbubfX+ofPgLX12+iPooOwo9h8VDxvWVdH/b2CB+CuI22KY+3OB9SXt2c9f3+vVDeL0Ut4Q4wXMmw6s7iPmbugkL8vVcyd5XVVtx34esRdglT3KRVGsvlrhSjEQPmnmJAMpkhj/amUXtfGNL6eewMnHSwB+CcA7OtN9wG+mfsyn59i0p1gUFOpPhiBzm9PlooPlqoPryz59USVeUshDtcAPkDiGHV71JDeki2VS+AkvH0eMOxnpcDOff0X7HfN6Lcvc5Xc8g45dl0rnhA8+RMOEDSEKZ8c7lA2HrowhSMMDJqsMkxDRjR+T3vuKl6Zv/QSpv4LpDT6it1orbrA7PraZoj6pV07z4/D+8EOrrnW0miVk1DNaR+vBMK9urlz+7ipoDtxR42UtciM9gBbrSPaMreu4q0XbzCHgCZS4pvPu/ShiHOm++03+6r2vrv4HO/QLmaA2AAA=&quot;"/>
+    <we:property name="initialStateBookmark" value="&quot;H4sIAAAAAAAAA+1bS3PbNhD+Kx5eevFkAOKdm+2mj0nTunbaSyfjWQALmS1FqiTlxM34vxcgpcYPOUwUW5FdHzIOAXCxu98+Qeh95ot2VsL5zzDF7Hm2X9d/TaH5a8dku1m1GPvll5ev9o5envy89+pFHK5nXVFXbfb8fdZBM8Hu96KdQ5koxME/3uxmUJaHMElPAcoWd7MZNm1dQVn8g8PiONU1c7zYzfDdrKwbSCSPO+gwkT2Ly+Nz3Js+Y3FHcF1xhsfoumH0CGd10y2eaUAhQDhDZOCeUuMMje+0w2zP5vj6tGnP2EFddVBUkYE0Jhgj6HOXa8iVIJqB7RkMRdktltjzF+9mTZQ7auN8lvS158+gcuizXrgG20GW99krhHbe9AReXJk4rueNwyMM/VTVFd15pHMyHda/BltidhF1ddjUUZP95I+Va3CKkdly5wjPsJoPS07rtwcNRj367Dm5eBNH2qKalAu1f5Dz9cCrgybxWds/o3KSPPGFuvHY7J/3In1bNEut57vXuL5/cSL/cRkzGpwQ3DniWJ5rF5jbDhD2QmRgJw5M68cAwmpxBhCCssRzQZEHJq3kAhzdDhAum85xXfqd36oiavEB43CrRAMUXAWGwUsNgQrFhaSBbwcUlw3o1zkM7zxgIG6RZ4CBWpqA0Cq3Bh3XwKlZH4a9yaTBCXSLx6usH9TlfLpifLVIvpietF0d112Xpx89KXw//t28WupwwxB9ZVkX8GmHBK0VnudokXrwYmvgmzW1n7vuhlCL8RNXe3xcIK4n8SIgEhZcjoDoQs6QSi/C1kC52jrdMjI+GgA/R84BNkUcDVp6RbxUhHONoi8pPipxewrx7xWRe2+muUPhDZcSuVfKeOpHaRXT2KTcpAXWUI6CxKAOhDkuvA1r0wrBak29dTG8xFADKowniYOI/6RuChf3uW6dd+dZbthlVYLe3cZe5isy9YVlZTlvI9jo96E5OIWm24bS5raGa9lsx6V/XuqgD5bGkni8FxtMalycRaTXpyneP89OC++xynpfis23p2C4MyK24SS6JYMN+lKIijlJmlqZpKb1Sb/jVtntkzM9Nmf6VCN8M2SfXBtOY5LNPaPeCK8VXzeTCWKMUERJ7UDnLkhN3Dq0xrxcWfTGESpJbKkIyVkA/eTl93Xy1Otma/zotgOor+1H0dRFMDIH4IJTBiSnZF0/0txJ47y0yhvpmOGM2/Wblc3b1O72lKlP5v3FNVeaszmX3hvUYJQwxMWmB9bOEirPQbHcUu9FbMutD37D/c5II/oYwnbXIE5hdt2mV1rR9009n61pQh9V5WA8VGhODMjAA6XexZTt5IYBdzCdQTGpVlj6MHHSf8h8LOD7upp3/9OY9slQv1lEI0ulUTEWSSmMSeXveP3b4bvO1u9uxjaTjvtz44l0XmhHlWdrnzFppijznKARjDIUmjC9PmcgnPICjFWcSJ/rKLdanxrxnAYnCHLPDIj0jZyNUoMe4/1510UMb5BkTuTWmdiwMyNVbOGZ3+Qx2LpF/agvtmXhsLkibzbFZtL7locOenlmw3YFth96nve9QOnvT0VUwUD7dyjniew338Y3fP22+ib50uK4dKU/9W+0914AC0JQyGgRjmOsWcET2HSU/6y0/oiB+8S8HHieOgwNzMX07INhLt8wYvdR0T9s3D65JBcud8LnqahyhlvgIMc/Tm5JVfXVMNyHtnD3C+Bn1h/UScWEd55KAAFOBDF+bnBrXrYhB6eUIoKjDoZCzMxfmJdzB1wzDjYaGdPGWII4SvKWT3CWpI9wmucklg/xH+M5G7XZLSq8n87pP+OcfsN87WOIGW/rzqaWlxPWjYSz4qzuBoEfXit3VL+96zx4TZ9JfxE6qBLF/nLwsGFTl/3/BhYif2Xkthzm/p5jcx737Ocv7/XsCvH4UtFGxkuYtQmsdBk5DR0WVbV8TpI3dd0l9guPvQDL7FHNy3J5+4QKQYDZIInhBDgLbPz2ySZq4ys3oB7AycdTAH4KwBs6073Du08/FJNTbLtjLMsY6g+HIHOd08WincWqncvLPtyMYk8p5K5a4DtIHMMOz3qSt6SLRVJ4ief3I8aNjLR7O5//RfsN83opy9zkdzyDjl0H4MYw66zzijDtnGdGj3coa1w7IASBK+owaKEIB49m/Ah15eFuJHbtp0T9J5je4D1aLaWgCtPxsc5F7JN65bQ/DLwMP5hKraOWJCCJPaM2cT0oYsXVlYvfTzlJgZrYeGmNVHELINkqkj1jqzruet61M3B4CBWu6Lx7P/LoR7rvfpNsKX2RYsPHX0js/9erX1z8C0vVlryJNgAA&quot;"/>
+    <we:property name="isFooterCollapsed" value="true"/>
+    <we:property name="isFiltersActionButtonVisible" value="false"/>
+    <we:property name="isVisualContainerHeaderHidden" value="false"/>
+    <we:property name="reportEmbeddedTime" value="&quot;2024-03-05T17:58:44.708Z&quot;"/>
+    <we:property name="creatorTenantId" value="&quot;8e86cf5e-1252-41a5-a7b2-0fdbb91a3524&quot;"/>
+    <we:property name="creatorUserId" value="&quot;10032002FA1086AF&quot;"/>
+    <we:property name="creatorSessionId" value="&quot;1520729e-c3e1-4663-9023-fd44065125c5&quot;"/>
+  </we:properties>
+  <we:bindings/>
+  <we:snapshot xmlns:r="http://schemas.openxmlformats.org/officeDocument/2006/relationships" r:embed="rId1"/>
+</we:webextension>
+</file>
+
+<file path=ppt/webextensions/webextension10.xml><?xml version="1.0" encoding="utf-8"?>
+<we:webextension xmlns:we="http://schemas.microsoft.com/office/webextensions/webextension/2010/11" id="{5E6800EA-2656-4D02-8B67-DB2C5A4248B1}">
+  <we:reference id="wa200003233" version="2.0.0.3" store="en-US" storeType="OMEX"/>
+  <we:alternateReferences>
+    <we:reference id="WA200003233" version="2.0.0.3" store="WA200003233" storeType="OMEX"/>
+  </we:alternateReferences>
+  <we:properties>
+    <we:property name="pptInsertionSessionID" value="&quot;6DD939C0-F012-4CF8-A7F6-D2BE429394BF&quot;"/>
+    <we:property name="reportUrl" value="&quot;/groups/3a11be81-e317-4c86-b528-070631096d20/reports/ac2019e8-3f33-489c-aba4-84ef4be02a4d/ReportSectiond5fe05d630a017f19fd7?ctid=8e86cf5e-1252-41a5-a7b2-0fdbb91a3524&amp;pbi_source=shareVisual&amp;visual=050918eb4e4c5848f107&amp;height=305.07&amp;width=431.97&amp;bookmarkGuid=2ceaf30b-a799-4026-9eec-6df9e29dae00&quot;"/>
+    <we:property name="artifactName" value="&quot;Units Sold (after) and Units Sold (before) by category&quot;"/>
+    <we:property name="reportName" value="&quot;_dashboard-C9 - FINAL&quot;"/>
+    <we:property name="reportState" value="&quot;CONNECTED&quot;"/>
+    <we:property name="embedUrl" value="&quot;/reportEmbed?reportId=ac2019e8-3f33-489c-aba4-84ef4be02a4d&amp;groupId=3a11be81-e317-4c86-b528-070631096d20&amp;w=2&amp;config=eyJjbHVzdGVyVXJsIjoiaHR0cHM6Ly9XQUJJLUlORElBLUNFTlRSQUwtQS1QUklNQVJZLXJlZGlyZWN0LmFuYWx5c2lzLndpbmRvd3MubmV0IiwiZW1iZWRGZWF0dXJlcyI6eyJ1c2FnZU1ldHJpY3NWTmV4dCI6dHJ1ZSwiZGlzYWJsZUFuZ3VsYXJKU0Jvb3RzdHJhcFJlcG9ydEVtYmVkIjp0cnVlfX0%3D&amp;disableSensitivityBanner=true&amp;lrtl=true&quot;"/>
+    <we:property name="pageName" value="&quot;ReportSectiond5fe05d630a017f19fd7&quot;"/>
+    <we:property name="pageDisplayName" value="&quot;Page 2&quot;"/>
+    <we:property name="datasetId" value="&quot;e61277eb-1f6b-467a-ad92-976335a2a406&quot;"/>
+    <we:property name="backgroundColor" value="&quot;#FFF&quot;"/>
+    <we:property name="bookmark" value="&quot;H4sIAAAAAAAAA91WW2/aMBT+K8hPmxRNgcIovEHGXjpaBFVfJoQO8Ulw69iZ7bAyxH/fsRO2jklrpanrtrzE/s7F37k52TMubClhdwkFsiEba31XgLlrDVjEVINdXV1MR/OL1eVoOiFYl05oZdlwzxyYHN2NsBVI74HAj8uIgZQzyP0uA2kxYiUaqxVI8QVrZRI5U+EhYnhfSm3Au1w4cOjdbkmd9nR2+80ZnQipE1tcYOpqdI6lNq7Z816GcY+/PYshbvez9iDjfbKxtTTQfFzfHxqIJVo5EIoIeKyf9QZxf807aRzHnQ7ZxEE3E9I1Kuvd5L40FDdlY1f6fCUURa6NSEGyEJ9BW4ezZ4mWVRFWkx/wha5MinPMgkg54XbkiYtiVRrNq9RZdqBkzYymVAZZWp+yC/hGf04MEsLZMD5E36iM+BZUSugpjymCrQw+lciqqPWvYS3xlMkYM22wRUihW3Pcoqrw5VmNMqrQo6SWhFihctn05fdGuK65prKy5Aj5GEyyAeP8AKxv0VdkuCdrbTia8S40wDthjj3aiU5CeP7YDsvjpJDk9kH7J8dW8RyfpQN9GpuLxJsXmvvcbQTnqDyziMW9eNA+x3UXu2nvvHuetf+TSRrlucEcXLOd/AbJjKq38uX8meOnCoLWymrJX4Gvv4+n0K+D5vtKNX0X/zNBrMO18eQo/tyk/n0VfdHJDs/DVLIC6avvF7pytoQUZ6AwUChrHwKDHvUYKO7LF9bGvz8ICrSu3g3ICkOS6B+hviWooMLfd7828H8OLNAK7L4C98VSV8QIAAA=&quot;"/>
+    <we:property name="initialStateBookmark" value="&quot;H4sIAAAAAAAAA91WW2/aMBT+K8hPmxRNgcIovEHGXjpaBFVfJoQO8Ulw69iZ7bAyxH/fsRO2jklrpanrtrzE/s7F37k52TMubClhdwkFsiEba31XgLlrDVjEVINdXV1MR/OL1eVoOiFYl05oZdlwzxyYHN2NsBVI74HAj8uIgZQzyP0uA2kxYiUaqxVI8QVrZRI5U+EhYnhfSm3Au1w4cOjdbkmd9nR2+80ZnQipE1tcYOpqdI6lNq7Z816GcY+/PYshbvez9iDjfbKxtTTQfFzfHxqIJVo5EIoIeKyf9QZxf807aRzHnQ7ZxEE3E9I1Kuvd5L40FDdlY1f6fCUURa6NSEGyEJ9BW4ezZ4mWVRFWkx/wha5MinPMgkg54XbkiYtiVRrNq9RZdqBkzYymVAZZWp+yC/hGf04MEsLZMD5E36iM+BZUSugpjymCrQw+lciqqPWvYS3xlMkYM22wRUihW3Pcoqrw5VmNMqrQo6SWhFihctn05fdGuK65prKy5Aj5GEyyAeP8AKxv0VdkuCdrbTia8S40wDthjj3aiU5CeP7YDsvjpJDk9kH7J8dW8RyfpQN9GpuLxJsXmvvcbQTnqDyziMW9eNA+x3UXu2nvvHuetf+TSRrlucEcXLOd/AbJjKq38uX8meOnCoLWymrJX4Gvv4+n0K+D5vtKNX0X/zNBrMO18eQo/tyk/n0VfdHJDs/DVLIC6avvF7pytoQUZ6AwUChrHwKDHvUYKO7LF9bGvz8ICrSu3g3ICkOS6B+hviWooMLfd7828H8OLNAK7L4C98VSV8QIAAA=&quot;"/>
+    <we:property name="isFooterCollapsed" value="true"/>
+    <we:property name="isFiltersActionButtonVisible" value="false"/>
+    <we:property name="isVisualContainerHeaderHidden" value="false"/>
+    <we:property name="reportEmbeddedTime" value="&quot;2024-03-05T16:04:32.645Z&quot;"/>
+    <we:property name="creatorTenantId" value="&quot;8e86cf5e-1252-41a5-a7b2-0fdbb91a3524&quot;"/>
+    <we:property name="creatorUserId" value="&quot;10032002FA1086AF&quot;"/>
+    <we:property name="creatorSessionId" value="&quot;5c143056-33b4-4cb8-b521-9e9139f0c6cc&quot;"/>
+  </we:properties>
+  <we:bindings/>
+  <we:snapshot xmlns:r="http://schemas.openxmlformats.org/officeDocument/2006/relationships" r:embed="rId1"/>
+</we:webextension>
+</file>
+
+<file path=ppt/webextensions/webextension11.xml><?xml version="1.0" encoding="utf-8"?>
+<we:webextension xmlns:we="http://schemas.microsoft.com/office/webextensions/webextension/2010/11" id="{4F77AC38-D9C6-41D6-8256-D2445E21378D}">
+  <we:reference id="wa200003233" version="2.0.0.3" store="en-US" storeType="OMEX"/>
+  <we:alternateReferences>
+    <we:reference id="WA200003233" version="2.0.0.3" store="WA200003233" storeType="OMEX"/>
+  </we:alternateReferences>
+  <we:properties>
+    <we:property name="pptInsertionSessionID" value="&quot;6DD939C0-F012-4CF8-A7F6-D2BE429394BF&quot;"/>
+    <we:property name="reportUrl" value="&quot;/groups/3a11be81-e317-4c86-b528-070631096d20/reports/ac2019e8-3f33-489c-aba4-84ef4be02a4d/ReportSectionc51bf04608fdbe4e3a4e?ctid=8e86cf5e-1252-41a5-a7b2-0fdbb91a3524&amp;pbi_source=shareVisual&amp;visual=bba61f6b05340bca3907&amp;height=149.55&amp;width=628.34&amp;bookmarkGuid=73b5ea3e-51b1-4306-8224-8672faee8a8a&quot;"/>
+    <we:property name="artifactName" value="&quot;Product Analysis&quot;"/>
+    <we:property name="reportName" value="&quot;_dashboard-C9 - FINAL&quot;"/>
+    <we:property name="reportState" value="&quot;CONNECTED&quot;"/>
+    <we:property name="embedUrl" value="&quot;/reportEmbed?reportId=ac2019e8-3f33-489c-aba4-84ef4be02a4d&amp;groupId=3a11be81-e317-4c86-b528-070631096d20&amp;w=2&amp;config=eyJjbHVzdGVyVXJsIjoiaHR0cHM6Ly9XQUJJLUlORElBLUNFTlRSQUwtQS1QUklNQVJZLXJlZGlyZWN0LmFuYWx5c2lzLndpbmRvd3MubmV0IiwiZW1iZWRGZWF0dXJlcyI6eyJ1c2FnZU1ldHJpY3NWTmV4dCI6dHJ1ZSwiZGlzYWJsZUFuZ3VsYXJKU0Jvb3RzdHJhcFJlcG9ydEVtYmVkIjp0cnVlfX0%3D&amp;disableSensitivityBanner=true&amp;lrtl=true&quot;"/>
+    <we:property name="pageName" value="&quot;ReportSectionc51bf04608fdbe4e3a4e&quot;"/>
+    <we:property name="pageDisplayName" value="&quot;PQ-2&quot;"/>
+    <we:property name="datasetId" value="&quot;e61277eb-1f6b-467a-ad92-976335a2a406&quot;"/>
+    <we:property name="backgroundColor" value="&quot;#FFFFFF&quot;"/>
+    <we:property name="bookmark" value="&quot;H4sIAAAAAAAAA+1YbU/bMBD+K5U/V6ht0hf4VhiTEONllLEPE6qc5FIMjp05TqFD/e+7sxMoHXSMsbFJzSe/nO8eP3e+O+WWJaLIJZ8d8gzYFtvW+irj5qqxyZpMVWtHR/sHw5P98eHwYBeXdW6FVgXbumWWmwnYM1GUXJIGXPxy3mRcymM+oVnKZQFNloMptOJSfAMvjFvWlDBvMrjJpTacVI4st0BqpyiOc7Td3gjQIo+tmMIIYutXTyDXxlbzuNuO0lbYaw3SJIIQAh4Cnin8roP5c3ky6oDtaGW5UAiA1uLOZghh1A9a7W4rGQRpH3q0Xgg1kdVV7s+eznLiy8KNjfQNMRVdok3ShBetiCbxTCckeCGSBBSbz3E3inivnfaiVjcIW1HMg81Wn0RTIW0FJprt3uQGGUbevaVTnR+iGS9DImc1cZ0me2905oQr1xZl9LUEM8MDpAcKL3nLRvUGjj/Wg1WaElKhrLAzmohsnBudlHTRJvMctObNO+nxovQ4A16UBk55JGFBHINmBBLJcnZ2tCwzh20JqS5NDCeQ3k8cHCLw2GiMMmekgjN28YtbFZBUgERZNHVkEjDbM2frnTB1XHWWmTnwYJ8LZLwMZE/FBjLAiJKNE5iCKoG8jQjQc2yr6zzvKegsMPYcflHH5wsgbI4vlQhbYdtbIq54fUrdDZwHn9RwF21z+s79Q1+w+yw8j5OwGlqTXejrHQOYSpIqEKvXMkymXMVA7MIL3PxEDC+hGab4FBu4kOkFl78xqMfj8B8CNdIyaXxSovLum+LahlQbeA0XDicTAxNeP8zdP/QAYoQ00e6pYa4uVZXNwh8x0zNcWbpyMdW2zs0Pqpd+1ZT5O2+Jko9vCHDncrHK6+tfyHUvyS1VGuOqqLsVb9Bo6UYeAuKTiFb6PZcF0abbX7S18UA5HhIFApc8L8hZ1B3R0rFQqp7TzY3WluAL7BzoAmdclmRblVISQGolOkkvCMNgALw96He7A9iM1q3E320l2utWYt1KrFuJdSuxbiXWrcT/2Uqs/mPh6s29W1kGZuJcpUtb5DyGY658Rck9BwKcnLtzQjDc2LUaHwQ6x4eQw0AFlv4b+T8jGFWiqg8rDtCl6gKB33f1rcfm2BIAAA==&quot;"/>
+    <we:property name="initialStateBookmark" value="&quot;H4sIAAAAAAAAA+1YbU/bMBD+K5U/V6ht0hf4VhiTEONllLEPE6qc5FIMjp05TqFD/e+7sxMoHXSMsbFJzSe/nO8eP3e+O+WWJaLIJZ8d8gzYFtvW+irj5qqxyZpMVWtHR/sHw5P98eHwYBeXdW6FVgXbumWWmwnYM1GUXJIGXPxy3mRcymM+oVnKZQFNloMptOJSfAMvjFvWlDBvMrjJpTacVI4st0BqpyiOc7Td3gjQIo+tmMIIYutXTyDXxlbzuNuO0lbYaw3SJIIQAh4Cnin8roP5c3ky6oDtaGW5UAiA1uLOZghh1A9a7W4rGQRpH3q0Xgg1kdVV7s+eznLiy8KNjfQNMRVdok3ShBetiCbxTCckeCGSBBSbz3E3inivnfaiVjcIW1HMg81Wn0RTIW0FJprt3uQGGUbevaVTnR+iGS9DImc1cZ0me2905oQr1xZl9LUEM8MDpAcKL3nLRvUGjj/Wg1WaElKhrLAzmohsnBudlHTRJvMctObNO+nxovQ4A16UBk55JGFBHINmBBLJcnZ2tCwzh20JqS5NDCeQ3k8cHCLw2GiMMmekgjN28YtbFZBUgERZNHVkEjDbM2frnTB1XHWWmTnwYJ8LZLwMZE/FBjLAiJKNE5iCKoG8jQjQc2yr6zzvKegsMPYcflHH5wsgbI4vlQhbYdtbIq54fUrdDZwHn9RwF21z+s79Q1+w+yw8j5OwGlqTXejrHQOYSpIqEKvXMkymXMVA7MIL3PxEDC+hGab4FBu4kOkFl78xqMfj8B8CNdIyaXxSovLum+LahlQbeA0XDicTAxNeP8zdP/QAYoQ00e6pYa4uVZXNwh8x0zNcWbpyMdW2zs0Pqpd+1ZT5O2+Jko9vCHDncrHK6+tfyHUvyS1VGuOqqLsVb9Bo6UYeAuKTiFb6PZcF0abbX7S18UA5HhIFApc8L8hZ1B3R0rFQqp7TzY3WluAL7BzoAmdclmRblVISQGolOkkvCMNgALw96He7A9iM1q3E320l2utWYt1KrFuJdSuxbiXWrcT/2Uqs/mPh6s29W1kGZuJcpUtb5DyGY658Rck9BwKcnLtzQjDc2LUaHwQ6x4eQw0AFlv4b+T8jGFWiqg8rDtCl6gKB33f1rcfm2BIAAA==&quot;"/>
+    <we:property name="isFooterCollapsed" value="true"/>
+    <we:property name="isFiltersActionButtonVisible" value="false"/>
+    <we:property name="isVisualContainerHeaderHidden" value="false"/>
+    <we:property name="reportEmbeddedTime" value="&quot;2024-03-05T16:12:09.513Z&quot;"/>
+    <we:property name="creatorTenantId" value="&quot;8e86cf5e-1252-41a5-a7b2-0fdbb91a3524&quot;"/>
+    <we:property name="creatorUserId" value="&quot;10032002FA1086AF&quot;"/>
+    <we:property name="creatorSessionId" value="&quot;43edf741-47d7-44df-b579-5063e40ff214&quot;"/>
+  </we:properties>
+  <we:bindings/>
+  <we:snapshot xmlns:r="http://schemas.openxmlformats.org/officeDocument/2006/relationships" r:embed="rId1"/>
+</we:webextension>
+</file>
+
+<file path=ppt/webextensions/webextension12.xml><?xml version="1.0" encoding="utf-8"?>
+<we:webextension xmlns:we="http://schemas.microsoft.com/office/webextensions/webextension/2010/11" id="{5D1E674A-38A7-403A-8A69-196317157781}">
+  <we:reference id="wa200003233" version="2.0.0.3" store="en-US" storeType="OMEX"/>
+  <we:alternateReferences>
+    <we:reference id="WA200003233" version="2.0.0.3" store="WA200003233" storeType="OMEX"/>
+  </we:alternateReferences>
+  <we:properties>
+    <we:property name="pptInsertionSessionID" value="&quot;6DD939C0-F012-4CF8-A7F6-D2BE429394BF&quot;"/>
+    <we:property name="reportUrl" value="&quot;/groups/3a11be81-e317-4c86-b528-070631096d20/reports/ac2019e8-3f33-489c-aba4-84ef4be02a4d/ReportSectionc51bf04608fdbe4e3a4e?ctid=8e86cf5e-1252-41a5-a7b2-0fdbb91a3524&amp;pbi_source=shareVisual&amp;visual=b2d634438ea187558e9b&amp;height=149.61&amp;width=627.20&amp;bookmarkGuid=bebe3a86-d9d7-4423-a86a-66d1fc6571a5&quot;"/>
+    <we:property name="artifactName" value="&quot;Product Analysis&quot;"/>
+    <we:property name="reportName" value="&quot;_dashboard-C9 - FINAL&quot;"/>
+    <we:property name="reportState" value="&quot;CONNECTED&quot;"/>
+    <we:property name="embedUrl" value="&quot;/reportEmbed?reportId=ac2019e8-3f33-489c-aba4-84ef4be02a4d&amp;groupId=3a11be81-e317-4c86-b528-070631096d20&amp;w=2&amp;config=eyJjbHVzdGVyVXJsIjoiaHR0cHM6Ly9XQUJJLUlORElBLUNFTlRSQUwtQS1QUklNQVJZLXJlZGlyZWN0LmFuYWx5c2lzLndpbmRvd3MubmV0IiwiZW1iZWRGZWF0dXJlcyI6eyJ1c2FnZU1ldHJpY3NWTmV4dCI6dHJ1ZSwiZGlzYWJsZUFuZ3VsYXJKU0Jvb3RzdHJhcFJlcG9ydEVtYmVkIjp0cnVlfX0%3D&amp;disableSensitivityBanner=true&amp;lrtl=true&quot;"/>
+    <we:property name="pageName" value="&quot;ReportSectionc51bf04608fdbe4e3a4e&quot;"/>
+    <we:property name="pageDisplayName" value="&quot;PQ-2&quot;"/>
+    <we:property name="datasetId" value="&quot;e61277eb-1f6b-467a-ad92-976335a2a406&quot;"/>
+    <we:property name="backgroundColor" value="&quot;#FFFFFF&quot;"/>
+    <we:property name="bookmark" value="&quot;H4sIAAAAAAAAA+1Y30/bMBD+V5CfK9QfaWl5K4xJiAEdZexhQpWTXIrBsTPH6ehQ//fd2QmEDgpjbGxS+xTb5/s+f3c+n3rDYpFnks+PeApsm+1ofZVyc7UxYA2myrnj44PD4cnB5Gh4uIfTOrNCq5xt3zDLzRTsmcgLLskDTn45bzAu5YhPaZRwmUODZWByrbgU38Eb45I1BSwaDK4zqQ0nl2PLLZDbGZrjGLFbmx1E5JEVMxhDZP3sCWTa2HIcdVth0gx6zX4ShxBAhweAe3K/6mg+bU+gjtiuVpYLhQRoLmoPAgjCrU6z1W3G/U6yBT2az4WayvIod3tP5xnpZeHahvqalAovEZM84UFLock81TEZXog4BsUWC1wNQ95rJb2w2e0EzTDinUFzi0wTIW1JJpzvXWcGFUbdPdKpzo4QxtuQyVklXLvB3hudOuMytHkRfi3AzHED+YHcW96wcbWA3x+rj1WeYnKhrLBzGoh0khkdF3TQBvMaNBeNW+tJ3XqSAs8LA6c8lFAzx6QZg0SxHM6ulkXquC0x1YWJ4ASSu4GjQwKOjMYscyAlnYnLX1wqiSQCJNoi1LGJwezMHdY7Yaq8ai8rc+jJPpfIZJnIvooMpIAZJTdOYAaqAIo2MsDIse2ui7yXoF1T7Dn6oo/PF0DcnF4qFrbktr8kXP76kroTuAg+6uE22xb0O/cXvYb7LD4Pi7CaWoNd6G+7BrCUxGUilrdlGM+4ioDUhReE+ZEcXmIzTPAqbuBEqmshf2NSD+fhP0RqrGW88UmJMrpvymsHEm3gNUI4nE4NTHl1Mff+0AWIkNJUu6uGtbpQZTULfuZM13Dl05WJmbZVbb73eulXLZm/c5eo+PiGAFcu66+8/vYLte4ltaUsY1zlVbfiAY2W7stTQH4S2Uq/5qogYrr1OtbmPee4SeRIXPIsp2BRd0RTI6FUNaaTG60t0RfYOdABzrgsCFsVUjppnmgz2nGvEwSdPvBWf6vb7cMgXLcZf7fNaK3bjHWbsW4z1m3Gus1Ytxn/Z5vhqm09dCwFM3Xh0IXNMx7BiCv/amT+nAKcnTtXTFDu27UTHwQGwKeJw6FHlP438i0LZo4o34AVG4h49Qjg7wdAaWjj2BIAAA==&quot;"/>
+    <we:property name="initialStateBookmark" value="&quot;H4sIAAAAAAAAA+1Y30/bMBD+V5CfK9QfaWl5K4xJiAEdZexhQpWTXIrBsTPH6ehQ//fd2QmEDgpjbGxS+xTb5/s+f3c+n3rDYpFnks+PeApsm+1ofZVyc7UxYA2myrnj44PD4cnB5Gh4uIfTOrNCq5xt3zDLzRTsmcgLLskDTn45bzAu5YhPaZRwmUODZWByrbgU38Eb45I1BSwaDK4zqQ0nl2PLLZDbGZrjGLFbmx1E5JEVMxhDZP3sCWTa2HIcdVth0gx6zX4ShxBAhweAe3K/6mg+bU+gjtiuVpYLhQRoLmoPAgjCrU6z1W3G/U6yBT2az4WayvIod3tP5xnpZeHahvqalAovEZM84UFLock81TEZXog4BsUWC1wNQ95rJb2w2e0EzTDinUFzi0wTIW1JJpzvXWcGFUbdPdKpzo4QxtuQyVklXLvB3hudOuMytHkRfi3AzHED+YHcW96wcbWA3x+rj1WeYnKhrLBzGoh0khkdF3TQBvMaNBeNW+tJ3XqSAs8LA6c8lFAzx6QZg0SxHM6ulkXquC0x1YWJ4ASSu4GjQwKOjMYscyAlnYnLX1wqiSQCJNoi1LGJwezMHdY7Yaq8ai8rc+jJPpfIZJnIvooMpIAZJTdOYAaqAIo2MsDIse2ui7yXoF1T7Dn6oo/PF0DcnF4qFrbktr8kXP76kroTuAg+6uE22xb0O/cXvYb7LD4Pi7CaWoNd6G+7BrCUxGUilrdlGM+4ioDUhReE+ZEcXmIzTPAqbuBEqmshf2NSD+fhP0RqrGW88UmJMrpvymsHEm3gNUI4nE4NTHl1Mff+0AWIkNJUu6uGtbpQZTULfuZM13Dl05WJmbZVbb73eulXLZm/c5eo+PiGAFcu66+8/vYLte4ltaUsY1zlVbfiAY2W7stTQH4S2Uq/5qogYrr1OtbmPee4SeRIXPIsp2BRd0RTI6FUNaaTG60t0RfYOdABzrgsCFsVUjppnmgz2nGvEwSdPvBWf6vb7cMgXLcZf7fNaK3bjHWbsW4z1m3Gus1Ytxn/Z5vhqm09dCwFM3Xh0IXNMx7BiCv/amT+nAKcnTtXTFDu27UTHwQGwKeJw6FHlP438i0LZo4o34AVG4h49Qjg7wdAaWjj2BIAAA==&quot;"/>
+    <we:property name="isFooterCollapsed" value="true"/>
+    <we:property name="isFiltersActionButtonVisible" value="false"/>
+    <we:property name="isVisualContainerHeaderHidden" value="false"/>
+    <we:property name="reportEmbeddedTime" value="&quot;2024-03-05T16:13:04.704Z&quot;"/>
+    <we:property name="creatorTenantId" value="&quot;8e86cf5e-1252-41a5-a7b2-0fdbb91a3524&quot;"/>
+    <we:property name="creatorUserId" value="&quot;10032002FA1086AF&quot;"/>
+    <we:property name="creatorSessionId" value="&quot;14e4d401-3ec9-4efd-8ffb-be12bec9921c&quot;"/>
+  </we:properties>
+  <we:bindings/>
+  <we:snapshot xmlns:r="http://schemas.openxmlformats.org/officeDocument/2006/relationships" r:embed="rId1"/>
+</we:webextension>
+</file>
+
+<file path=ppt/webextensions/webextension13.xml><?xml version="1.0" encoding="utf-8"?>
+<we:webextension xmlns:we="http://schemas.microsoft.com/office/webextensions/webextension/2010/11" id="{52AECA85-0496-44F8-A11E-A6248CAA8A62}">
+  <we:reference id="wa200003233" version="2.0.0.3" store="en-US" storeType="OMEX"/>
+  <we:alternateReferences>
+    <we:reference id="WA200003233" version="2.0.0.3" store="WA200003233" storeType="OMEX"/>
+  </we:alternateReferences>
+  <we:properties>
+    <we:property name="pptInsertionSessionID" value="&quot;6DD939C0-F012-4CF8-A7F6-D2BE429394BF&quot;"/>
+    <we:property name="reportUrl" value="&quot;/groups/3a11be81-e317-4c86-b528-070631096d20/reports/ac2019e8-3f33-489c-aba4-84ef4be02a4d/ReportSection533d81bc814eaffd8e86?ctid=8e86cf5e-1252-41a5-a7b2-0fdbb91a3524&amp;pbi_source=shareVisual&amp;visual=799c54665bcd6b8fbff4&amp;height=325.63&amp;width=285.83&amp;bookmarkGuid=4af48dc4-1754-4946-8f83-d4994795beda&quot;"/>
+    <we:property name="artifactName" value="&quot;IR% &amp; ISU% across Promo Types&quot;"/>
+    <we:property name="reportName" value="&quot;_dashboard-C9 - FINAL&quot;"/>
+    <we:property name="reportState" value="&quot;CONNECTED&quot;"/>
+    <we:property name="embedUrl" value="&quot;/reportEmbed?reportId=ac2019e8-3f33-489c-aba4-84ef4be02a4d&amp;groupId=3a11be81-e317-4c86-b528-070631096d20&amp;w=2&amp;config=eyJjbHVzdGVyVXJsIjoiaHR0cHM6Ly9XQUJJLUlORElBLUNFTlRSQUwtQS1QUklNQVJZLXJlZGlyZWN0LmFuYWx5c2lzLndpbmRvd3MubmV0IiwiZW1iZWRGZWF0dXJlcyI6eyJ1c2FnZU1ldHJpY3NWTmV4dCI6dHJ1ZSwiZGlzYWJsZUFuZ3VsYXJKU0Jvb3RzdHJhcFJlcG9ydEVtYmVkIjp0cnVlfX0%3D&amp;disableSensitivityBanner=true&amp;lrtl=true&quot;"/>
+    <we:property name="pageName" value="&quot;ReportSection533d81bc814eaffd8e86&quot;"/>
+    <we:property name="pageDisplayName" value="&quot;PQ-3&quot;"/>
+    <we:property name="datasetId" value="&quot;e61277eb-1f6b-467a-ad92-976335a2a406&quot;"/>
+    <we:property name="backgroundColor" value="&quot;#FFFFFF&quot;"/>
+    <we:property name="bookmark" value="&quot;H4sIAAAAAAAAA82VTW8aMRCG/0rkM0KhLAS4JZRDlSZBkOZSIeS1Z4kTr721vQSK+O+ZsaEhREp7QeoJ73x4nnl3dtgwqXyl+fqWl8AG7Mra55K757M+azCzs93dXd9cTq7nt5c3IzTbKihrPBtsWOBuAeFB+ZprugGNP2cNxrUe8wU9FVx7aLAKnLeGa/UbUjC6gqth22CwqrR1nK6cBh6Arl1iOD5j7VazjRW5CGoJUxAhWSdQWRd2z512W/Zauei1MuBFIXvQ62KOT96I+fd4KhrBhtYErgwCkE1c9LM8L9q5aBVZJ+Nded4nu1dmoXetvOXeryvSK8Aq5HZFSuVPWJNuwkZ3QlN4aSUFPiopwbDtFr0X/b7oZN1uJxeym/eKvCgyCi2UDjuYfD1aVQ4VRt1TpSHqtbBOCaSISjrwSbgNG1pdl/E0emef2toJmEARXSaogEgIV84rZ2VNuMQzdhZfWvSJVGUd7Y/2ZegALZINzreNE6AU+LbnsATzkQQJSzuPFT9juZRLbgRaj0FugPvawb+SzMsUf89zDccs34xwUCIl12cTwq3/M6ip1fLsh1E7Gd9zzdDy6RBXamlDqnE0x9ZJcFfrOIdfldt/lF8aR/inF3s7268GDH06/N7ti498p/kITjXRs7QOufH7ZZi6cFbHU+oLm9Z4mU6+XzW4NRaM/sMGmn+IMUH5sTKGXn3aukd5B4DNA6KYiK1qXvl97oe7MMhZG6hhhduMWn7guiZgU2tNXW3jhnsbIlYC/m3QwdbBV1zAmBuI7VRJGgUxLoohqVQ8O/r9rnAfpoGNdaK++CeT1ijOsKL5+TyBwFnEinCvpg1mTQUHAAA=&quot;"/>
+    <we:property name="initialStateBookmark" value="&quot;H4sIAAAAAAAAA82VTW8aMRCG/0rkM0KhLAS4JZRDlSZBkOZSIeS1Z4kTr721vQSK+O+ZsaEhREp7QeoJ73x4nnl3dtgwqXyl+fqWl8AG7Mra55K757M+azCzs93dXd9cTq7nt5c3IzTbKihrPBtsWOBuAeFB+ZprugGNP2cNxrUe8wU9FVx7aLAKnLeGa/UbUjC6gqth22CwqrR1nK6cBh6Arl1iOD5j7VazjRW5CGoJUxAhWSdQWRd2z512W/Zauei1MuBFIXvQ62KOT96I+fd4KhrBhtYErgwCkE1c9LM8L9q5aBVZJ+Nded4nu1dmoXetvOXeryvSK8Aq5HZFSuVPWJNuwkZ3QlN4aSUFPiopwbDtFr0X/b7oZN1uJxeym/eKvCgyCi2UDjuYfD1aVQ4VRt1TpSHqtbBOCaSISjrwSbgNG1pdl/E0emef2toJmEARXSaogEgIV84rZ2VNuMQzdhZfWvSJVGUd7Y/2ZegALZINzreNE6AU+LbnsATzkQQJSzuPFT9juZRLbgRaj0FugPvawb+SzMsUf89zDccs34xwUCIl12cTwq3/M6ip1fLsh1E7Gd9zzdDy6RBXamlDqnE0x9ZJcFfrOIdfldt/lF8aR/inF3s7268GDH06/N7ti498p/kITjXRs7QOufH7ZZi6cFbHU+oLm9Z4mU6+XzW4NRaM/sMGmn+IMUH5sTKGXn3aukd5B4DNA6KYiK1qXvl97oe7MMhZG6hhhduMWn7guiZgU2tNXW3jhnsbIlYC/m3QwdbBV1zAmBuI7VRJGgUxLoohqVQ8O/r9rnAfpoGNdaK++CeT1ijOsKL5+TyBwFnEinCvpg1mTQUHAAA=&quot;"/>
+    <we:property name="isFooterCollapsed" value="true"/>
+    <we:property name="isFiltersActionButtonVisible" value="false"/>
+    <we:property name="isVisualContainerHeaderHidden" value="false"/>
+    <we:property name="reportEmbeddedTime" value="&quot;2024-03-05T16:18:23.885Z&quot;"/>
+    <we:property name="creatorTenantId" value="&quot;8e86cf5e-1252-41a5-a7b2-0fdbb91a3524&quot;"/>
+    <we:property name="creatorUserId" value="&quot;10032002FA1086AF&quot;"/>
+    <we:property name="creatorSessionId" value="&quot;daa9f0b3-4c4b-410d-a75b-ddf7f94f7e1b&quot;"/>
+  </we:properties>
+  <we:bindings/>
+  <we:snapshot xmlns:r="http://schemas.openxmlformats.org/officeDocument/2006/relationships" r:embed="rId1"/>
+</we:webextension>
+</file>
+
+<file path=ppt/webextensions/webextension14.xml><?xml version="1.0" encoding="utf-8"?>
+<we:webextension xmlns:we="http://schemas.microsoft.com/office/webextensions/webextension/2010/11" id="{B0A35FEA-E119-4A83-BF94-D70FA4BC52FF}">
+  <we:reference id="wa200003233" version="2.0.0.3" store="en-US" storeType="OMEX"/>
+  <we:alternateReferences>
+    <we:reference id="WA200003233" version="2.0.0.3" store="WA200003233" storeType="OMEX"/>
+  </we:alternateReferences>
+  <we:properties>
+    <we:property name="pptInsertionSessionID" value="&quot;6DD939C0-F012-4CF8-A7F6-D2BE429394BF&quot;"/>
+    <we:property name="reportUrl" value="&quot;/groups/3a11be81-e317-4c86-b528-070631096d20/reports/ac2019e8-3f33-489c-aba4-84ef4be02a4d/ReportSection9add75b97d20a4577b9b?ctid=8e86cf5e-1252-41a5-a7b2-0fdbb91a3524&amp;pbi_source=shareVisual&amp;visual=a3241aba86cc88b152d1&amp;height=247.43&amp;width=430.12&amp;bookmarkGuid=53c3323a-e34b-4436-953e-7805fb34ef9f&quot;"/>
+    <we:property name="artifactName" value="&quot;Store Analysis&quot;"/>
+    <we:property name="reportName" value="&quot;_dashboard-C9 - FINAL&quot;"/>
+    <we:property name="reportState" value="&quot;CONNECTED&quot;"/>
+    <we:property name="embedUrl" value="&quot;/reportEmbed?reportId=ac2019e8-3f33-489c-aba4-84ef4be02a4d&amp;groupId=3a11be81-e317-4c86-b528-070631096d20&amp;w=2&amp;config=eyJjbHVzdGVyVXJsIjoiaHR0cHM6Ly9XQUJJLUlORElBLUNFTlRSQUwtQS1QUklNQVJZLXJlZGlyZWN0LmFuYWx5c2lzLndpbmRvd3MubmV0IiwiZW1iZWRGZWF0dXJlcyI6eyJ1c2FnZU1ldHJpY3NWTmV4dCI6dHJ1ZSwiZGlzYWJsZUFuZ3VsYXJKU0Jvb3RzdHJhcFJlcG9ydEVtYmVkIjp0cnVlfX0%3D&amp;disableSensitivityBanner=true&amp;lrtl=true&quot;"/>
+    <we:property name="pageName" value="&quot;ReportSection9add75b97d20a4577b9b&quot;"/>
+    <we:property name="pageDisplayName" value="&quot;SQ-1&quot;"/>
+    <we:property name="datasetId" value="&quot;e61277eb-1f6b-467a-ad92-976335a2a406&quot;"/>
+    <we:property name="backgroundColor" value="&quot;#FFFFFF&quot;"/>
+    <we:property name="bookmark" value="&quot;H4sIAAAAAAAAA81W204bMRD9lWifI5RsIBfeAgUJUSBNKH2oUORdT4LBa29tb0iK8u+dsXdJmnJtQXSf7PHsnOPj8YzvIi5sLtnilGUQ7UZ7Wt9kzNzUelE9UqXt7Oz4pD88Hp/2Tw7QrHMntLLR7l3kmJmCuxC2YJIioPH7ZT1iUg7YlGYTJi3UoxyM1YpJ8ROCMy45U8CyHsE8l9owCjlyzAGFnaE7zhG7udVCRJY6MYMRpC5Yh5Br48p5j3He2Ul6HR432PZOp5P0EvzHhlVP83l/AvXE9rVyTCgkQLa4E/PJdrvdTLtJg7Vb7S6LyW6FmspyK6t/zxc56eVg7hI9J6WSa8SkSLjRUmhyzzQnxyvBOahoucRV1oq3myxh3XaadrtJcyfmTXKdCOlKMsniYJ4bVBh1D0jnOj9FmOBDLheVcHE9OjQ6887l0doi+VGAWeAPFAds8LyLRtUCjr9Ug6cicQqhnHALmohsbJ3GeGgNCjSW9Xvf8brvOANmCwPnLJGw5o4pMwKJUnmUfS2LzDPb4KkLk8IQJquJJ0PyDYzGHPMgnsxYoL1ekZgIkDhHmDPDwewtPM4nYaqMijc1OQlEX0pivEniSKUGMsBckrUhzEAVQOeMDPDMot1mwx962H+8Jtfz0mKIb1dA1LxUigtXUjva0My+rZqevD+4R/++T7ElfZfhdq9hvojLQ9t/nFQ9utK3+wawcvAy88rL0eczplIgReEvzvaRpN1g0p/gzauhIdNr5/zBpB5Ovv+I1EhLXvuqhLMfz2sPJphMb3GE/enUwJRV1/HgXVI/JQeyHRaqLF6tP9nS1XuyR+Vipl1Vhn9rU/pNK+S/JCwVnND50fV6vZ3r21fUttfVk7JoMWWrB0mAMlr6UQBHZhJ5yrDmax6i+fUVytZ9WHQXFslKlls6IHr6oAmbP1E7hsX7bYeQB0KpCpYsRmtHoSoCF0wWtDlVSEkKLH1zWmVFlAE+82igC2dzlsKAqdCA8oAqwPt54ThB+bF/knwWWCFDBnocasf0KAzPHkxKUbaUJ34g4lVPwe8X7jjpIbUKAAA=&quot;"/>
+    <we:property name="initialStateBookmark" value="&quot;H4sIAAAAAAAAA81W204bMRD9lWifI5RsIBfeAgUJUSBNKH2oUORdT4LBa29tb0iK8u+dsXdJmnJtQXSf7PHsnOPj8YzvIi5sLtnilGUQ7UZ7Wt9kzNzUelE9UqXt7Oz4pD88Hp/2Tw7QrHMntLLR7l3kmJmCuxC2YJIioPH7ZT1iUg7YlGYTJi3UoxyM1YpJ8ROCMy45U8CyHsE8l9owCjlyzAGFnaE7zhG7udVCRJY6MYMRpC5Yh5Br48p5j3He2Ul6HR432PZOp5P0EvzHhlVP83l/AvXE9rVyTCgkQLa4E/PJdrvdTLtJg7Vb7S6LyW6FmspyK6t/zxc56eVg7hI9J6WSa8SkSLjRUmhyzzQnxyvBOahoucRV1oq3myxh3XaadrtJcyfmTXKdCOlKMsniYJ4bVBh1D0jnOj9FmOBDLheVcHE9OjQ6887l0doi+VGAWeAPFAds8LyLRtUCjr9Ug6cicQqhnHALmohsbJ3GeGgNCjSW9Xvf8brvOANmCwPnLJGw5o4pMwKJUnmUfS2LzDPb4KkLk8IQJquJJ0PyDYzGHPMgnsxYoL1ekZgIkDhHmDPDwewtPM4nYaqMijc1OQlEX0pivEniSKUGMsBckrUhzEAVQOeMDPDMot1mwx962H+8Jtfz0mKIb1dA1LxUigtXUjva0My+rZqevD+4R/++T7ElfZfhdq9hvojLQ9t/nFQ9utK3+wawcvAy88rL0eczplIgReEvzvaRpN1g0p/gzauhIdNr5/zBpB5Ovv+I1EhLXvuqhLMfz2sPJphMb3GE/enUwJRV1/HgXVI/JQeyHRaqLF6tP9nS1XuyR+Vipl1Vhn9rU/pNK+S/JCwVnND50fV6vZ3r21fUttfVk7JoMWWrB0mAMlr6UQBHZhJ5yrDmax6i+fUVytZ9WHQXFslKlls6IHr6oAmbP1E7hsX7bYeQB0KpCpYsRmtHoSoCF0wWtDlVSEkKLH1zWmVFlAE+82igC2dzlsKAqdCA8oAqwPt54ThB+bF/knwWWCFDBnocasf0KAzPHkxKUbaUJ34g4lVPwe8X7jjpIbUKAAA=&quot;"/>
+    <we:property name="isFooterCollapsed" value="true"/>
+    <we:property name="isFiltersActionButtonVisible" value="false"/>
+    <we:property name="isVisualContainerHeaderHidden" value="false"/>
+    <we:property name="reportEmbeddedTime" value="&quot;2024-03-05T16:23:30.233Z&quot;"/>
+    <we:property name="creatorTenantId" value="&quot;8e86cf5e-1252-41a5-a7b2-0fdbb91a3524&quot;"/>
+    <we:property name="creatorUserId" value="&quot;10032002FA1086AF&quot;"/>
+    <we:property name="creatorSessionId" value="&quot;03f3dd82-3074-4692-a984-4a004557eba1&quot;"/>
+  </we:properties>
+  <we:bindings/>
+  <we:snapshot xmlns:r="http://schemas.openxmlformats.org/officeDocument/2006/relationships" r:embed="rId1"/>
+</we:webextension>
+</file>
+
+<file path=ppt/webextensions/webextension15.xml><?xml version="1.0" encoding="utf-8"?>
+<we:webextension xmlns:we="http://schemas.microsoft.com/office/webextensions/webextension/2010/11" id="{E3BA3FAA-A12E-43BA-BB72-21F0EC54C7A7}">
+  <we:reference id="wa200003233" version="2.0.0.3" store="en-US" storeType="OMEX"/>
+  <we:alternateReferences>
+    <we:reference id="WA200003233" version="2.0.0.3" store="WA200003233" storeType="OMEX"/>
+  </we:alternateReferences>
+  <we:properties>
+    <we:property name="pptInsertionSessionID" value="&quot;6DD939C0-F012-4CF8-A7F6-D2BE429394BF&quot;"/>
+    <we:property name="reportUrl" value="&quot;/groups/3a11be81-e317-4c86-b528-070631096d20/reports/ac2019e8-3f33-489c-aba4-84ef4be02a4d/ReportSection61b390522b50b4a29d1f?ctid=8e86cf5e-1252-41a5-a7b2-0fdbb91a3524&amp;pbi_source=shareVisual&amp;visual=36b2f885e9bf04de2833&amp;height=247.43&amp;width=430.12&amp;bookmarkGuid=643de23e-b38c-4a83-8253-798d56d6e49d&quot;"/>
+    <we:property name="artifactName" value="&quot;Store Analysis&quot;"/>
+    <we:property name="reportName" value="&quot;_dashboard-C9 - FINAL&quot;"/>
+    <we:property name="reportState" value="&quot;CONNECTED&quot;"/>
+    <we:property name="embedUrl" value="&quot;/reportEmbed?reportId=ac2019e8-3f33-489c-aba4-84ef4be02a4d&amp;groupId=3a11be81-e317-4c86-b528-070631096d20&amp;w=2&amp;config=eyJjbHVzdGVyVXJsIjoiaHR0cHM6Ly9XQUJJLUlORElBLUNFTlRSQUwtQS1QUklNQVJZLXJlZGlyZWN0LmFuYWx5c2lzLndpbmRvd3MubmV0IiwiZW1iZWRGZWF0dXJlcyI6eyJ1c2FnZU1ldHJpY3NWTmV4dCI6dHJ1ZSwiZGlzYWJsZUFuZ3VsYXJKU0Jvb3RzdHJhcFJlcG9ydEVtYmVkIjp0cnVlfX0%3D&amp;disableSensitivityBanner=true&amp;lrtl=true&quot;"/>
+    <we:property name="pageName" value="&quot;ReportSection61b390522b50b4a29d1f&quot;"/>
+    <we:property name="pageDisplayName" value="&quot;SQ-2&quot;"/>
+    <we:property name="datasetId" value="&quot;e61277eb-1f6b-467a-ad92-976335a2a406&quot;"/>
+    <we:property name="backgroundColor" value="&quot;#FFFFFF&quot;"/>
+    <we:property name="bookmark" value="&quot;H4sIAAAAAAAAA81W30/bMBD+V6o8VyhNCmv3VhhIiAFdy9jDhConuRSDY2e2U9qh/u+7sxNauvFrA7E82efLfZ8/n+98G2TclIItTlgBwcdgV6nrgunrVj9oB7K2nZ4eHQ9GR5OTwfE+mlVpuZIm+HgbWKanYM+5qZigCGj8ftEOmBBDNqVZzoSBdlCCNkoywX+Cd8YlqytYtgOYl0JpRiHHllmgsDN0xzlid7ZiRGSp5TMYQ2q9dQSl0rae73SSuB9uR1GyHSZdFvWzTo7/GL/qaD7tT6CO2J6SlnGJBMgWd3tZFPbTJOp86EKchmGvT3bD5VTUW1n9e7YoSS8Lc5uoOSmVXCEmRcKN1kKTe6EycrzkWQYyWC5xNd5JorzX24Z+kofdDKJeHJNrzoWtySSL/XmpUWHU3SOdqfIEYbwPuZw3wkXt4ECrwjnXR2uq5EcFeoE/UBww3vM2GDcLOP7SDB6LlFEIabld0IQXE2MVxkOrVyBctu98J+u+kwKYqTScsUTAmjumzBgESuVQ9pSoCsdsg6eqdAojyFcTR4bkG2qFOeZAHJkJR3u7IZFzEDhHmFOdgd5dOJxPXDcZ1dnU5NgTfS6JySaJQ5lqKABzSbTGSmStr5JjIuBRIwk8NoQM3bl7CaI1xZ5WF0N8uwRi59SSGbc1u8MN2czrCurIu7N78O+7LFvSd+Ev+Brms7j8afsPk2oHl+pmTwMWj6xOvvp+DLIZkymQovAXx/tA3m4wGeR4+VpoKFRrBDOQFbw/qfX8+y9J3bsU78xrF3JMptc4wsF0qmHKmuu4/yapn5ID2Q4qWdev+He2dPUebVMlnynbVOJ7nUq9apH8x9ygmuP7P3pfrTd1dfOC8vayklLXLSZN8yzxUFoJN/LgyExgtgi/5soeorn1FcrWXVh05wbJClYaOiN6AKEJnwBE7QgWb7cdQh5yKRtYsmilLIVqCJwzUdHmZCUEKbB0/WmVGEEB+NijgaqsKVkKQyZ9Dyo9Kgfn54TLCMqN3cPkM8ci6ZPQ4VBTpqehf/xgXvK6qzzyAxFv2gp+vwDG2d55uwoAAA==&quot;"/>
+    <we:property name="initialStateBookmark" value="&quot;H4sIAAAAAAAAA81W30/bMBD+V6o8VyhNCmv3VhhIiAFdy9jDhConuRSDY2e2U9qh/u+7sxNauvFrA7E82efLfZ8/n+98G2TclIItTlgBwcdgV6nrgunrVj9oB7K2nZ4eHQ9GR5OTwfE+mlVpuZIm+HgbWKanYM+5qZigCGj8ftEOmBBDNqVZzoSBdlCCNkoywX+Cd8YlqytYtgOYl0JpRiHHllmgsDN0xzlid7ZiRGSp5TMYQ2q9dQSl0rae73SSuB9uR1GyHSZdFvWzTo7/GL/qaD7tT6CO2J6SlnGJBMgWd3tZFPbTJOp86EKchmGvT3bD5VTUW1n9e7YoSS8Lc5uoOSmVXCEmRcKN1kKTe6EycrzkWQYyWC5xNd5JorzX24Z+kofdDKJeHJNrzoWtySSL/XmpUWHU3SOdqfIEYbwPuZw3wkXt4ECrwjnXR2uq5EcFeoE/UBww3vM2GDcLOP7SDB6LlFEIabld0IQXE2MVxkOrVyBctu98J+u+kwKYqTScsUTAmjumzBgESuVQ9pSoCsdsg6eqdAojyFcTR4bkG2qFOeZAHJkJR3u7IZFzEDhHmFOdgd5dOJxPXDcZ1dnU5NgTfS6JySaJQ5lqKABzSbTGSmStr5JjIuBRIwk8NoQM3bl7CaI1xZ5WF0N8uwRi59SSGbc1u8MN2czrCurIu7N78O+7LFvSd+Ev+Brms7j8afsPk2oHl+pmTwMWj6xOvvp+DLIZkymQovAXx/tA3m4wGeR4+VpoKFRrBDOQFbw/qfX8+y9J3bsU78xrF3JMptc4wsF0qmHKmuu4/yapn5ID2Q4qWdev+He2dPUebVMlnynbVOJ7nUq9apH8x9ygmuP7P3pfrTd1dfOC8vayklLXLSZN8yzxUFoJN/LgyExgtgi/5soeorn1FcrWXVh05wbJClYaOiN6AKEJnwBE7QgWb7cdQh5yKRtYsmilLIVqCJwzUdHmZCUEKbB0/WmVGEEB+NijgaqsKVkKQyZ9Dyo9Kgfn54TLCMqN3cPkM8ci6ZPQ4VBTpqehf/xgXvK6qzzyAxFv2gp+vwDG2d55uwoAAA==&quot;"/>
+    <we:property name="isFooterCollapsed" value="false"/>
+    <we:property name="isFiltersActionButtonVisible" value="false"/>
+    <we:property name="isVisualContainerHeaderHidden" value="false"/>
+    <we:property name="reportEmbeddedTime" value="&quot;2024-03-05T16:25:30.788Z&quot;"/>
+    <we:property name="creatorTenantId" value="&quot;8e86cf5e-1252-41a5-a7b2-0fdbb91a3524&quot;"/>
+    <we:property name="creatorUserId" value="&quot;10032002FA1086AF&quot;"/>
+    <we:property name="creatorSessionId" value="&quot;242962eb-9776-4b7c-9ba7-fc3ac0c9b4e0&quot;"/>
+  </we:properties>
+  <we:bindings/>
+  <we:snapshot xmlns:r="http://schemas.openxmlformats.org/officeDocument/2006/relationships" r:embed="rId1"/>
+</we:webextension>
+</file>
+
+<file path=ppt/webextensions/webextension16.xml><?xml version="1.0" encoding="utf-8"?>
+<we:webextension xmlns:we="http://schemas.microsoft.com/office/webextensions/webextension/2010/11" id="{8EB6A681-CBFE-47C3-A8F4-B5619DA14800}">
+  <we:reference id="wa200003233" version="2.0.0.3" store="en-US" storeType="OMEX"/>
+  <we:alternateReferences>
+    <we:reference id="WA200003233" version="2.0.0.3" store="WA200003233" storeType="OMEX"/>
+  </we:alternateReferences>
+  <we:properties>
+    <we:property name="pptInsertionSessionID" value="&quot;6DD939C0-F012-4CF8-A7F6-D2BE429394BF&quot;"/>
+    <we:property name="reportUrl" value="&quot;/groups/3a11be81-e317-4c86-b528-070631096d20/reports/ac2019e8-3f33-489c-aba4-84ef4be02a4d/ReportSection1c238f3f557784ad2207?ctid=8e86cf5e-1252-41a5-a7b2-0fdbb91a3524&amp;pbi_source=shareVisual&amp;visual=752fbd6d4e114c0bceac&amp;height=505.33&amp;width=571.66&amp;bookmarkGuid=3c8eb308-4eb4-482b-b3d2-f5da626b6bc0&quot;"/>
+    <we:property name="artifactName" value="&quot;Store Analysis&quot;"/>
+    <we:property name="reportName" value="&quot;_dashboard-C9 - FINAL&quot;"/>
+    <we:property name="reportState" value="&quot;CONNECTED&quot;"/>
+    <we:property name="embedUrl" value="&quot;/reportEmbed?reportId=ac2019e8-3f33-489c-aba4-84ef4be02a4d&amp;groupId=3a11be81-e317-4c86-b528-070631096d20&amp;w=2&amp;config=eyJjbHVzdGVyVXJsIjoiaHR0cHM6Ly9XQUJJLUlORElBLUNFTlRSQUwtQS1QUklNQVJZLXJlZGlyZWN0LmFuYWx5c2lzLndpbmRvd3MubmV0IiwiZW1iZWRGZWF0dXJlcyI6eyJ1c2FnZU1ldHJpY3NWTmV4dCI6dHJ1ZSwiZGlzYWJsZUFuZ3VsYXJKU0Jvb3RzdHJhcFJlcG9ydEVtYmVkIjp0cnVlfX0%3D&amp;disableSensitivityBanner=true&amp;lrtl=true&quot;"/>
+    <we:property name="pageName" value="&quot;ReportSection1c238f3f557784ad2207&quot;"/>
+    <we:property name="pageDisplayName" value="&quot;SQ-3&quot;"/>
+    <we:property name="datasetId" value="&quot;e61277eb-1f6b-467a-ad92-976335a2a406&quot;"/>
+    <we:property name="backgroundColor" value="&quot;#FFFFFF&quot;"/>
+    <we:property name="bookmark" value="&quot;H4sIAAAAAAAAA81WTW8aMRD9K8hnFPEZaG6EUrVKkyBIc6kQ8q5nN0689tb2Eijiv3fGXkLKIe2hKD1hv3nr9zwezbBlQrpS8c0NL4BdsEtjngpunxofWJPpGru9vboeza6WN6PrCcKm9NJoxy62zHObg7+XruKKTkDw+6LJuFJTntMu48pBk5VgndFcyZ8QyRjytoJdk8G6VMZyOnLuuQc6doV03KN2+6yLijz1cgVzSH1EZ1Aa6+t9O+10h1k36/cHg2GPi06nNcBvXIwGm3/mk2gwNjbac6nRAGHdRIAYtPq8NRTnWTsbnA8D10mdq/oqh2/vNiXly8PaJ2ZNmUoeUZNOwovWiSZ6YQQRH6QQoNluh9FBv5Ml4lz0oN3upa0kBZ4SNZPK12aSzWRdWsww5j0qjTFfubEyRRchkxZcTNyWjY2qirCa/IbPTWVTmEEWQtpLj5bQXLF03iCPkZupNfhkIRLQpRQBfzDPYwuoKthFa9d8MTISK65TRI9dXAN3lYW/tbEsIv+OJwqOnYwyzEQDgcI0ZrACXcH7m/qiUwsFYNGo/9PU3CjR+Kald+/v6xIyLKZ/8YSjPLeQc19vJycp/ZQIhH2qdN16uu/t9rPMH8BhL1MKexCaFVXqj43XpEbNarymvXmXBSJv9rZSroyPb3vU3owVYC83oT19lHbfqzvNo2udviPsFvuJgZHH12PAPLvg7wS9cRFHGdduP8iilDUqrKI4OlPoU8XYjwrsBtVC/KBy9nIs0qVDs4qXjh6IRiZCODTI2hVsTncdUp5KrfeyhFhjPB21N3DPVUWX05VSlIFdmGSHqmAF4N8DWpjKu5KnMOUaguUyqkoIvJA4QVJhben3q8S3jRUYdNBf+DMRxyUWpaSCePsDMs6CrWDuF0ZZVGjtCAAA&quot;"/>
+    <we:property name="initialStateBookmark" value="&quot;H4sIAAAAAAAAA81WTW8aMRD9K8hnFPEZaG6EUrVKkyBIc6kQ8q5nN0689tb2Eijiv3fGXkLKIe2hKD1hv3nr9zwezbBlQrpS8c0NL4BdsEtjngpunxofWJPpGru9vboeza6WN6PrCcKm9NJoxy62zHObg7+XruKKTkDw+6LJuFJTntMu48pBk5VgndFcyZ8QyRjytoJdk8G6VMZyOnLuuQc6doV03KN2+6yLijz1cgVzSH1EZ1Aa6+t9O+10h1k36/cHg2GPi06nNcBvXIwGm3/mk2gwNjbac6nRAGHdRIAYtPq8NRTnWTsbnA8D10mdq/oqh2/vNiXly8PaJ2ZNmUoeUZNOwovWiSZ6YQQRH6QQoNluh9FBv5Ml4lz0oN3upa0kBZ4SNZPK12aSzWRdWsww5j0qjTFfubEyRRchkxZcTNyWjY2qirCa/IbPTWVTmEEWQtpLj5bQXLF03iCPkZupNfhkIRLQpRQBfzDPYwuoKthFa9d8MTISK65TRI9dXAN3lYW/tbEsIv+OJwqOnYwyzEQDgcI0ZrACXcH7m/qiUwsFYNGo/9PU3CjR+Kald+/v6xIyLKZ/8YSjPLeQc19vJycp/ZQIhH2qdN16uu/t9rPMH8BhL1MKexCaFVXqj43XpEbNarymvXmXBSJv9rZSroyPb3vU3owVYC83oT19lHbfqzvNo2udviPsFvuJgZHH12PAPLvg7wS9cRFHGdduP8iilDUqrKI4OlPoU8XYjwrsBtVC/KBy9nIs0qVDs4qXjh6IRiZCODTI2hVsTncdUp5KrfeyhFhjPB21N3DPVUWX05VSlIFdmGSHqmAF4N8DWpjKu5KnMOUaguUyqkoIvJA4QVJhben3q8S3jRUYdNBf+DMRxyUWpaSCePsDMs6CrWDuF0ZZVGjtCAAA&quot;"/>
+    <we:property name="isFiltersActionButtonVisible" value="false"/>
+    <we:property name="isVisualContainerHeaderHidden" value="false"/>
+    <we:property name="reportEmbeddedTime" value="&quot;2024-03-05T16:28:24.537Z&quot;"/>
+    <we:property name="creatorTenantId" value="&quot;8e86cf5e-1252-41a5-a7b2-0fdbb91a3524&quot;"/>
+    <we:property name="creatorUserId" value="&quot;10032002FA1086AF&quot;"/>
+    <we:property name="creatorSessionId" value="&quot;f04202bf-a821-49c6-ad35-82da72670b18&quot;"/>
+  </we:properties>
+  <we:bindings/>
+  <we:snapshot xmlns:r="http://schemas.openxmlformats.org/officeDocument/2006/relationships" r:embed="rId1"/>
+</we:webextension>
+</file>
+
+<file path=ppt/webextensions/webextension2.xml><?xml version="1.0" encoding="utf-8"?>
 <we:webextension xmlns:we="http://schemas.microsoft.com/office/webextensions/webextension/2010/11" id="{C958C5BE-38F2-4126-85A7-67837C8AF73F}">
   <we:reference id="wa200003233" version="2.0.0.3" store="en-US" storeType="OMEX"/>
   <we:alternateReferences>
@@ -20122,198 +20616,7 @@
 </we:webextension>
 </file>
 
-<file path=ppt/webextensions/webextension10.xml><?xml version="1.0" encoding="utf-8"?>
-<we:webextension xmlns:we="http://schemas.microsoft.com/office/webextensions/webextension/2010/11" id="{4F77AC38-D9C6-41D6-8256-D2445E21378D}">
-  <we:reference id="wa200003233" version="2.0.0.3" store="en-US" storeType="OMEX"/>
-  <we:alternateReferences>
-    <we:reference id="WA200003233" version="2.0.0.3" store="WA200003233" storeType="OMEX"/>
-  </we:alternateReferences>
-  <we:properties>
-    <we:property name="pptInsertionSessionID" value="&quot;6DD939C0-F012-4CF8-A7F6-D2BE429394BF&quot;"/>
-    <we:property name="reportUrl" value="&quot;/groups/3a11be81-e317-4c86-b528-070631096d20/reports/ac2019e8-3f33-489c-aba4-84ef4be02a4d/ReportSectionc51bf04608fdbe4e3a4e?ctid=8e86cf5e-1252-41a5-a7b2-0fdbb91a3524&amp;pbi_source=shareVisual&amp;visual=bba61f6b05340bca3907&amp;height=149.55&amp;width=628.34&amp;bookmarkGuid=73b5ea3e-51b1-4306-8224-8672faee8a8a&quot;"/>
-    <we:property name="artifactName" value="&quot;Product Analysis&quot;"/>
-    <we:property name="reportName" value="&quot;_dashboard-C9 - FINAL&quot;"/>
-    <we:property name="reportState" value="&quot;CONNECTED&quot;"/>
-    <we:property name="embedUrl" value="&quot;/reportEmbed?reportId=ac2019e8-3f33-489c-aba4-84ef4be02a4d&amp;groupId=3a11be81-e317-4c86-b528-070631096d20&amp;w=2&amp;config=eyJjbHVzdGVyVXJsIjoiaHR0cHM6Ly9XQUJJLUlORElBLUNFTlRSQUwtQS1QUklNQVJZLXJlZGlyZWN0LmFuYWx5c2lzLndpbmRvd3MubmV0IiwiZW1iZWRGZWF0dXJlcyI6eyJ1c2FnZU1ldHJpY3NWTmV4dCI6dHJ1ZSwiZGlzYWJsZUFuZ3VsYXJKU0Jvb3RzdHJhcFJlcG9ydEVtYmVkIjp0cnVlfX0%3D&amp;disableSensitivityBanner=true&amp;lrtl=true&quot;"/>
-    <we:property name="pageName" value="&quot;ReportSectionc51bf04608fdbe4e3a4e&quot;"/>
-    <we:property name="pageDisplayName" value="&quot;PQ-2&quot;"/>
-    <we:property name="datasetId" value="&quot;e61277eb-1f6b-467a-ad92-976335a2a406&quot;"/>
-    <we:property name="backgroundColor" value="&quot;#FFFFFF&quot;"/>
-    <we:property name="bookmark" value="&quot;H4sIAAAAAAAAA+1YbU/bMBD+K5U/V6ht0hf4VhiTEONllLEPE6qc5FIMjp05TqFD/e+7sxMoHXSMsbFJzSe/nO8eP3e+O+WWJaLIJZ8d8gzYFtvW+irj5qqxyZpMVWtHR/sHw5P98eHwYBeXdW6FVgXbumWWmwnYM1GUXJIGXPxy3mRcymM+oVnKZQFNloMptOJSfAMvjFvWlDBvMrjJpTacVI4st0BqpyiOc7Td3gjQIo+tmMIIYutXTyDXxlbzuNuO0lbYaw3SJIIQAh4Cnin8roP5c3ky6oDtaGW5UAiA1uLOZghh1A9a7W4rGQRpH3q0Xgg1kdVV7s+eznLiy8KNjfQNMRVdok3ShBetiCbxTCckeCGSBBSbz3E3inivnfaiVjcIW1HMg81Wn0RTIW0FJprt3uQGGUbevaVTnR+iGS9DImc1cZ0me2905oQr1xZl9LUEM8MDpAcKL3nLRvUGjj/Wg1WaElKhrLAzmohsnBudlHTRJvMctObNO+nxovQ4A16UBk55JGFBHINmBBLJcnZ2tCwzh20JqS5NDCeQ3k8cHCLw2GiMMmekgjN28YtbFZBUgERZNHVkEjDbM2frnTB1XHWWmTnwYJ8LZLwMZE/FBjLAiJKNE5iCKoG8jQjQc2yr6zzvKegsMPYcflHH5wsgbI4vlQhbYdtbIq54fUrdDZwHn9RwF21z+s79Q1+w+yw8j5OwGlqTXejrHQOYSpIqEKvXMkymXMVA7MIL3PxEDC+hGab4FBu4kOkFl78xqMfj8B8CNdIyaXxSovLum+LahlQbeA0XDicTAxNeP8zdP/QAYoQ00e6pYa4uVZXNwh8x0zNcWbpyMdW2zs0Pqpd+1ZT5O2+Jko9vCHDncrHK6+tfyHUvyS1VGuOqqLsVb9Bo6UYeAuKTiFb6PZcF0abbX7S18UA5HhIFApc8L8hZ1B3R0rFQqp7TzY3WluAL7BzoAmdclmRblVISQGolOkkvCMNgALw96He7A9iM1q3E320l2utWYt1KrFuJdSuxbiXWrcT/2Uqs/mPh6s29W1kGZuJcpUtb5DyGY658Rck9BwKcnLtzQjDc2LUaHwQ6x4eQw0AFlv4b+T8jGFWiqg8rDtCl6gKB33f1rcfm2BIAAA==&quot;"/>
-    <we:property name="initialStateBookmark" value="&quot;H4sIAAAAAAAAA+1YbU/bMBD+K5U/V6ht0hf4VhiTEONllLEPE6qc5FIMjp05TqFD/e+7sxMoHXSMsbFJzSe/nO8eP3e+O+WWJaLIJZ8d8gzYFtvW+irj5qqxyZpMVWtHR/sHw5P98eHwYBeXdW6FVgXbumWWmwnYM1GUXJIGXPxy3mRcymM+oVnKZQFNloMptOJSfAMvjFvWlDBvMrjJpTacVI4st0BqpyiOc7Td3gjQIo+tmMIIYutXTyDXxlbzuNuO0lbYaw3SJIIQAh4Cnin8roP5c3ky6oDtaGW5UAiA1uLOZghh1A9a7W4rGQRpH3q0Xgg1kdVV7s+eznLiy8KNjfQNMRVdok3ShBetiCbxTCckeCGSBBSbz3E3inivnfaiVjcIW1HMg81Wn0RTIW0FJprt3uQGGUbevaVTnR+iGS9DImc1cZ0me2905oQr1xZl9LUEM8MDpAcKL3nLRvUGjj/Wg1WaElKhrLAzmohsnBudlHTRJvMctObNO+nxovQ4A16UBk55JGFBHINmBBLJcnZ2tCwzh20JqS5NDCeQ3k8cHCLw2GiMMmekgjN28YtbFZBUgERZNHVkEjDbM2frnTB1XHWWmTnwYJ8LZLwMZE/FBjLAiJKNE5iCKoG8jQjQc2yr6zzvKegsMPYcflHH5wsgbI4vlQhbYdtbIq54fUrdDZwHn9RwF21z+s79Q1+w+yw8j5OwGlqTXejrHQOYSpIqEKvXMkymXMVA7MIL3PxEDC+hGab4FBu4kOkFl78xqMfj8B8CNdIyaXxSovLum+LahlQbeA0XDicTAxNeP8zdP/QAYoQ00e6pYa4uVZXNwh8x0zNcWbpyMdW2zs0Pqpd+1ZT5O2+Jko9vCHDncrHK6+tfyHUvyS1VGuOqqLsVb9Bo6UYeAuKTiFb6PZcF0abbX7S18UA5HhIFApc8L8hZ1B3R0rFQqp7TzY3WluAL7BzoAmdclmRblVISQGolOkkvCMNgALw96He7A9iM1q3E320l2utWYt1KrFuJdSuxbiXWrcT/2Uqs/mPh6s29W1kGZuJcpUtb5DyGY658Rck9BwKcnLtzQjDc2LUaHwQ6x4eQw0AFlv4b+T8jGFWiqg8rDtCl6gKB33f1rcfm2BIAAA==&quot;"/>
-    <we:property name="isFooterCollapsed" value="true"/>
-    <we:property name="isFiltersActionButtonVisible" value="false"/>
-    <we:property name="isVisualContainerHeaderHidden" value="false"/>
-    <we:property name="reportEmbeddedTime" value="&quot;2024-03-05T16:12:09.513Z&quot;"/>
-    <we:property name="creatorTenantId" value="&quot;8e86cf5e-1252-41a5-a7b2-0fdbb91a3524&quot;"/>
-    <we:property name="creatorUserId" value="&quot;10032002FA1086AF&quot;"/>
-    <we:property name="creatorSessionId" value="&quot;43edf741-47d7-44df-b579-5063e40ff214&quot;"/>
-  </we:properties>
-  <we:bindings/>
-  <we:snapshot xmlns:r="http://schemas.openxmlformats.org/officeDocument/2006/relationships" r:embed="rId1"/>
-</we:webextension>
-</file>
-
-<file path=ppt/webextensions/webextension11.xml><?xml version="1.0" encoding="utf-8"?>
-<we:webextension xmlns:we="http://schemas.microsoft.com/office/webextensions/webextension/2010/11" id="{5D1E674A-38A7-403A-8A69-196317157781}">
-  <we:reference id="wa200003233" version="2.0.0.3" store="en-US" storeType="OMEX"/>
-  <we:alternateReferences>
-    <we:reference id="WA200003233" version="2.0.0.3" store="WA200003233" storeType="OMEX"/>
-  </we:alternateReferences>
-  <we:properties>
-    <we:property name="pptInsertionSessionID" value="&quot;6DD939C0-F012-4CF8-A7F6-D2BE429394BF&quot;"/>
-    <we:property name="reportUrl" value="&quot;/groups/3a11be81-e317-4c86-b528-070631096d20/reports/ac2019e8-3f33-489c-aba4-84ef4be02a4d/ReportSectionc51bf04608fdbe4e3a4e?ctid=8e86cf5e-1252-41a5-a7b2-0fdbb91a3524&amp;pbi_source=shareVisual&amp;visual=b2d634438ea187558e9b&amp;height=149.61&amp;width=627.20&amp;bookmarkGuid=bebe3a86-d9d7-4423-a86a-66d1fc6571a5&quot;"/>
-    <we:property name="artifactName" value="&quot;Product Analysis&quot;"/>
-    <we:property name="reportName" value="&quot;_dashboard-C9 - FINAL&quot;"/>
-    <we:property name="reportState" value="&quot;CONNECTED&quot;"/>
-    <we:property name="embedUrl" value="&quot;/reportEmbed?reportId=ac2019e8-3f33-489c-aba4-84ef4be02a4d&amp;groupId=3a11be81-e317-4c86-b528-070631096d20&amp;w=2&amp;config=eyJjbHVzdGVyVXJsIjoiaHR0cHM6Ly9XQUJJLUlORElBLUNFTlRSQUwtQS1QUklNQVJZLXJlZGlyZWN0LmFuYWx5c2lzLndpbmRvd3MubmV0IiwiZW1iZWRGZWF0dXJlcyI6eyJ1c2FnZU1ldHJpY3NWTmV4dCI6dHJ1ZSwiZGlzYWJsZUFuZ3VsYXJKU0Jvb3RzdHJhcFJlcG9ydEVtYmVkIjp0cnVlfX0%3D&amp;disableSensitivityBanner=true&amp;lrtl=true&quot;"/>
-    <we:property name="pageName" value="&quot;ReportSectionc51bf04608fdbe4e3a4e&quot;"/>
-    <we:property name="pageDisplayName" value="&quot;PQ-2&quot;"/>
-    <we:property name="datasetId" value="&quot;e61277eb-1f6b-467a-ad92-976335a2a406&quot;"/>
-    <we:property name="backgroundColor" value="&quot;#FFFFFF&quot;"/>
-    <we:property name="bookmark" value="&quot;H4sIAAAAAAAAA+1Y30/bMBD+V5CfK9QfaWl5K4xJiAEdZexhQpWTXIrBsTPH6ehQ//fd2QmEDgpjbGxS+xTb5/s+f3c+n3rDYpFnks+PeApsm+1ofZVyc7UxYA2myrnj44PD4cnB5Gh4uIfTOrNCq5xt3zDLzRTsmcgLLskDTn45bzAu5YhPaZRwmUODZWByrbgU38Eb45I1BSwaDK4zqQ0nl2PLLZDbGZrjGLFbmx1E5JEVMxhDZP3sCWTa2HIcdVth0gx6zX4ShxBAhweAe3K/6mg+bU+gjtiuVpYLhQRoLmoPAgjCrU6z1W3G/U6yBT2az4WayvIod3tP5xnpZeHahvqalAovEZM84UFLock81TEZXog4BsUWC1wNQ95rJb2w2e0EzTDinUFzi0wTIW1JJpzvXWcGFUbdPdKpzo4QxtuQyVklXLvB3hudOuMytHkRfi3AzHED+YHcW96wcbWA3x+rj1WeYnKhrLBzGoh0khkdF3TQBvMaNBeNW+tJ3XqSAs8LA6c8lFAzx6QZg0SxHM6ulkXquC0x1YWJ4ASSu4GjQwKOjMYscyAlnYnLX1wqiSQCJNoi1LGJwezMHdY7Yaq8ai8rc+jJPpfIZJnIvooMpIAZJTdOYAaqAIo2MsDIse2ui7yXoF1T7Dn6oo/PF0DcnF4qFrbktr8kXP76kroTuAg+6uE22xb0O/cXvYb7LD4Pi7CaWoNd6G+7BrCUxGUilrdlGM+4ioDUhReE+ZEcXmIzTPAqbuBEqmshf2NSD+fhP0RqrGW88UmJMrpvymsHEm3gNUI4nE4NTHl1Mff+0AWIkNJUu6uGtbpQZTULfuZM13Dl05WJmbZVbb73eulXLZm/c5eo+PiGAFcu66+8/vYLte4ltaUsY1zlVbfiAY2W7stTQH4S2Uq/5qogYrr1OtbmPee4SeRIXPIsp2BRd0RTI6FUNaaTG60t0RfYOdABzrgsCFsVUjppnmgz2nGvEwSdPvBWf6vb7cMgXLcZf7fNaK3bjHWbsW4z1m3Gus1Ytxn/Z5vhqm09dCwFM3Xh0IXNMx7BiCv/amT+nAKcnTtXTFDu27UTHwQGwKeJw6FHlP438i0LZo4o34AVG4h49Qjg7wdAaWjj2BIAAA==&quot;"/>
-    <we:property name="initialStateBookmark" value="&quot;H4sIAAAAAAAAA+1Y30/bMBD+V5CfK9QfaWl5K4xJiAEdZexhQpWTXIrBsTPH6ehQ//fd2QmEDgpjbGxS+xTb5/s+f3c+n3rDYpFnks+PeApsm+1ofZVyc7UxYA2myrnj44PD4cnB5Gh4uIfTOrNCq5xt3zDLzRTsmcgLLskDTn45bzAu5YhPaZRwmUODZWByrbgU38Eb45I1BSwaDK4zqQ0nl2PLLZDbGZrjGLFbmx1E5JEVMxhDZP3sCWTa2HIcdVth0gx6zX4ShxBAhweAe3K/6mg+bU+gjtiuVpYLhQRoLmoPAgjCrU6z1W3G/U6yBT2az4WayvIod3tP5xnpZeHahvqalAovEZM84UFLock81TEZXog4BsUWC1wNQ95rJb2w2e0EzTDinUFzi0wTIW1JJpzvXWcGFUbdPdKpzo4QxtuQyVklXLvB3hudOuMytHkRfi3AzHED+YHcW96wcbWA3x+rj1WeYnKhrLBzGoh0khkdF3TQBvMaNBeNW+tJ3XqSAs8LA6c8lFAzx6QZg0SxHM6ulkXquC0x1YWJ4ASSu4GjQwKOjMYscyAlnYnLX1wqiSQCJNoi1LGJwezMHdY7Yaq8ai8rc+jJPpfIZJnIvooMpIAZJTdOYAaqAIo2MsDIse2ui7yXoF1T7Dn6oo/PF0DcnF4qFrbktr8kXP76kroTuAg+6uE22xb0O/cXvYb7LD4Pi7CaWoNd6G+7BrCUxGUilrdlGM+4ioDUhReE+ZEcXmIzTPAqbuBEqmshf2NSD+fhP0RqrGW88UmJMrpvymsHEm3gNUI4nE4NTHl1Mff+0AWIkNJUu6uGtbpQZTULfuZM13Dl05WJmbZVbb73eulXLZm/c5eo+PiGAFcu66+8/vYLte4ltaUsY1zlVbfiAY2W7stTQH4S2Uq/5qogYrr1OtbmPee4SeRIXPIsp2BRd0RTI6FUNaaTG60t0RfYOdABzrgsCFsVUjppnmgz2nGvEwSdPvBWf6vb7cMgXLcZf7fNaK3bjHWbsW4z1m3Gus1Ytxn/Z5vhqm09dCwFM3Xh0IXNMx7BiCv/amT+nAKcnTtXTFDu27UTHwQGwKeJw6FHlP438i0LZo4o34AVG4h49Qjg7wdAaWjj2BIAAA==&quot;"/>
-    <we:property name="isFooterCollapsed" value="true"/>
-    <we:property name="isFiltersActionButtonVisible" value="false"/>
-    <we:property name="isVisualContainerHeaderHidden" value="false"/>
-    <we:property name="reportEmbeddedTime" value="&quot;2024-03-05T16:13:04.704Z&quot;"/>
-    <we:property name="creatorTenantId" value="&quot;8e86cf5e-1252-41a5-a7b2-0fdbb91a3524&quot;"/>
-    <we:property name="creatorUserId" value="&quot;10032002FA1086AF&quot;"/>
-    <we:property name="creatorSessionId" value="&quot;14e4d401-3ec9-4efd-8ffb-be12bec9921c&quot;"/>
-  </we:properties>
-  <we:bindings/>
-  <we:snapshot xmlns:r="http://schemas.openxmlformats.org/officeDocument/2006/relationships" r:embed="rId1"/>
-</we:webextension>
-</file>
-
-<file path=ppt/webextensions/webextension12.xml><?xml version="1.0" encoding="utf-8"?>
-<we:webextension xmlns:we="http://schemas.microsoft.com/office/webextensions/webextension/2010/11" id="{52AECA85-0496-44F8-A11E-A6248CAA8A62}">
-  <we:reference id="wa200003233" version="2.0.0.3" store="en-US" storeType="OMEX"/>
-  <we:alternateReferences>
-    <we:reference id="WA200003233" version="2.0.0.3" store="WA200003233" storeType="OMEX"/>
-  </we:alternateReferences>
-  <we:properties>
-    <we:property name="pptInsertionSessionID" value="&quot;6DD939C0-F012-4CF8-A7F6-D2BE429394BF&quot;"/>
-    <we:property name="reportUrl" value="&quot;/groups/3a11be81-e317-4c86-b528-070631096d20/reports/ac2019e8-3f33-489c-aba4-84ef4be02a4d/ReportSection533d81bc814eaffd8e86?ctid=8e86cf5e-1252-41a5-a7b2-0fdbb91a3524&amp;pbi_source=shareVisual&amp;visual=799c54665bcd6b8fbff4&amp;height=325.63&amp;width=285.83&amp;bookmarkGuid=4af48dc4-1754-4946-8f83-d4994795beda&quot;"/>
-    <we:property name="artifactName" value="&quot;IR% &amp; ISU% across Promo Types&quot;"/>
-    <we:property name="reportName" value="&quot;_dashboard-C9 - FINAL&quot;"/>
-    <we:property name="reportState" value="&quot;CONNECTED&quot;"/>
-    <we:property name="embedUrl" value="&quot;/reportEmbed?reportId=ac2019e8-3f33-489c-aba4-84ef4be02a4d&amp;groupId=3a11be81-e317-4c86-b528-070631096d20&amp;w=2&amp;config=eyJjbHVzdGVyVXJsIjoiaHR0cHM6Ly9XQUJJLUlORElBLUNFTlRSQUwtQS1QUklNQVJZLXJlZGlyZWN0LmFuYWx5c2lzLndpbmRvd3MubmV0IiwiZW1iZWRGZWF0dXJlcyI6eyJ1c2FnZU1ldHJpY3NWTmV4dCI6dHJ1ZSwiZGlzYWJsZUFuZ3VsYXJKU0Jvb3RzdHJhcFJlcG9ydEVtYmVkIjp0cnVlfX0%3D&amp;disableSensitivityBanner=true&amp;lrtl=true&quot;"/>
-    <we:property name="pageName" value="&quot;ReportSection533d81bc814eaffd8e86&quot;"/>
-    <we:property name="pageDisplayName" value="&quot;PQ-3&quot;"/>
-    <we:property name="datasetId" value="&quot;e61277eb-1f6b-467a-ad92-976335a2a406&quot;"/>
-    <we:property name="backgroundColor" value="&quot;#FFFFFF&quot;"/>
-    <we:property name="bookmark" value="&quot;H4sIAAAAAAAAA82VTW8aMRCG/0rkM0KhLAS4JZRDlSZBkOZSIeS1Z4kTr721vQSK+O+ZsaEhREp7QeoJ73x4nnl3dtgwqXyl+fqWl8AG7Mra55K757M+azCzs93dXd9cTq7nt5c3IzTbKihrPBtsWOBuAeFB+ZprugGNP2cNxrUe8wU9FVx7aLAKnLeGa/UbUjC6gqth22CwqrR1nK6cBh6Arl1iOD5j7VazjRW5CGoJUxAhWSdQWRd2z512W/Zauei1MuBFIXvQ62KOT96I+fd4KhrBhtYErgwCkE1c9LM8L9q5aBVZJ+Nded4nu1dmoXetvOXeryvSK8Aq5HZFSuVPWJNuwkZ3QlN4aSUFPiopwbDtFr0X/b7oZN1uJxeym/eKvCgyCi2UDjuYfD1aVQ4VRt1TpSHqtbBOCaSISjrwSbgNG1pdl/E0emef2toJmEARXSaogEgIV84rZ2VNuMQzdhZfWvSJVGUd7Y/2ZegALZINzreNE6AU+LbnsATzkQQJSzuPFT9juZRLbgRaj0FugPvawb+SzMsUf89zDccs34xwUCIl12cTwq3/M6ip1fLsh1E7Gd9zzdDy6RBXamlDqnE0x9ZJcFfrOIdfldt/lF8aR/inF3s7268GDH06/N7ti498p/kITjXRs7QOufH7ZZi6cFbHU+oLm9Z4mU6+XzW4NRaM/sMGmn+IMUH5sTKGXn3aukd5B4DNA6KYiK1qXvl97oe7MMhZG6hhhduMWn7guiZgU2tNXW3jhnsbIlYC/m3QwdbBV1zAmBuI7VRJGgUxLoohqVQ8O/r9rnAfpoGNdaK++CeT1ijOsKL5+TyBwFnEinCvpg1mTQUHAAA=&quot;"/>
-    <we:property name="initialStateBookmark" value="&quot;H4sIAAAAAAAAA82VTW8aMRCG/0rkM0KhLAS4JZRDlSZBkOZSIeS1Z4kTr721vQSK+O+ZsaEhREp7QeoJ73x4nnl3dtgwqXyl+fqWl8AG7Mra55K757M+azCzs93dXd9cTq7nt5c3IzTbKihrPBtsWOBuAeFB+ZprugGNP2cNxrUe8wU9FVx7aLAKnLeGa/UbUjC6gqth22CwqrR1nK6cBh6Arl1iOD5j7VazjRW5CGoJUxAhWSdQWRd2z512W/Zauei1MuBFIXvQ62KOT96I+fd4KhrBhtYErgwCkE1c9LM8L9q5aBVZJ+Nded4nu1dmoXetvOXeryvSK8Aq5HZFSuVPWJNuwkZ3QlN4aSUFPiopwbDtFr0X/b7oZN1uJxeym/eKvCgyCi2UDjuYfD1aVQ4VRt1TpSHqtbBOCaSISjrwSbgNG1pdl/E0emef2toJmEARXSaogEgIV84rZ2VNuMQzdhZfWvSJVGUd7Y/2ZegALZINzreNE6AU+LbnsATzkQQJSzuPFT9juZRLbgRaj0FugPvawb+SzMsUf89zDccs34xwUCIl12cTwq3/M6ip1fLsh1E7Gd9zzdDy6RBXamlDqnE0x9ZJcFfrOIdfldt/lF8aR/inF3s7268GDH06/N7ti498p/kITjXRs7QOufH7ZZi6cFbHU+oLm9Z4mU6+XzW4NRaM/sMGmn+IMUH5sTKGXn3aukd5B4DNA6KYiK1qXvl97oe7MMhZG6hhhduMWn7guiZgU2tNXW3jhnsbIlYC/m3QwdbBV1zAmBuI7VRJGgUxLoohqVQ8O/r9rnAfpoGNdaK++CeT1ijOsKL5+TyBwFnEinCvpg1mTQUHAAA=&quot;"/>
-    <we:property name="isFooterCollapsed" value="true"/>
-    <we:property name="isFiltersActionButtonVisible" value="false"/>
-    <we:property name="isVisualContainerHeaderHidden" value="false"/>
-    <we:property name="reportEmbeddedTime" value="&quot;2024-03-05T16:18:23.885Z&quot;"/>
-    <we:property name="creatorTenantId" value="&quot;8e86cf5e-1252-41a5-a7b2-0fdbb91a3524&quot;"/>
-    <we:property name="creatorUserId" value="&quot;10032002FA1086AF&quot;"/>
-    <we:property name="creatorSessionId" value="&quot;daa9f0b3-4c4b-410d-a75b-ddf7f94f7e1b&quot;"/>
-  </we:properties>
-  <we:bindings/>
-  <we:snapshot xmlns:r="http://schemas.openxmlformats.org/officeDocument/2006/relationships" r:embed="rId1"/>
-</we:webextension>
-</file>
-
-<file path=ppt/webextensions/webextension13.xml><?xml version="1.0" encoding="utf-8"?>
-<we:webextension xmlns:we="http://schemas.microsoft.com/office/webextensions/webextension/2010/11" id="{B0A35FEA-E119-4A83-BF94-D70FA4BC52FF}">
-  <we:reference id="wa200003233" version="2.0.0.3" store="en-US" storeType="OMEX"/>
-  <we:alternateReferences>
-    <we:reference id="WA200003233" version="2.0.0.3" store="WA200003233" storeType="OMEX"/>
-  </we:alternateReferences>
-  <we:properties>
-    <we:property name="pptInsertionSessionID" value="&quot;6DD939C0-F012-4CF8-A7F6-D2BE429394BF&quot;"/>
-    <we:property name="reportUrl" value="&quot;/groups/3a11be81-e317-4c86-b528-070631096d20/reports/ac2019e8-3f33-489c-aba4-84ef4be02a4d/ReportSection9add75b97d20a4577b9b?ctid=8e86cf5e-1252-41a5-a7b2-0fdbb91a3524&amp;pbi_source=shareVisual&amp;visual=a3241aba86cc88b152d1&amp;height=247.43&amp;width=430.12&amp;bookmarkGuid=53c3323a-e34b-4436-953e-7805fb34ef9f&quot;"/>
-    <we:property name="artifactName" value="&quot;Store Analysis&quot;"/>
-    <we:property name="reportName" value="&quot;_dashboard-C9 - FINAL&quot;"/>
-    <we:property name="reportState" value="&quot;CONNECTED&quot;"/>
-    <we:property name="embedUrl" value="&quot;/reportEmbed?reportId=ac2019e8-3f33-489c-aba4-84ef4be02a4d&amp;groupId=3a11be81-e317-4c86-b528-070631096d20&amp;w=2&amp;config=eyJjbHVzdGVyVXJsIjoiaHR0cHM6Ly9XQUJJLUlORElBLUNFTlRSQUwtQS1QUklNQVJZLXJlZGlyZWN0LmFuYWx5c2lzLndpbmRvd3MubmV0IiwiZW1iZWRGZWF0dXJlcyI6eyJ1c2FnZU1ldHJpY3NWTmV4dCI6dHJ1ZSwiZGlzYWJsZUFuZ3VsYXJKU0Jvb3RzdHJhcFJlcG9ydEVtYmVkIjp0cnVlfX0%3D&amp;disableSensitivityBanner=true&amp;lrtl=true&quot;"/>
-    <we:property name="pageName" value="&quot;ReportSection9add75b97d20a4577b9b&quot;"/>
-    <we:property name="pageDisplayName" value="&quot;SQ-1&quot;"/>
-    <we:property name="datasetId" value="&quot;e61277eb-1f6b-467a-ad92-976335a2a406&quot;"/>
-    <we:property name="backgroundColor" value="&quot;#FFFFFF&quot;"/>
-    <we:property name="bookmark" value="&quot;H4sIAAAAAAAAA81W204bMRD9lWifI5RsIBfeAgUJUSBNKH2oUORdT4LBa29tb0iK8u+dsXdJmnJtQXSf7PHsnOPj8YzvIi5sLtnilGUQ7UZ7Wt9kzNzUelE9UqXt7Oz4pD88Hp/2Tw7QrHMntLLR7l3kmJmCuxC2YJIioPH7ZT1iUg7YlGYTJi3UoxyM1YpJ8ROCMy45U8CyHsE8l9owCjlyzAGFnaE7zhG7udVCRJY6MYMRpC5Yh5Br48p5j3He2Ul6HR432PZOp5P0EvzHhlVP83l/AvXE9rVyTCgkQLa4E/PJdrvdTLtJg7Vb7S6LyW6FmspyK6t/zxc56eVg7hI9J6WSa8SkSLjRUmhyzzQnxyvBOahoucRV1oq3myxh3XaadrtJcyfmTXKdCOlKMsniYJ4bVBh1D0jnOj9FmOBDLheVcHE9OjQ6887l0doi+VGAWeAPFAds8LyLRtUCjr9Ug6cicQqhnHALmohsbJ3GeGgNCjSW9Xvf8brvOANmCwPnLJGw5o4pMwKJUnmUfS2LzDPb4KkLk8IQJquJJ0PyDYzGHPMgnsxYoL1ekZgIkDhHmDPDwewtPM4nYaqMijc1OQlEX0pivEniSKUGMsBckrUhzEAVQOeMDPDMot1mwx962H+8Jtfz0mKIb1dA1LxUigtXUjva0My+rZqevD+4R/++T7ElfZfhdq9hvojLQ9t/nFQ9utK3+wawcvAy88rL0eczplIgReEvzvaRpN1g0p/gzauhIdNr5/zBpB5Ovv+I1EhLXvuqhLMfz2sPJphMb3GE/enUwJRV1/HgXVI/JQeyHRaqLF6tP9nS1XuyR+Vipl1Vhn9rU/pNK+S/JCwVnND50fV6vZ3r21fUttfVk7JoMWWrB0mAMlr6UQBHZhJ5yrDmax6i+fUVytZ9WHQXFslKlls6IHr6oAmbP1E7hsX7bYeQB0KpCpYsRmtHoSoCF0wWtDlVSEkKLH1zWmVFlAE+82igC2dzlsKAqdCA8oAqwPt54ThB+bF/knwWWCFDBnocasf0KAzPHkxKUbaUJ34g4lVPwe8X7jjpIbUKAAA=&quot;"/>
-    <we:property name="initialStateBookmark" value="&quot;H4sIAAAAAAAAA81W204bMRD9lWifI5RsIBfeAgUJUSBNKH2oUORdT4LBa29tb0iK8u+dsXdJmnJtQXSf7PHsnOPj8YzvIi5sLtnilGUQ7UZ7Wt9kzNzUelE9UqXt7Oz4pD88Hp/2Tw7QrHMntLLR7l3kmJmCuxC2YJIioPH7ZT1iUg7YlGYTJi3UoxyM1YpJ8ROCMy45U8CyHsE8l9owCjlyzAGFnaE7zhG7udVCRJY6MYMRpC5Yh5Br48p5j3He2Ul6HR432PZOp5P0EvzHhlVP83l/AvXE9rVyTCgkQLa4E/PJdrvdTLtJg7Vb7S6LyW6FmspyK6t/zxc56eVg7hI9J6WSa8SkSLjRUmhyzzQnxyvBOahoucRV1oq3myxh3XaadrtJcyfmTXKdCOlKMsniYJ4bVBh1D0jnOj9FmOBDLheVcHE9OjQ6887l0doi+VGAWeAPFAds8LyLRtUCjr9Ug6cicQqhnHALmohsbJ3GeGgNCjSW9Xvf8brvOANmCwPnLJGw5o4pMwKJUnmUfS2LzDPb4KkLk8IQJquJJ0PyDYzGHPMgnsxYoL1ekZgIkDhHmDPDwewtPM4nYaqMijc1OQlEX0pivEniSKUGMsBckrUhzEAVQOeMDPDMot1mwx962H+8Jtfz0mKIb1dA1LxUigtXUjva0My+rZqevD+4R/++T7ElfZfhdq9hvojLQ9t/nFQ9utK3+wawcvAy88rL0eczplIgReEvzvaRpN1g0p/gzauhIdNr5/zBpB5Ovv+I1EhLXvuqhLMfz2sPJphMb3GE/enUwJRV1/HgXVI/JQeyHRaqLF6tP9nS1XuyR+Vipl1Vhn9rU/pNK+S/JCwVnND50fV6vZ3r21fUttfVk7JoMWWrB0mAMlr6UQBHZhJ5yrDmax6i+fUVytZ9WHQXFslKlls6IHr6oAmbP1E7hsX7bYeQB0KpCpYsRmtHoSoCF0wWtDlVSEkKLH1zWmVFlAE+82igC2dzlsKAqdCA8oAqwPt54ThB+bF/knwWWCFDBnocasf0KAzPHkxKUbaUJ34g4lVPwe8X7jjpIbUKAAA=&quot;"/>
-    <we:property name="isFooterCollapsed" value="true"/>
-    <we:property name="isFiltersActionButtonVisible" value="false"/>
-    <we:property name="isVisualContainerHeaderHidden" value="false"/>
-    <we:property name="reportEmbeddedTime" value="&quot;2024-03-05T16:23:30.233Z&quot;"/>
-    <we:property name="creatorTenantId" value="&quot;8e86cf5e-1252-41a5-a7b2-0fdbb91a3524&quot;"/>
-    <we:property name="creatorUserId" value="&quot;10032002FA1086AF&quot;"/>
-    <we:property name="creatorSessionId" value="&quot;03f3dd82-3074-4692-a984-4a004557eba1&quot;"/>
-  </we:properties>
-  <we:bindings/>
-  <we:snapshot xmlns:r="http://schemas.openxmlformats.org/officeDocument/2006/relationships" r:embed="rId1"/>
-</we:webextension>
-</file>
-
-<file path=ppt/webextensions/webextension14.xml><?xml version="1.0" encoding="utf-8"?>
-<we:webextension xmlns:we="http://schemas.microsoft.com/office/webextensions/webextension/2010/11" id="{E3BA3FAA-A12E-43BA-BB72-21F0EC54C7A7}">
-  <we:reference id="wa200003233" version="2.0.0.3" store="en-US" storeType="OMEX"/>
-  <we:alternateReferences>
-    <we:reference id="WA200003233" version="2.0.0.3" store="WA200003233" storeType="OMEX"/>
-  </we:alternateReferences>
-  <we:properties>
-    <we:property name="pptInsertionSessionID" value="&quot;6DD939C0-F012-4CF8-A7F6-D2BE429394BF&quot;"/>
-    <we:property name="reportUrl" value="&quot;/groups/3a11be81-e317-4c86-b528-070631096d20/reports/ac2019e8-3f33-489c-aba4-84ef4be02a4d/ReportSection61b390522b50b4a29d1f?ctid=8e86cf5e-1252-41a5-a7b2-0fdbb91a3524&amp;pbi_source=shareVisual&amp;visual=36b2f885e9bf04de2833&amp;height=247.43&amp;width=430.12&amp;bookmarkGuid=643de23e-b38c-4a83-8253-798d56d6e49d&quot;"/>
-    <we:property name="artifactName" value="&quot;Store Analysis&quot;"/>
-    <we:property name="reportName" value="&quot;_dashboard-C9 - FINAL&quot;"/>
-    <we:property name="reportState" value="&quot;CONNECTED&quot;"/>
-    <we:property name="embedUrl" value="&quot;/reportEmbed?reportId=ac2019e8-3f33-489c-aba4-84ef4be02a4d&amp;groupId=3a11be81-e317-4c86-b528-070631096d20&amp;w=2&amp;config=eyJjbHVzdGVyVXJsIjoiaHR0cHM6Ly9XQUJJLUlORElBLUNFTlRSQUwtQS1QUklNQVJZLXJlZGlyZWN0LmFuYWx5c2lzLndpbmRvd3MubmV0IiwiZW1iZWRGZWF0dXJlcyI6eyJ1c2FnZU1ldHJpY3NWTmV4dCI6dHJ1ZSwiZGlzYWJsZUFuZ3VsYXJKU0Jvb3RzdHJhcFJlcG9ydEVtYmVkIjp0cnVlfX0%3D&amp;disableSensitivityBanner=true&amp;lrtl=true&quot;"/>
-    <we:property name="pageName" value="&quot;ReportSection61b390522b50b4a29d1f&quot;"/>
-    <we:property name="pageDisplayName" value="&quot;SQ-2&quot;"/>
-    <we:property name="datasetId" value="&quot;e61277eb-1f6b-467a-ad92-976335a2a406&quot;"/>
-    <we:property name="backgroundColor" value="&quot;#FFFFFF&quot;"/>
-    <we:property name="bookmark" value="&quot;H4sIAAAAAAAAA81W30/bMBD+V6o8VyhNCmv3VhhIiAFdy9jDhConuRSDY2e2U9qh/u+7sxNauvFrA7E82efLfZ8/n+98G2TclIItTlgBwcdgV6nrgunrVj9oB7K2nZ4eHQ9GR5OTwfE+mlVpuZIm+HgbWKanYM+5qZigCGj8ftEOmBBDNqVZzoSBdlCCNkoywX+Cd8YlqytYtgOYl0JpRiHHllmgsDN0xzlid7ZiRGSp5TMYQ2q9dQSl0rae73SSuB9uR1GyHSZdFvWzTo7/GL/qaD7tT6CO2J6SlnGJBMgWd3tZFPbTJOp86EKchmGvT3bD5VTUW1n9e7YoSS8Lc5uoOSmVXCEmRcKN1kKTe6EycrzkWQYyWC5xNd5JorzX24Z+kofdDKJeHJNrzoWtySSL/XmpUWHU3SOdqfIEYbwPuZw3wkXt4ECrwjnXR2uq5EcFeoE/UBww3vM2GDcLOP7SDB6LlFEIabld0IQXE2MVxkOrVyBctu98J+u+kwKYqTScsUTAmjumzBgESuVQ9pSoCsdsg6eqdAojyFcTR4bkG2qFOeZAHJkJR3u7IZFzEDhHmFOdgd5dOJxPXDcZ1dnU5NgTfS6JySaJQ5lqKABzSbTGSmStr5JjIuBRIwk8NoQM3bl7CaI1xZ5WF0N8uwRi59SSGbc1u8MN2czrCurIu7N78O+7LFvSd+Ev+Brms7j8afsPk2oHl+pmTwMWj6xOvvp+DLIZkymQovAXx/tA3m4wGeR4+VpoKFRrBDOQFbw/qfX8+y9J3bsU78xrF3JMptc4wsF0qmHKmuu4/yapn5ID2Q4qWdev+He2dPUebVMlnynbVOJ7nUq9apH8x9ygmuP7P3pfrTd1dfOC8vayklLXLSZN8yzxUFoJN/LgyExgtgi/5soeorn1FcrWXVh05wbJClYaOiN6AKEJnwBE7QgWb7cdQh5yKRtYsmilLIVqCJwzUdHmZCUEKbB0/WmVGEEB+NijgaqsKVkKQyZ9Dyo9Kgfn54TLCMqN3cPkM8ci6ZPQ4VBTpqehf/xgXvK6qzzyAxFv2gp+vwDG2d55uwoAAA==&quot;"/>
-    <we:property name="initialStateBookmark" value="&quot;H4sIAAAAAAAAA81W30/bMBD+V6o8VyhNCmv3VhhIiAFdy9jDhConuRSDY2e2U9qh/u+7sxNauvFrA7E82efLfZ8/n+98G2TclIItTlgBwcdgV6nrgunrVj9oB7K2nZ4eHQ9GR5OTwfE+mlVpuZIm+HgbWKanYM+5qZigCGj8ftEOmBBDNqVZzoSBdlCCNkoywX+Cd8YlqytYtgOYl0JpRiHHllmgsDN0xzlid7ZiRGSp5TMYQ2q9dQSl0rae73SSuB9uR1GyHSZdFvWzTo7/GL/qaD7tT6CO2J6SlnGJBMgWd3tZFPbTJOp86EKchmGvT3bD5VTUW1n9e7YoSS8Lc5uoOSmVXCEmRcKN1kKTe6EycrzkWQYyWC5xNd5JorzX24Z+kofdDKJeHJNrzoWtySSL/XmpUWHU3SOdqfIEYbwPuZw3wkXt4ECrwjnXR2uq5EcFeoE/UBww3vM2GDcLOP7SDB6LlFEIabld0IQXE2MVxkOrVyBctu98J+u+kwKYqTScsUTAmjumzBgESuVQ9pSoCsdsg6eqdAojyFcTR4bkG2qFOeZAHJkJR3u7IZFzEDhHmFOdgd5dOJxPXDcZ1dnU5NgTfS6JySaJQ5lqKABzSbTGSmStr5JjIuBRIwk8NoQM3bl7CaI1xZ5WF0N8uwRi59SSGbc1u8MN2czrCurIu7N78O+7LFvSd+Ev+Brms7j8afsPk2oHl+pmTwMWj6xOvvp+DLIZkymQovAXx/tA3m4wGeR4+VpoKFRrBDOQFbw/qfX8+y9J3bsU78xrF3JMptc4wsF0qmHKmuu4/yapn5ID2Q4qWdev+He2dPUebVMlnynbVOJ7nUq9apH8x9ygmuP7P3pfrTd1dfOC8vayklLXLSZN8yzxUFoJN/LgyExgtgi/5soeorn1FcrWXVh05wbJClYaOiN6AKEJnwBE7QgWb7cdQh5yKRtYsmilLIVqCJwzUdHmZCUEKbB0/WmVGEEB+NijgaqsKVkKQyZ9Dyo9Kgfn54TLCMqN3cPkM8ci6ZPQ4VBTpqehf/xgXvK6qzzyAxFv2gp+vwDG2d55uwoAAA==&quot;"/>
-    <we:property name="isFooterCollapsed" value="false"/>
-    <we:property name="isFiltersActionButtonVisible" value="false"/>
-    <we:property name="isVisualContainerHeaderHidden" value="false"/>
-    <we:property name="reportEmbeddedTime" value="&quot;2024-03-05T16:25:30.788Z&quot;"/>
-    <we:property name="creatorTenantId" value="&quot;8e86cf5e-1252-41a5-a7b2-0fdbb91a3524&quot;"/>
-    <we:property name="creatorUserId" value="&quot;10032002FA1086AF&quot;"/>
-    <we:property name="creatorSessionId" value="&quot;242962eb-9776-4b7c-9ba7-fc3ac0c9b4e0&quot;"/>
-  </we:properties>
-  <we:bindings/>
-  <we:snapshot xmlns:r="http://schemas.openxmlformats.org/officeDocument/2006/relationships" r:embed="rId1"/>
-</we:webextension>
-</file>
-
-<file path=ppt/webextensions/webextension15.xml><?xml version="1.0" encoding="utf-8"?>
-<we:webextension xmlns:we="http://schemas.microsoft.com/office/webextensions/webextension/2010/11" id="{8EB6A681-CBFE-47C3-A8F4-B5619DA14800}">
-  <we:reference id="wa200003233" version="2.0.0.3" store="en-US" storeType="OMEX"/>
-  <we:alternateReferences>
-    <we:reference id="WA200003233" version="2.0.0.3" store="WA200003233" storeType="OMEX"/>
-  </we:alternateReferences>
-  <we:properties>
-    <we:property name="pptInsertionSessionID" value="&quot;6DD939C0-F012-4CF8-A7F6-D2BE429394BF&quot;"/>
-    <we:property name="reportUrl" value="&quot;/groups/3a11be81-e317-4c86-b528-070631096d20/reports/ac2019e8-3f33-489c-aba4-84ef4be02a4d/ReportSection1c238f3f557784ad2207?ctid=8e86cf5e-1252-41a5-a7b2-0fdbb91a3524&amp;pbi_source=shareVisual&amp;visual=752fbd6d4e114c0bceac&amp;height=505.33&amp;width=571.66&amp;bookmarkGuid=3c8eb308-4eb4-482b-b3d2-f5da626b6bc0&quot;"/>
-    <we:property name="artifactName" value="&quot;Store Analysis&quot;"/>
-    <we:property name="reportName" value="&quot;_dashboard-C9 - FINAL&quot;"/>
-    <we:property name="reportState" value="&quot;CONNECTED&quot;"/>
-    <we:property name="embedUrl" value="&quot;/reportEmbed?reportId=ac2019e8-3f33-489c-aba4-84ef4be02a4d&amp;groupId=3a11be81-e317-4c86-b528-070631096d20&amp;w=2&amp;config=eyJjbHVzdGVyVXJsIjoiaHR0cHM6Ly9XQUJJLUlORElBLUNFTlRSQUwtQS1QUklNQVJZLXJlZGlyZWN0LmFuYWx5c2lzLndpbmRvd3MubmV0IiwiZW1iZWRGZWF0dXJlcyI6eyJ1c2FnZU1ldHJpY3NWTmV4dCI6dHJ1ZSwiZGlzYWJsZUFuZ3VsYXJKU0Jvb3RzdHJhcFJlcG9ydEVtYmVkIjp0cnVlfX0%3D&amp;disableSensitivityBanner=true&amp;lrtl=true&quot;"/>
-    <we:property name="pageName" value="&quot;ReportSection1c238f3f557784ad2207&quot;"/>
-    <we:property name="pageDisplayName" value="&quot;SQ-3&quot;"/>
-    <we:property name="datasetId" value="&quot;e61277eb-1f6b-467a-ad92-976335a2a406&quot;"/>
-    <we:property name="backgroundColor" value="&quot;#FFFFFF&quot;"/>
-    <we:property name="bookmark" value="&quot;H4sIAAAAAAAAA81WTW8aMRD9K8hnFPEZaG6EUrVKkyBIc6kQ8q5nN0689tb2Eijiv3fGXkLKIe2hKD1hv3nr9zwezbBlQrpS8c0NL4BdsEtjngpunxofWJPpGru9vboeza6WN6PrCcKm9NJoxy62zHObg7+XruKKTkDw+6LJuFJTntMu48pBk5VgndFcyZ8QyRjytoJdk8G6VMZyOnLuuQc6doV03KN2+6yLijz1cgVzSH1EZ1Aa6+t9O+10h1k36/cHg2GPi06nNcBvXIwGm3/mk2gwNjbac6nRAGHdRIAYtPq8NRTnWTsbnA8D10mdq/oqh2/vNiXly8PaJ2ZNmUoeUZNOwovWiSZ6YQQRH6QQoNluh9FBv5Ml4lz0oN3upa0kBZ4SNZPK12aSzWRdWsww5j0qjTFfubEyRRchkxZcTNyWjY2qirCa/IbPTWVTmEEWQtpLj5bQXLF03iCPkZupNfhkIRLQpRQBfzDPYwuoKthFa9d8MTISK65TRI9dXAN3lYW/tbEsIv+OJwqOnYwyzEQDgcI0ZrACXcH7m/qiUwsFYNGo/9PU3CjR+Kald+/v6xIyLKZ/8YSjPLeQc19vJycp/ZQIhH2qdN16uu/t9rPMH8BhL1MKexCaFVXqj43XpEbNarymvXmXBSJv9rZSroyPb3vU3owVYC83oT19lHbfqzvNo2udviPsFvuJgZHH12PAPLvg7wS9cRFHGdduP8iilDUqrKI4OlPoU8XYjwrsBtVC/KBy9nIs0qVDs4qXjh6IRiZCODTI2hVsTncdUp5KrfeyhFhjPB21N3DPVUWX05VSlIFdmGSHqmAF4N8DWpjKu5KnMOUaguUyqkoIvJA4QVJhben3q8S3jRUYdNBf+DMRxyUWpaSCePsDMs6CrWDuF0ZZVGjtCAAA&quot;"/>
-    <we:property name="initialStateBookmark" value="&quot;H4sIAAAAAAAAA81WTW8aMRD9K8hnFPEZaG6EUrVKkyBIc6kQ8q5nN0689tb2Eijiv3fGXkLKIe2hKD1hv3nr9zwezbBlQrpS8c0NL4BdsEtjngpunxofWJPpGru9vboeza6WN6PrCcKm9NJoxy62zHObg7+XruKKTkDw+6LJuFJTntMu48pBk5VgndFcyZ8QyRjytoJdk8G6VMZyOnLuuQc6doV03KN2+6yLijz1cgVzSH1EZ1Aa6+t9O+10h1k36/cHg2GPi06nNcBvXIwGm3/mk2gwNjbac6nRAGHdRIAYtPq8NRTnWTsbnA8D10mdq/oqh2/vNiXly8PaJ2ZNmUoeUZNOwovWiSZ6YQQRH6QQoNluh9FBv5Ml4lz0oN3upa0kBZ4SNZPK12aSzWRdWsww5j0qjTFfubEyRRchkxZcTNyWjY2qirCa/IbPTWVTmEEWQtpLj5bQXLF03iCPkZupNfhkIRLQpRQBfzDPYwuoKthFa9d8MTISK65TRI9dXAN3lYW/tbEsIv+OJwqOnYwyzEQDgcI0ZrACXcH7m/qiUwsFYNGo/9PU3CjR+Kald+/v6xIyLKZ/8YSjPLeQc19vJycp/ZQIhH2qdN16uu/t9rPMH8BhL1MKexCaFVXqj43XpEbNarymvXmXBSJv9rZSroyPb3vU3owVYC83oT19lHbfqzvNo2udviPsFvuJgZHH12PAPLvg7wS9cRFHGdduP8iilDUqrKI4OlPoU8XYjwrsBtVC/KBy9nIs0qVDs4qXjh6IRiZCODTI2hVsTncdUp5KrfeyhFhjPB21N3DPVUWX05VSlIFdmGSHqmAF4N8DWpjKu5KnMOUaguUyqkoIvJA4QVJhben3q8S3jRUYdNBf+DMRxyUWpaSCePsDMs6CrWDuF0ZZVGjtCAAA&quot;"/>
-    <we:property name="isFiltersActionButtonVisible" value="false"/>
-    <we:property name="isVisualContainerHeaderHidden" value="false"/>
-    <we:property name="reportEmbeddedTime" value="&quot;2024-03-05T16:28:24.537Z&quot;"/>
-    <we:property name="creatorTenantId" value="&quot;8e86cf5e-1252-41a5-a7b2-0fdbb91a3524&quot;"/>
-    <we:property name="creatorUserId" value="&quot;10032002FA1086AF&quot;"/>
-    <we:property name="creatorSessionId" value="&quot;f04202bf-a821-49c6-ad35-82da72670b18&quot;"/>
-  </we:properties>
-  <we:bindings/>
-  <we:snapshot xmlns:r="http://schemas.openxmlformats.org/officeDocument/2006/relationships" r:embed="rId1"/>
-</we:webextension>
-</file>
-
-<file path=ppt/webextensions/webextension2.xml><?xml version="1.0" encoding="utf-8"?>
+<file path=ppt/webextensions/webextension3.xml><?xml version="1.0" encoding="utf-8"?>
 <we:webextension xmlns:we="http://schemas.microsoft.com/office/webextensions/webextension/2010/11" id="{8FBDE199-4301-496D-9724-42FD44066C89}">
   <we:reference id="wa200003233" version="2.0.0.3" store="en-US" storeType="OMEX"/>
   <we:alternateReferences>
@@ -20345,7 +20648,7 @@
 </we:webextension>
 </file>
 
-<file path=ppt/webextensions/webextension3.xml><?xml version="1.0" encoding="utf-8"?>
+<file path=ppt/webextensions/webextension4.xml><?xml version="1.0" encoding="utf-8"?>
 <we:webextension xmlns:we="http://schemas.microsoft.com/office/webextensions/webextension/2010/11" id="{D9B6C707-9353-408E-A57D-677627A8323D}">
   <we:reference id="wa200003233" version="2.0.0.3" store="en-US" storeType="OMEX"/>
   <we:alternateReferences>
@@ -20377,7 +20680,7 @@
 </we:webextension>
 </file>
 
-<file path=ppt/webextensions/webextension4.xml><?xml version="1.0" encoding="utf-8"?>
+<file path=ppt/webextensions/webextension5.xml><?xml version="1.0" encoding="utf-8"?>
 <we:webextension xmlns:we="http://schemas.microsoft.com/office/webextensions/webextension/2010/11" id="{F84B89A6-236F-4FE8-9723-4AEF3BA1BF39}">
   <we:reference id="wa200003233" version="2.0.0.3" store="en-US" storeType="OMEX"/>
   <we:alternateReferences>
@@ -20409,7 +20712,7 @@
 </we:webextension>
 </file>
 
-<file path=ppt/webextensions/webextension5.xml><?xml version="1.0" encoding="utf-8"?>
+<file path=ppt/webextensions/webextension6.xml><?xml version="1.0" encoding="utf-8"?>
 <we:webextension xmlns:we="http://schemas.microsoft.com/office/webextensions/webextension/2010/11" id="{247F4D93-2A89-4802-AAB8-88608D276588}">
   <we:reference id="wa200003233" version="2.0.0.3" store="en-US" storeType="OMEX"/>
   <we:alternateReferences>
@@ -20441,7 +20744,7 @@
 </we:webextension>
 </file>
 
-<file path=ppt/webextensions/webextension6.xml><?xml version="1.0" encoding="utf-8"?>
+<file path=ppt/webextensions/webextension7.xml><?xml version="1.0" encoding="utf-8"?>
 <we:webextension xmlns:we="http://schemas.microsoft.com/office/webextensions/webextension/2010/11" id="{1089C082-BDC7-41DA-959A-D40974BACB11}">
   <we:reference id="wa200003233" version="2.0.0.3" store="en-US" storeType="OMEX"/>
   <we:alternateReferences>
@@ -20473,7 +20776,7 @@
 </we:webextension>
 </file>
 
-<file path=ppt/webextensions/webextension7.xml><?xml version="1.0" encoding="utf-8"?>
+<file path=ppt/webextensions/webextension8.xml><?xml version="1.0" encoding="utf-8"?>
 <we:webextension xmlns:we="http://schemas.microsoft.com/office/webextensions/webextension/2010/11" id="{64123C6D-33AD-4698-9AEC-55BE9D5D7AAF}">
   <we:reference id="wa200003233" version="2.0.0.3" store="en-US" storeType="OMEX"/>
   <we:alternateReferences>
@@ -20505,7 +20808,7 @@
 </we:webextension>
 </file>
 
-<file path=ppt/webextensions/webextension8.xml><?xml version="1.0" encoding="utf-8"?>
+<file path=ppt/webextensions/webextension9.xml><?xml version="1.0" encoding="utf-8"?>
 <we:webextension xmlns:we="http://schemas.microsoft.com/office/webextensions/webextension/2010/11" id="{590DF248-1982-44EA-AF68-819D933151FD}">
   <we:reference id="wa200003233" version="2.0.0.3" store="en-US" storeType="OMEX"/>
   <we:alternateReferences>
@@ -20535,36 +20838,4 @@
   <we:bindings/>
   <we:snapshot xmlns:r="http://schemas.openxmlformats.org/officeDocument/2006/relationships" r:embed="rId1"/>
 </we:webextension>
-</file>
-
-<file path=ppt/webextensions/webextension9.xml><?xml version="1.0" encoding="utf-8"?>
-<we:webextension xmlns:we="http://schemas.microsoft.com/office/webextensions/webextension/2010/11" id="{5E6800EA-2656-4D02-8B67-DB2C5A4248B1}">
-  <we:reference id="wa200003233" version="2.0.0.3" store="en-US" storeType="OMEX"/>
-  <we:alternateReferences>
-    <we:reference id="WA200003233" version="2.0.0.3" store="WA200003233" storeType="OMEX"/>
-  </we:alternateReferences>
-  <we:properties>
-    <we:property name="pptInsertionSessionID" value="&quot;6DD939C0-F012-4CF8-A7F6-D2BE429394BF&quot;"/>
-    <we:property name="reportUrl" value="&quot;/groups/3a11be81-e317-4c86-b528-070631096d20/reports/ac2019e8-3f33-489c-aba4-84ef4be02a4d/ReportSectiond5fe05d630a017f19fd7?ctid=8e86cf5e-1252-41a5-a7b2-0fdbb91a3524&amp;pbi_source=shareVisual&amp;visual=050918eb4e4c5848f107&amp;height=305.07&amp;width=431.97&amp;bookmarkGuid=2ceaf30b-a799-4026-9eec-6df9e29dae00&quot;"/>
-    <we:property name="artifactName" value="&quot;Units Sold (after) and Units Sold (before) by category&quot;"/>
-    <we:property name="reportName" value="&quot;_dashboard-C9 - FINAL&quot;"/>
-    <we:property name="reportState" value="&quot;CONNECTED&quot;"/>
-    <we:property name="embedUrl" value="&quot;/reportEmbed?reportId=ac2019e8-3f33-489c-aba4-84ef4be02a4d&amp;groupId=3a11be81-e317-4c86-b528-070631096d20&amp;w=2&amp;config=eyJjbHVzdGVyVXJsIjoiaHR0cHM6Ly9XQUJJLUlORElBLUNFTlRSQUwtQS1QUklNQVJZLXJlZGlyZWN0LmFuYWx5c2lzLndpbmRvd3MubmV0IiwiZW1iZWRGZWF0dXJlcyI6eyJ1c2FnZU1ldHJpY3NWTmV4dCI6dHJ1ZSwiZGlzYWJsZUFuZ3VsYXJKU0Jvb3RzdHJhcFJlcG9ydEVtYmVkIjp0cnVlfX0%3D&amp;disableSensitivityBanner=true&amp;lrtl=true&quot;"/>
-    <we:property name="pageName" value="&quot;ReportSectiond5fe05d630a017f19fd7&quot;"/>
-    <we:property name="pageDisplayName" value="&quot;Page 2&quot;"/>
-    <we:property name="datasetId" value="&quot;e61277eb-1f6b-467a-ad92-976335a2a406&quot;"/>
-    <we:property name="backgroundColor" value="&quot;#FFF&quot;"/>
-    <we:property name="bookmark" value="&quot;H4sIAAAAAAAAA91WW2/aMBT+K8hPmxRNgcIovEHGXjpaBFVfJoQO8Ulw69iZ7bAyxH/fsRO2jklrpanrtrzE/s7F37k52TMubClhdwkFsiEba31XgLlrDVjEVINdXV1MR/OL1eVoOiFYl05oZdlwzxyYHN2NsBVI74HAj8uIgZQzyP0uA2kxYiUaqxVI8QVrZRI5U+EhYnhfSm3Au1w4cOjdbkmd9nR2+80ZnQipE1tcYOpqdI6lNq7Z816GcY+/PYshbvez9iDjfbKxtTTQfFzfHxqIJVo5EIoIeKyf9QZxf807aRzHnQ7ZxEE3E9I1Kuvd5L40FDdlY1f6fCUURa6NSEGyEJ9BW4ezZ4mWVRFWkx/wha5MinPMgkg54XbkiYtiVRrNq9RZdqBkzYymVAZZWp+yC/hGf04MEsLZMD5E36iM+BZUSugpjymCrQw+lciqqPWvYS3xlMkYM22wRUihW3Pcoqrw5VmNMqrQo6SWhFihctn05fdGuK65prKy5Aj5GEyyAeP8AKxv0VdkuCdrbTia8S40wDthjj3aiU5CeP7YDsvjpJDk9kH7J8dW8RyfpQN9GpuLxJsXmvvcbQTnqDyziMW9eNA+x3UXu2nvvHuetf+TSRrlucEcXLOd/AbJjKq38uX8meOnCoLWymrJX4Gvv4+n0K+D5vtKNX0X/zNBrMO18eQo/tyk/n0VfdHJDs/DVLIC6avvF7pytoQUZ6AwUChrHwKDHvUYKO7LF9bGvz8ICrSu3g3ICkOS6B+hviWooMLfd7828H8OLNAK7L4C98VSV8QIAAA=&quot;"/>
-    <we:property name="initialStateBookmark" value="&quot;H4sIAAAAAAAAA91WW2/aMBT+K8hPmxRNgcIovEHGXjpaBFVfJoQO8Ulw69iZ7bAyxH/fsRO2jklrpanrtrzE/s7F37k52TMubClhdwkFsiEba31XgLlrDVjEVINdXV1MR/OL1eVoOiFYl05oZdlwzxyYHN2NsBVI74HAj8uIgZQzyP0uA2kxYiUaqxVI8QVrZRI5U+EhYnhfSm3Au1w4cOjdbkmd9nR2+80ZnQipE1tcYOpqdI6lNq7Z816GcY+/PYshbvez9iDjfbKxtTTQfFzfHxqIJVo5EIoIeKyf9QZxf807aRzHnQ7ZxEE3E9I1Kuvd5L40FDdlY1f6fCUURa6NSEGyEJ9BW4ezZ4mWVRFWkx/wha5MinPMgkg54XbkiYtiVRrNq9RZdqBkzYymVAZZWp+yC/hGf04MEsLZMD5E36iM+BZUSugpjymCrQw+lciqqPWvYS3xlMkYM22wRUihW3Pcoqrw5VmNMqrQo6SWhFihctn05fdGuK65prKy5Aj5GEyyAeP8AKxv0VdkuCdrbTia8S40wDthjj3aiU5CeP7YDsvjpJDk9kH7J8dW8RyfpQN9GpuLxJsXmvvcbQTnqDyziMW9eNA+x3UXu2nvvHuetf+TSRrlucEcXLOd/AbJjKq38uX8meOnCoLWymrJX4Gvv4+n0K+D5vtKNX0X/zNBrMO18eQo/tyk/n0VfdHJDs/DVLIC6avvF7pytoQUZ6AwUChrHwKDHvUYKO7LF9bGvz8ICrSu3g3ICkOS6B+hviWooMLfd7828H8OLNAK7L4C98VSV8QIAAA=&quot;"/>
-    <we:property name="isFooterCollapsed" value="true"/>
-    <we:property name="isFiltersActionButtonVisible" value="false"/>
-    <we:property name="isVisualContainerHeaderHidden" value="false"/>
-    <we:property name="reportEmbeddedTime" value="&quot;2024-03-05T16:04:32.645Z&quot;"/>
-    <we:property name="creatorTenantId" value="&quot;8e86cf5e-1252-41a5-a7b2-0fdbb91a3524&quot;"/>
-    <we:property name="creatorUserId" value="&quot;10032002FA1086AF&quot;"/>
-    <we:property name="creatorSessionId" value="&quot;5c143056-33b4-4cb8-b521-9e9139f0c6cc&quot;"/>
-  </we:properties>
-  <we:bindings/>
-  <we:snapshot xmlns:r="http://schemas.openxmlformats.org/officeDocument/2006/relationships" r:embed="rId1"/>
-</we:webextension>
 </file>
--- a/AtliQ Mart Festive Promotions Analysis.pptx
+++ b/AtliQ Mart Festive Promotions Analysis.pptx
@@ -142,7 +142,7 @@
 <file path=ppt/revisionInfo.xml><?xml version="1.0" encoding="utf-8"?>
 <p1510:revInfo xmlns:a="http://schemas.openxmlformats.org/drawingml/2006/main" xmlns:r="http://schemas.openxmlformats.org/officeDocument/2006/relationships" xmlns:p1510="http://schemas.microsoft.com/office/powerpoint/2015/10/main">
   <p1510:revLst>
-    <p1510:client id="{7CA76BE9-0E21-4F85-9A62-05CA8ABFA93F}" v="156" dt="2024-03-05T18:00:28.674"/>
+    <p1510:client id="{7CA76BE9-0E21-4F85-9A62-05CA8ABFA93F}" v="158" dt="2024-03-05T20:01:45.941"/>
   </p1510:revLst>
 </p1510:revInfo>
 </file>
@@ -152,7 +152,7 @@
   <pc:docChgLst>
     <pc:chgData name="Sougat Dey" userId="6fe7dab3-ba33-4b13-9059-5d152beceab6" providerId="ADAL" clId="{7CA76BE9-0E21-4F85-9A62-05CA8ABFA93F}"/>
     <pc:docChg chg="undo redo custSel addSld delSld modSld addMainMaster delMainMaster modMainMaster">
-      <pc:chgData name="Sougat Dey" userId="6fe7dab3-ba33-4b13-9059-5d152beceab6" providerId="ADAL" clId="{7CA76BE9-0E21-4F85-9A62-05CA8ABFA93F}" dt="2024-03-05T18:00:07.152" v="5150" actId="14100"/>
+      <pc:chgData name="Sougat Dey" userId="6fe7dab3-ba33-4b13-9059-5d152beceab6" providerId="ADAL" clId="{7CA76BE9-0E21-4F85-9A62-05CA8ABFA93F}" dt="2024-03-05T20:01:30.291" v="5152"/>
       <pc:docMkLst>
         <pc:docMk/>
       </pc:docMkLst>
@@ -1885,7 +1885,7 @@
         </pc:picChg>
       </pc:sldChg>
       <pc:sldChg chg="addSp delSp modSp new mod">
-        <pc:chgData name="Sougat Dey" userId="6fe7dab3-ba33-4b13-9059-5d152beceab6" providerId="ADAL" clId="{7CA76BE9-0E21-4F85-9A62-05CA8ABFA93F}" dt="2024-03-05T17:59:09.132" v="5099" actId="1076"/>
+        <pc:chgData name="Sougat Dey" userId="6fe7dab3-ba33-4b13-9059-5d152beceab6" providerId="ADAL" clId="{7CA76BE9-0E21-4F85-9A62-05CA8ABFA93F}" dt="2024-03-05T20:01:30.291" v="5152"/>
         <pc:sldMkLst>
           <pc:docMk/>
           <pc:sldMk cId="3072143078" sldId="285"/>
@@ -1906,8 +1906,16 @@
             <ac:spMk id="3" creationId="{4C890E11-40D9-986C-7593-312B26E73B7D}"/>
           </ac:spMkLst>
         </pc:spChg>
-        <pc:graphicFrameChg chg="add mod">
-          <ac:chgData name="Sougat Dey" userId="6fe7dab3-ba33-4b13-9059-5d152beceab6" providerId="ADAL" clId="{7CA76BE9-0E21-4F85-9A62-05CA8ABFA93F}" dt="2024-03-05T17:59:09.132" v="5099" actId="1076"/>
+        <pc:graphicFrameChg chg="add">
+          <ac:chgData name="Sougat Dey" userId="6fe7dab3-ba33-4b13-9059-5d152beceab6" providerId="ADAL" clId="{7CA76BE9-0E21-4F85-9A62-05CA8ABFA93F}" dt="2024-03-05T20:01:30.291" v="5152"/>
+          <ac:graphicFrameMkLst>
+            <pc:docMk/>
+            <pc:sldMk cId="3072143078" sldId="285"/>
+            <ac:graphicFrameMk id="2" creationId="{D5CFB5D0-4ABF-D3F4-31A5-84F2FD9AB6F4}"/>
+          </ac:graphicFrameMkLst>
+        </pc:graphicFrameChg>
+        <pc:graphicFrameChg chg="add del mod">
+          <ac:chgData name="Sougat Dey" userId="6fe7dab3-ba33-4b13-9059-5d152beceab6" providerId="ADAL" clId="{7CA76BE9-0E21-4F85-9A62-05CA8ABFA93F}" dt="2024-03-05T20:01:28.105" v="5151" actId="478"/>
           <ac:graphicFrameMkLst>
             <pc:docMk/>
             <pc:sldMk cId="3072143078" sldId="285"/>
@@ -2791,7 +2799,7 @@
           <a:p>
             <a:fld id="{D6D0F569-AC90-44EB-9EF4-4E5C2F5D823C}" type="datetime1">
               <a:rPr lang="en-US" smtClean="0"/>
-              <a:t>3/5/2024</a:t>
+              <a:t>3/6/2024</a:t>
             </a:fld>
             <a:endParaRPr lang="en-US" dirty="0"/>
           </a:p>
@@ -3468,7 +3476,7 @@
           <a:p>
             <a:fld id="{46BA7D41-E8B7-4A0B-B861-3EC4AE88917D}" type="datetime1">
               <a:rPr lang="en-US" smtClean="0"/>
-              <a:t>3/5/2024</a:t>
+              <a:t>3/6/2024</a:t>
             </a:fld>
             <a:endParaRPr lang="en-US" dirty="0"/>
           </a:p>
@@ -4155,7 +4163,7 @@
           <a:p>
             <a:fld id="{A7C34823-0B19-4B4E-A643-7A3B0A3D24D6}" type="datetime1">
               <a:rPr lang="en-US" smtClean="0"/>
-              <a:t>3/5/2024</a:t>
+              <a:t>3/6/2024</a:t>
             </a:fld>
             <a:endParaRPr lang="en-US" dirty="0"/>
           </a:p>
@@ -4835,7 +4843,7 @@
           <a:p>
             <a:fld id="{8C2D79EF-17C8-45D8-9866-DAF5723FC604}" type="datetime1">
               <a:rPr lang="en-US" smtClean="0"/>
-              <a:t>3/5/2024</a:t>
+              <a:t>3/6/2024</a:t>
             </a:fld>
             <a:endParaRPr lang="en-US" dirty="0"/>
           </a:p>
@@ -5589,7 +5597,7 @@
           <a:p>
             <a:fld id="{DFFC2ADC-3680-4013-A757-E4663495DB98}" type="datetime1">
               <a:rPr lang="en-US" smtClean="0"/>
-              <a:t>3/5/2024</a:t>
+              <a:t>3/6/2024</a:t>
             </a:fld>
             <a:endParaRPr lang="en-US" dirty="0"/>
           </a:p>
@@ -6333,7 +6341,7 @@
           <a:p>
             <a:fld id="{4751BA94-5DCA-4F19-960F-0FB2BD5EE85A}" type="datetime1">
               <a:rPr lang="en-US" smtClean="0"/>
-              <a:t>3/5/2024</a:t>
+              <a:t>3/6/2024</a:t>
             </a:fld>
             <a:endParaRPr lang="en-US" dirty="0"/>
           </a:p>
@@ -7224,7 +7232,7 @@
           <a:p>
             <a:fld id="{01BED947-38D9-44AC-8B89-E79758333B77}" type="datetime1">
               <a:rPr lang="en-US" smtClean="0"/>
-              <a:t>3/5/2024</a:t>
+              <a:t>3/6/2024</a:t>
             </a:fld>
             <a:endParaRPr lang="en-US" dirty="0"/>
           </a:p>
@@ -7844,7 +7852,7 @@
           <a:p>
             <a:fld id="{3781E23F-BD3C-4F23-B116-2B758120C8AC}" type="datetime1">
               <a:rPr lang="en-US" smtClean="0"/>
-              <a:t>3/5/2024</a:t>
+              <a:t>3/6/2024</a:t>
             </a:fld>
             <a:endParaRPr lang="en-US" dirty="0"/>
           </a:p>
@@ -8436,7 +8444,7 @@
           <a:p>
             <a:fld id="{473CFAA9-6D59-4D98-869E-ACBDB83B2CA4}" type="datetime1">
               <a:rPr lang="en-US" smtClean="0"/>
-              <a:t>3/5/2024</a:t>
+              <a:t>3/6/2024</a:t>
             </a:fld>
             <a:endParaRPr lang="en-US"/>
           </a:p>
@@ -9226,7 +9234,7 @@
           <a:p>
             <a:fld id="{DC410804-27E3-430A-BB42-B831260DE39A}" type="datetime1">
               <a:rPr lang="en-US" smtClean="0"/>
-              <a:t>3/5/2024</a:t>
+              <a:t>3/6/2024</a:t>
             </a:fld>
             <a:endParaRPr lang="en-US" dirty="0"/>
           </a:p>
@@ -9996,7 +10004,7 @@
           <a:p>
             <a:fld id="{60E22DE3-3D1A-4D53-B9A6-6C7463B8C992}" type="datetime1">
               <a:rPr lang="en-US" smtClean="0"/>
-              <a:t>3/5/2024</a:t>
+              <a:t>3/6/2024</a:t>
             </a:fld>
             <a:endParaRPr lang="en-US" dirty="0"/>
           </a:p>
@@ -10310,7 +10318,7 @@
             <a:fld id="{5ECD8B30-1B71-45A1-8314-D59C86F581E1}" type="datetime1">
               <a:rPr lang="en-US" smtClean="0"/>
               <a:pPr/>
-              <a:t>3/5/2024</a:t>
+              <a:t>3/6/2024</a:t>
             </a:fld>
             <a:endParaRPr lang="en-US" b="1" dirty="0"/>
           </a:p>
@@ -19188,27 +19196,21 @@
         <mc:Choice xmlns:we="http://schemas.microsoft.com/office/webextensions/webextension/2010/11" xmlns:pca="http://schemas.microsoft.com/office/powerpoint/2013/contentapp" Requires="we pca">
           <p:graphicFrame>
             <p:nvGraphicFramePr>
-              <p:cNvPr id="4" name="Add-in 3">
+              <p:cNvPr id="2" name="Add-in 1">
                 <a:extLst>
                   <a:ext uri="{FF2B5EF4-FFF2-40B4-BE49-F238E27FC236}">
-                    <a16:creationId xmlns:a16="http://schemas.microsoft.com/office/drawing/2014/main" id="{EAF17A07-DD97-D57E-6ECB-394C909584DD}"/>
+                    <a16:creationId xmlns:a16="http://schemas.microsoft.com/office/drawing/2014/main" id="{D5CFB5D0-4ABF-D3F4-31A5-84F2FD9AB6F4}"/>
                   </a:ext>
                 </a:extLst>
               </p:cNvPr>
               <p:cNvGraphicFramePr>
                 <a:graphicFrameLocks noGrp="1"/>
               </p:cNvGraphicFramePr>
-              <p:nvPr>
-                <p:extLst>
-                  <p:ext uri="{D42A27DB-BD31-4B8C-83A1-F6EECF244321}">
-                    <p14:modId xmlns:p14="http://schemas.microsoft.com/office/powerpoint/2010/main" val="413325948"/>
-                  </p:ext>
-                </p:extLst>
-              </p:nvPr>
+              <p:nvPr/>
             </p:nvGraphicFramePr>
             <p:xfrm>
-              <a:off x="1115627" y="477175"/>
-              <a:ext cx="9960746" cy="5903649"/>
+              <a:off x="1333500" y="571499"/>
+              <a:ext cx="9525000" cy="5715000"/>
             </p:xfrm>
             <a:graphic>
               <a:graphicData uri="http://schemas.microsoft.com/office/webextensions/webextension/2010/11">
@@ -19220,10 +19222,10 @@
         <mc:Fallback>
           <p:pic>
             <p:nvPicPr>
-              <p:cNvPr id="4" name="Add-in 3">
+              <p:cNvPr id="2" name="Add-in 1">
                 <a:extLst>
                   <a:ext uri="{FF2B5EF4-FFF2-40B4-BE49-F238E27FC236}">
-                    <a16:creationId xmlns:a16="http://schemas.microsoft.com/office/drawing/2014/main" id="{EAF17A07-DD97-D57E-6ECB-394C909584DD}"/>
+                    <a16:creationId xmlns:a16="http://schemas.microsoft.com/office/drawing/2014/main" id="{D5CFB5D0-4ABF-D3F4-31A5-84F2FD9AB6F4}"/>
                   </a:ext>
                 </a:extLst>
               </p:cNvPr>
@@ -19240,8 +19242,8 @@
             </p:blipFill>
             <p:spPr>
               <a:xfrm>
-                <a:off x="1115627" y="477175"/>
-                <a:ext cx="9960746" cy="5903649"/>
+                <a:off x="1333500" y="571499"/>
+                <a:ext cx="9525000" cy="5715000"/>
               </a:xfrm>
               <a:prstGeom prst="rect">
                 <a:avLst/>
@@ -19678,8 +19680,8 @@
           <a:chExt cx="0" cy="0"/>
         </a:xfrm>
       </p:grpSpPr>
-      <mc:AlternateContent xmlns:mc="http://schemas.openxmlformats.org/markup-compatibility/2006" xmlns:we="http://schemas.microsoft.com/office/webextensions/webextension/2010/11" xmlns:pca="http://schemas.microsoft.com/office/powerpoint/2013/contentapp">
-        <mc:Choice Requires="we pca">
+      <mc:AlternateContent xmlns:mc="http://schemas.openxmlformats.org/markup-compatibility/2006">
+        <mc:Choice xmlns:we="http://schemas.microsoft.com/office/webextensions/webextension/2010/11" xmlns:pca="http://schemas.microsoft.com/office/powerpoint/2013/contentapp" Requires="we pca">
           <p:graphicFrame>
             <p:nvGraphicFramePr>
               <p:cNvPr id="5" name="Add-in 4">
@@ -19711,7 +19713,7 @@
             </a:graphic>
           </p:graphicFrame>
         </mc:Choice>
-        <mc:Fallback xmlns="">
+        <mc:Fallback>
           <p:pic>
             <p:nvPicPr>
               <p:cNvPr id="5" name="Add-in 4">
@@ -19980,8 +19982,8 @@
           </a:p>
         </p:txBody>
       </p:sp>
-      <mc:AlternateContent xmlns:mc="http://schemas.openxmlformats.org/markup-compatibility/2006" xmlns:we="http://schemas.microsoft.com/office/webextensions/webextension/2010/11" xmlns:pca="http://schemas.microsoft.com/office/powerpoint/2013/contentapp">
-        <mc:Choice Requires="we pca">
+      <mc:AlternateContent xmlns:mc="http://schemas.openxmlformats.org/markup-compatibility/2006">
+        <mc:Choice xmlns:we="http://schemas.microsoft.com/office/webextensions/webextension/2010/11" xmlns:pca="http://schemas.microsoft.com/office/powerpoint/2013/contentapp" Requires="we pca">
           <p:graphicFrame>
             <p:nvGraphicFramePr>
               <p:cNvPr id="5" name="Add-in 4">
@@ -20013,7 +20015,7 @@
             </a:graphic>
           </p:graphicFrame>
         </mc:Choice>
-        <mc:Fallback xmlns="">
+        <mc:Fallback>
           <p:pic>
             <p:nvPicPr>
               <p:cNvPr id="5" name="Add-in 4">
@@ -20331,30 +20333,29 @@
 </file>
 
 <file path=ppt/webextensions/webextension1.xml><?xml version="1.0" encoding="utf-8"?>
-<we:webextension xmlns:we="http://schemas.microsoft.com/office/webextensions/webextension/2010/11" id="{DD609E7F-9BF6-4636-B0E9-39B3EDA7E782}">
+<we:webextension xmlns:we="http://schemas.microsoft.com/office/webextensions/webextension/2010/11" id="{BBB12A1B-EDF5-4515-99B1-2550727158D4}">
   <we:reference id="wa200003233" version="2.0.0.3" store="en-US" storeType="OMEX"/>
   <we:alternateReferences>
     <we:reference id="WA200003233" version="2.0.0.3" store="WA200003233" storeType="OMEX"/>
   </we:alternateReferences>
   <we:properties>
-    <we:property name="pptInsertionSessionID" value="&quot;9158D563-F4E3-4F15-BD16-B212B287C722&quot;"/>
-    <we:property name="reportUrl" value="&quot;/groups/3a11be81-e317-4c86-b528-070631096d20/reports/1013838e-1c2e-4523-9e4c-9cafb2daca0f/ReportSection1fe55a5c906f4d119c91?bookmarkGuid=ae63ed3c-a3a3-4cf3-87ea-ba862fcb1244&amp;bookmarkUsage=1&amp;ctid=8e86cf5e-1252-41a5-a7b2-0fdbb91a3524&amp;fromEntryPoint=export&quot;"/>
-    <we:property name="reportName" value="&quot;_dashboard-C9 - FINAL - Dashboard Only&quot;"/>
+    <we:property name="pptInsertionSessionID" value="&quot;4B3D8835-46EF-4F5B-9D42-AFB0C547602E&quot;"/>
+    <we:property name="reportUrl" value="&quot;/groups/3a11be81-e317-4c86-b528-070631096d20/reports/d61c8545-2fc8-417b-b5ec-3bb1aeb54e05/ReportSection1fe55a5c906f4d119c91?bookmarkGuid=6ed6b702-d16e-4a38-83a1-53966f094016&amp;bookmarkUsage=1&amp;ctid=8e86cf5e-1252-41a5-a7b2-0fdbb91a3524&amp;fromEntryPoint=export&quot;"/>
+    <we:property name="reportName" value="&quot;_dashboard-C9 - FINAL v1.0&quot;"/>
     <we:property name="reportState" value="&quot;CONNECTED&quot;"/>
-    <we:property name="embedUrl" value="&quot;/reportEmbed?reportId=1013838e-1c2e-4523-9e4c-9cafb2daca0f&amp;groupId=3a11be81-e317-4c86-b528-070631096d20&amp;w=2&amp;config=eyJjbHVzdGVyVXJsIjoiaHR0cHM6Ly9XQUJJLUlORElBLUNFTlRSQUwtQS1QUklNQVJZLXJlZGlyZWN0LmFuYWx5c2lzLndpbmRvd3MubmV0IiwiZW1iZWRGZWF0dXJlcyI6eyJ1c2FnZU1ldHJpY3NWTmV4dCI6dHJ1ZSwiZGlzYWJsZUFuZ3VsYXJKU0Jvb3RzdHJhcFJlcG9ydEVtYmVkIjp0cnVlfX0%3D&amp;disableSensitivityBanner=true&amp;lrtl=true&quot;"/>
+    <we:property name="embedUrl" value="&quot;/reportEmbed?reportId=d61c8545-2fc8-417b-b5ec-3bb1aeb54e05&amp;groupId=3a11be81-e317-4c86-b528-070631096d20&amp;w=2&amp;config=eyJjbHVzdGVyVXJsIjoiaHR0cHM6Ly9XQUJJLUlORElBLUNFTlRSQUwtQS1QUklNQVJZLXJlZGlyZWN0LmFuYWx5c2lzLndpbmRvd3MubmV0IiwiZW1iZWRGZWF0dXJlcyI6eyJ1c2FnZU1ldHJpY3NWTmV4dCI6dHJ1ZSwiZGlzYWJsZUFuZ3VsYXJKU0Jvb3RzdHJhcFJlcG9ydEVtYmVkIjp0cnVlfX0%3D&amp;disableSensitivityBanner=true&amp;lrtl=true&quot;"/>
     <we:property name="pageName" value="&quot;ReportSection1fe55a5c906f4d119c91&quot;"/>
     <we:property name="pageDisplayName" value="&quot;Dashboard&quot;"/>
-    <we:property name="datasetId" value="&quot;38bab94a-2294-4a9e-a662-7925ada2277e&quot;"/>
+    <we:property name="datasetId" value="&quot;907a31f9-ec54-4cd4-beff-f1598cc7439c&quot;"/>
     <we:property name="backgroundColor" value="&quot;#FFFFFF&quot;"/>
-    <we:property name="bookmark" value="&quot;H4sIAAAAAAAAA+1bS3PbOBL+Ky5d5uJKAcQ7t9jz2pqZLW88O5etlKsBNGTOUKSGpJx4U/7v2ySliR/SMFZsRfb6kHIIgI3u/voJUB8nMW/mBVz+E2Y4eT05qqo/ZlD/ceAmh5Py5hgYlkHiSmtuksdMRRZoVTVv86psJq8/Tlqop9j+ljcLKDqCNPifd4cTKIoTmHZPCYoGDydzrJuqhCL/Lw6LaaqtF3h1OMEP86KqoSN52kKLHdkLWk7PxAp/JWhHCG1+gacY2mH0Lc6rul0+84RKgQqO6SQj5y44Tu80w2zP5vj6btOeseOqbCEviYFuTAnBMGYhs5AZxawA3zOY8qJdLvGX332Y1yQ3aeNy3qnvTbyAMmCc9MLV2AyyfJz8gtAs6p7AdzcmTqtFHfAtpn6qbPP2kuiczYb1v4IvcHJFujqpK9JkP/mPMtQ4Q2K2OHiLF1guhiXn1fvjGkmPcfKaXb2jkSYvp8VS7Z/k/HXgNUDd8Vn530k5nTz0QlVHrI8ue5G+zeuV1rPDW1w/vjjEPy0TzkJQSobAgsgyG5II+wHCm0QMHNDArHoOIKwXZwAhGc+iVBxlEtprqSDw/QDhuumcVkU8+HeZkxafMA4bJRqgkCYJTFHbLjYbqTRPcj+guG5A/1rA8M4TBmKDPAMM3PMOCGsy7zBIC5K77WF4M53WOIV2+XiT9eOqWMzWjK8XKeazs6ataN1tefrRszz2498vypUOdwzRV5Z1CZ8NyNB7FWWGHnmEqPYGvnldxUVo7wi1HD8LVcTnBeJ2Ei8DIhMpZAiIIWUCuY4q7Q2U660zrCLjswHwPnIOsBkWeLI6Gha1YVJaVH1J8bcSN+dAf2+I3HszzwKq6KTWKKMxLvI4SiufUZNylxZ4xyUqRkEdmAhSRZ+2ppWSt5ZHHyi8UKgBk8aTxDHhP63qPNA+t63z4TwrDLusS9CH+9jLfEWmvrCsLBYNgY3xCOrjc6jbfShtNjVcq2ablv5+rYM+XhlLx+Oj2GCnxuXRRPf6rIv3ryfneYxYTnpfouY7cnAyOEVtOCO3FLBDX0qkmLNOU2uT1Kw663fcK7t9cabn5kyfa4TvhuyTWSc5JdksCh6ditbIbTOZYs4pw4y2AWwWkrYsbENrzMuNx+gC45pRS8VYJhLYFy9/rJOnXjd740ebDqC+ph+N2Su5gUpOZwBSSS6AZZw9hl9YGbQLUXsTnQ7CSSH99k3O7m3xcH/K2xe3+OJarZvzmdQxOrTgjHIsULMEW2cXk2VgROZ5jIraeR9T3HGfNNLAPodw39aIM5jftum1VvRDXS3mW5rQ36pyMB6urGQOdJKJ8xgo1Qe9Y8ADzOaQT8s1lj5MnPX3oc8F/FiVi/b/NKZ9NtTvltHIc+0MxSKtlXNd2TxeN7f4ofXVh7uxzXXXBJmLTIeobOAmiq3PpqwwXETJ0CnBBSrLhN2eM1DBRAXOG8l0zCzJbbanxqLkKSiGMgoHqrtbF6PUoMf4aNG2hOEdkiKozAdHjb5w2lDrL+Iuj8+2bQZGfbEp8oD1DXknM6ynvW9FaKGXZz5sl2PzqSb82AvU/f05JxUMtH+DYtGR/eZbeiNW78tvOl9aHrOu9af+jebRG1DFGCpNFhEkUs0KkcGuo/y90vozBu4z83KSWddhWBCB0nNMToRsx4g9RkX/tHH77JJchSyomHVFVXDSgwQ9fqm5J1XVV8PwCJo8PC6A96w/eNBGqBgi1wAKgkpq/ExhY172KYNgjGFKok2OA2XmL8zLWQBphQRPRiasc54hjpLccHXnWXd5Z2XGqHygf0JmYtRm96jwfjnfv8f5/o75OsJEGW/vzqZWHzVsGwnn+UXVDgI/vVbubfX+ofPgLX12+iPooOwo9h8VDxvWVdH/b2CB+CuI22KY+3OB9SXt2c9f3+vVDeL0Ut4Q4wXMmw6s7iPmbugkL8vVcyd5XVVtx34esRdglT3KRVGsvlrhSjEQPmnmJAMpkhj/amUXtfGNL6eewMnHSwB+CcA7OtN9wG+mfsyn59i0p1gUFOpPhiBzm9PlooPlqoPryz59USVeUshDtcAPkDiGHV71JDeki2VS+AkvH0eMOxnpcDOff0X7HfN6Lcvc5Xc8g45dl0rnhA8+RMOEDSEKZ8c7lA2HrowhSMMDJqsMkxDRjR+T3vuKl6Zv/QSpv4LpDT6it1orbrA7PraZoj6pV07z4/D+8EOrrnW0miVk1DNaR+vBMK9urlz+7ipoDtxR42UtciM9gBbrSPaMreu4q0XbzCHgCZS4pvPu/ShiHOm++03+6r2vrv4HO/QLmaA2AAA=&quot;"/>
-    <we:property name="initialStateBookmark" value="&quot;H4sIAAAAAAAAA+1bS3PbNhD+Kx5eevFkAOKdm+2mj0nTunbaSyfjWQALmS1FqiTlxM34vxcgpcYPOUwUW5FdHzIOAXCxu98+Qeh95ot2VsL5zzDF7Hm2X9d/TaH5a8dku1m1GPvll5ev9o5envy89+pFHK5nXVFXbfb8fdZBM8Hu96KdQ5koxME/3uxmUJaHMElPAcoWd7MZNm1dQVn8g8PiONU1c7zYzfDdrKwbSCSPO+gwkT2Ly+Nz3Js+Y3FHcF1xhsfoumH0CGd10y2eaUAhQDhDZOCeUuMMje+0w2zP5vj6tGnP2EFddVBUkYE0Jhgj6HOXa8iVIJqB7RkMRdktltjzF+9mTZQ7auN8lvS158+gcuizXrgG20GW99krhHbe9AReXJk4rueNwyMM/VTVFd15pHMyHda/BltidhF1ddjUUZP95I+Va3CKkdly5wjPsJoPS07rtwcNRj367Dm5eBNH2qKalAu1f5Dz9cCrgybxWds/o3KSPPGFuvHY7J/3In1bNEut57vXuL5/cSL/cRkzGpwQ3DniWJ5rF5jbDhD2QmRgJw5M68cAwmpxBhCCssRzQZEHJq3kAhzdDhAum85xXfqd36oiavEB43CrRAMUXAWGwUsNgQrFhaSBbwcUlw3o1zkM7zxgIG6RZ4CBWpqA0Cq3Bh3XwKlZH4a9yaTBCXSLx6usH9TlfLpifLVIvpietF0d112Xpx89KXw//t28WupwwxB9ZVkX8GmHBK0VnudokXrwYmvgmzW1n7vuhlCL8RNXe3xcIK4n8SIgEhZcjoDoQs6QSi/C1kC52jrdMjI+GgA/R84BNkUcDVp6RbxUhHONoi8pPipxewrx7xWRe2+muUPhDZcSuVfKeOpHaRXT2KTcpAXWUI6CxKAOhDkuvA1r0wrBak29dTG8xFADKowniYOI/6RuChf3uW6dd+dZbthlVYLe3cZe5isy9YVlZTlvI9jo96E5OIWm24bS5raGa9lsx6V/XuqgD5bGkni8FxtMalycRaTXpyneP89OC++xynpfis23p2C4MyK24SS6JYMN+lKIijlJmlqZpKb1Sb/jVtntkzM9Nmf6VCN8M2SfXBtOY5LNPaPeCK8VXzeTCWKMUERJ7UDnLkhN3Dq0xrxcWfTGESpJbKkIyVkA/eTl93Xy1Otma/zotgOor+1H0dRFMDIH4IJTBiSnZF0/0txJ47y0yhvpmOGM2/Wblc3b1O72lKlP5v3FNVeaszmX3hvUYJQwxMWmB9bOEirPQbHcUu9FbMutD37D/c5II/oYwnbXIE5hdt2mV1rR9009n61pQh9V5WA8VGhODMjAA6XexZTt5IYBdzCdQTGpVlj6MHHSf8h8LOD7upp3/9OY9slQv1lEI0ulUTEWSSmMSeXveP3b4bvO1u9uxjaTjvtz44l0XmhHlWdrnzFppijznKARjDIUmjC9PmcgnPICjFWcSJ/rKLdanxrxnAYnCHLPDIj0jZyNUoMe4/1510UMb5BkTuTWmdiwMyNVbOGZ3+Qx2LpF/agvtmXhsLkibzbFZtL7locOenlmw3YFth96nve9QOnvT0VUwUD7dyjniew338Y3fP22+ib50uK4dKU/9W+0914AC0JQyGgRjmOsWcET2HSU/6y0/oiB+8S8HHieOgwNzMX07INhLt8wYvdR0T9s3D65JBcud8LnqahyhlvgIMc/Tm5JVfXVMNyHtnD3C+Bn1h/UScWEd55KAAFOBDF+bnBrXrYhB6eUIoKjDoZCzMxfmJdzB1wzDjYaGdPGWII4SvKWT3CWpI9wmucklg/xH+M5G7XZLSq8n87pP+OcfsN87WOIGW/rzqaWlxPWjYSz4qzuBoEfXit3VL+96zx4TZ9JfxE6qBLF/nLwsGFTl/3/BhYif2Xkthzm/p5jcx737Ocv7/XsCvH4UtFGxkuYtQmsdBk5DR0WVbV8TpI3dd0l9guPvQDL7FHNy3J5+4QKQYDZIInhBDgLbPz2ySZq4ys3oB7AycdTAH4KwBs6073Du08/FJNTbLtjLMsY6g+HIHOd08WincWqncvLPtyMYk8p5K5a4DtIHMMOz3qSt6SLRVJ4ief3I8aNjLR7O5//RfsN83opy9zkdzyDjl0H4MYw66zzijDtnGdGj3coa1w7IASBK+owaKEIB49m/Ah15eFuJHbtp0T9J5je4D1aLaWgCtPxsc5F7JN65bQ/DLwMP5hKraOWJCCJPaM2cT0oYsXVlYvfTzlJgZrYeGmNVHELINkqkj1jqzruet61M3B4CBWu6Lx7P/LoR7rvfpNsKX2RYsPHX0js/9erX1z8C0vVlryJNgAA&quot;"/>
-    <we:property name="isFooterCollapsed" value="true"/>
+    <we:property name="bookmark" value="&quot;H4sIAAAAAAAAA+1bWXPbOBL+Ky69zIsrBRB33mLP7M7WHuWNZ+dlK+VqAA2ZMxSpJSkn3pT/+zZJaeJDGsYaS5G9fkg5xNHo7q8PNAB9nsS8mRdw/Q+Y4eTt5KSqfp1B/euRmxxPyrttIiqjrQNmg7Ys8wpZpFHVvM2rspm8/TxpoZ5i+3PeLKDoCFLjvz8cT6AozmDafSUoGjyezLFuqhKK/L84DKautl7gzfEEP82LqoaO5HkLLXZkr2g4fRMr/I2gFSG0+RWeY2iH1vc4r+p2+c0TKgUqOKaTjJy74DjNaYbens3x8d2iPWOnVdlCXhIDXZsSgmHMQmYhM4pZAb5nMOVFuxzir3/4NK9JbtLG9bxT37t4BWXATlUkXI3NIMvnyd8RmkXdE/jhTsd5tagDvsfUd5Vt3l4TnYvZMP4n8AVObkhXZ3VFmuw7/1KGGmdIzBZH7/EKy8Uw5LL6eFoj6TFO3rKbD9TS5OW0WKr9i5w/DbwGqHtI/S+knE4emlDVEeuT616k7/N6pfXs+B7XuxeH+KdhwlkISskQWBBZZkMS4TBAeJeIgSNqmFUvAYT14gwgJONZlIqjTEJ7LRUEfhgg3Dad86qIR/8qc9LiM8Zho0QDFNIkgSlqC4krI5XmSR4GFLcN6J8LGOY8YyA2yDPAwD3vgLAm8w6DtCC52x6Gd9NpjVNol593WT+tisVsTft6kWI+u2jaisbdl6dvvchj3/6nRbnS4Z4h+sayLuGzARl6r6LM0COPENXBwDevq7gI7QOhlu0XoYr4skDcTuJlQGQihQwBMaRMINdRpYOBcr11hlVkfDEAPkbOATbDAk9WR8OiNkxKi6rfUvyuxM0l0N87IvfezLOAKjqpNcpojIs8jtLKZ1SkPKQF3nGJilFQByaCVNGnrWml5K3l0QcKLxRqwKTxJHFK+E+rOg+0zn3rfDrPCsMq6xL08SHWMt+QqT+4rSwWDYGN8QTq00uo20PY2mwquFbFNg395VYFfboylo7Hndhgp8bl0UQ3fdbF+7eTyzxGLCe9L1HxHTk4GZyiMpyRWwrYoy8lUsxFp6m1SWpWXfQrHpTdvjrTS3OmrzXCD0P2yayTnJJsFgWPTkVr5LaZTDHnlGFG2wA2C0lbFrahNeblxmN0gXHNqKRiLBMJ7KuX7+rkqdfNwfjRpgOob+1HZOoqOZ0BSCW5AJZxtq0fWRm0C1F7E50Owkkh/fbFyv5t6vhwtqmv5r3zPZfPpI7RoQVnlGOBCiLYRdRXJsvAiMzzGBWV8z6muOc6aaSAfQnhvq0RZzC/D81a6/tzXS3mW5re76pyCKlcWckc6CQT5zFQqg96z4AHmM0hn5ZrPGTouOjvQ18K+LEqF+3/aSz8aqg/LKOR59oZikVaK+e6bfP4vrnFT62vPj3M+K67JshcZDpEZQM3UWx9NmWF4SJKhk4JLlBZJuz2nIEKJipw3kimY2ZJbrM9NRYlT0ExlFE4UN3duhilBj3GJ4u2JQwfkBRBZT44KvSF04ZKfxH3eXy2bTEw6otNkQes78g7mWE97X0rQgu9PPNhuRybL1nzcy9Q9/dvOalgoP0zFIuO7Hff04xYfSy/63xpecy61p/6Gc3ON86KMVSaLCJIpL0uRAb7jvKPSusvGLivzMtJZl1lYkEESs8xORGyPSO2i0rgeeP2VVv53t9CFlTMuk1VcNKDBD1+qXkgu6pvhuEJNHnYLYCP3H/woI1QMUSuARQEldT4ecPGvOxTBsEYw5REmxwHysx/MC9nAaQVEjwZmbDOeYY4SnLD1Z1n3eWdlRmj7QP9EzITozZ7QBvv1/P9R5zv75mvE0yU8Q7uTGv1qGHbSDjPr6p2EPj5lXLvq49PnQfv6bPTH0EHZUexf1Q8LFhXRf+/gQXiryBui6HvPwusr2nNvv/2Wm/uEKdJeUOMFzBvOrC6R8xd01lelqvvTvK6qtqO/TxiL8Aqe5SLoli9WuFKMRA+aeYkAymSGH+1so+98Z2XU8/g5OM1AL8G4D2d6T7hm6kf8+klNu05FgWF+rMhyNzndDnoaDnq6PawLy+qxGsKeaoS+AkSx7DCm57khnSxTAp/xevdiPEgIx1v5vO3aL9nXm9lmYf8jmfQsQsl6ZzwwYdomLAhROHseIWy4dCVMQRpeMBklWESIrrxY9JHX4JR972fIPVXML3BR/RWa8UNdsfHNlNUJ/XKaX4c5g8/tOpKR6tZQkY1o3U0Hgzz6u7I5e+ugubAHRVe1iI30gNosY5kz9i6irtatM0cAp5BiWsq796PIsaR6rtf5Lfa++bmf9PwYfKgNgAA&quot;"/>
+    <we:property name="initialStateBookmark" value="&quot;H4sIAAAAAAAAA+1bS3PcNhL+KypeclG5AOLtm6Q4yZbXiSJlc9lyqRpAY8SEQ86SHNlal/77AuRMrMeMaU2k8Uirg0smHo3u/vqBBjCfMl+0sxIuf4YpZq+zw7r+cwrNn3sm28+qRdsvv7x9d3Dy9uzng3dvYnM964q6arPXn7IOmgl2vxftHMpEITb++/1+BmV5DJP0FaBscT+bYdPWFZTFf3EYHLu6Zo5X+xl+nJV1A4nkaQcdJrIXcXj8jmvTVyyuCK4rLvAUXTe0nuCsbrrFNw0oBAhniAzcU2qcoXFOO/T2bI6PT4v2jB3VVQdFFRlIbYIxgj53uYZcCaIZ2J7BUJTdYoi9fPNx1kS5ozYuZ0lfB/4CKoc+64VrsB1k+ZS9Q2jnTU/gzY2O03reODzB0HdVXdFdRjpn02H8b2BLzK6iro6bOmqy7/xH5RqcYmS23DvBC6zmw5Dz+sNRg1GPPntNrt7HlraoJuVC7Z/l/G3g1UGT+KztH1E5SZ44oW48NoeXvUjfF81S6/n+La4fX5zIfxzGjAYnBHeOOJbn2gXmdgOEgxAZ2IsN0/o5gLBanAGEoCzxXFDkgUkruQBHdwOE66ZzWpd+719VEbX4hHFYK9EABVeBYfBSQ6BCcSFp4LsBxXUD+nUOw5wnDMQaeQYYqKUJCK1ya9BxDZyazWE4mEwanEC3+LzJ+lFdzqcr2leL5IvpWdvVcdxtefrWs8L37T/Mq6UOtwzRN5Z1AZ92SNBa4XmOFqkHL3YGvllT+7nr7gi1aD9ztcfnBeJmEi8CImHB5QiILuQMqfQi7AyUq63TLSPjswHwPnIOsCniaNDSK+KlIpxrFP2W4osSt+cQ/94QufdmmjsU3nApkXuljKd+lFYxjUXKXVpgDeUoSAzqQJjjwtuwMa0QrNbUWxfDSww1oMJ4kjiK+E/qpnBxndvW+XCe5YZVViXo/V2sZb4hU39zW1nO2wg2+kNojs6h6XZha7Ou4FoW23HoH9cq6KOlsSQeH8UGkxoXZxFp+jTF+9fZeeE9VlnvS7H49hQMd0bEMpxEt2SwRV8KUTFnSVMrk9S0PutX3Cm7fXGm5+ZMX2uE74fsk2vDaUyyuWfUG+G14ptmMkGMEYooqR3o3AWpiduE1piXK4veOEIliSUVITkLoF+8/LFOnnrd7IwfrTuA+tZ+FE1dBCNzAC44ZUBySjb1I82dNM5Lq7yRjhnOuN28WNm+Te3vzjb1xbwffc9lcy69N6jBKGGIiwURPEbUFyrPQbHcUu9FLOetD37LddJIAfscwn3XIE5hdhualdb3Y1PPZxua3hdVOYRUKjQnBmTggVLvYqp3csuAO5jOoJhUKzxk6DjrL0CfC/i+rubd/2ks/Gqo3y+ikaXSqBiLpBTGpG3z+L65w4+drT/ezfgmXRPkxhPpvNCOKs82PpvSTFHmOUEjGGUoNGF6c85AOOUFGKs4kT7XUW61OTXiOQ1OEOSeGRDpbp2NUoMe48N510UM75BkTuTWmVjoMyNVLP2Z3+bx2abFwKgvtmXhsLkhbzbFZtL7locOenlmw3IFtp+z5qdeoPT3n0VUwUD7dyjniex338cZvv5QfZd8aXHMutKf+hnto2+cBSEoZLQIxzHudcET2HaUv1daf8bAfWVeDjxPlYkG5mJ69sEwl28ZsceoBJ42bl+1le/9zeVO+DxtqpzhFjjI8UvNHdlVfTMMD6Et3OMCeM/9B3VSMeGdpxJAgBNBjJ83rM3LNuTglFJEcNTBUIiZ+W/m5dwB14yDjUbGtDGWII6SXHN1Z0m6vNM8J3H7EP8xnrNRm92hjffL+f49zve3zNchhpjxdu5Ma/moYdNIOCsu6m4Q+OmVcif1h4fOg7f0mfQXoYMqUewfFQ8LNnXZ/29gIfJXRm7Loe8/c2wu45p9//W1Xt0gHicVbWS8hFmbwEqPmFPTcVFVy+8keVPXXWK/8NgLsMwe1bwsl69WqBAEmA2SGE6As8DGX61sY2984+XUEzj5eAnALwF4S2e6D/hm6qdico5td4plGUP98RBkbnO6GLS3GLV3fdjnF1XsJYU8VAn8AIljWOFVT3JNulgkhbd4+Thi3MlI++v5/Cvab5nXa1nmLr/jGXTsQokbw6yzzivCtHOeGT1eoaw5dCUEgSvqMGihCAePZvyY9N6XYLH71k+Q+iuY3uA9Wi2loArT8bHORayTeuW0Pw3zhx9apdJRSxKQxJpRmzgeFLHi5sjF766cpEBNLLy0Rqq4BZBsFcmesVUVdz3v2hk4PIYKV1TevR959CPVd79ItpS+SLHhyxMS+3/V6ldX/wMdDrybwTYAAA==&quot;"/>
     <we:property name="isFiltersActionButtonVisible" value="false"/>
     <we:property name="isVisualContainerHeaderHidden" value="false"/>
-    <we:property name="reportEmbeddedTime" value="&quot;2024-03-05T17:58:44.708Z&quot;"/>
+    <we:property name="reportEmbeddedTime" value="&quot;2024-03-05T20:01:33.212Z&quot;"/>
     <we:property name="creatorTenantId" value="&quot;8e86cf5e-1252-41a5-a7b2-0fdbb91a3524&quot;"/>
     <we:property name="creatorUserId" value="&quot;10032002FA1086AF&quot;"/>
-    <we:property name="creatorSessionId" value="&quot;1520729e-c3e1-4663-9023-fd44065125c5&quot;"/>
+    <we:property name="creatorSessionId" value="&quot;d3e60f6e-1a1b-4e0c-a91d-9b855e6ab37c&quot;"/>
   </we:properties>
   <we:bindings/>
   <we:snapshot xmlns:r="http://schemas.openxmlformats.org/officeDocument/2006/relationships" r:embed="rId1"/>
